--- a/03_final_data/Global Imbalances and Core-Periphery Model in the EU.pptx
+++ b/03_final_data/Global Imbalances and Core-Periphery Model in the EU.pptx
@@ -5,31 +5,41 @@
     <p:sldMasterId id="2147483660" r:id="rId4"/>
   </p:sldMasterIdLst>
   <p:notesMasterIdLst>
-    <p:notesMasterId r:id="rId19"/>
+    <p:notesMasterId r:id="rId29"/>
   </p:notesMasterIdLst>
   <p:handoutMasterIdLst>
-    <p:handoutMasterId r:id="rId20"/>
+    <p:handoutMasterId r:id="rId30"/>
   </p:handoutMasterIdLst>
   <p:sldIdLst>
-    <p:sldId id="257" r:id="rId5"/>
-    <p:sldId id="258" r:id="rId6"/>
-    <p:sldId id="259" r:id="rId7"/>
-    <p:sldId id="260" r:id="rId8"/>
-    <p:sldId id="261" r:id="rId9"/>
-    <p:sldId id="262" r:id="rId10"/>
-    <p:sldId id="263" r:id="rId11"/>
-    <p:sldId id="264" r:id="rId12"/>
-    <p:sldId id="265" r:id="rId13"/>
-    <p:sldId id="266" r:id="rId14"/>
-    <p:sldId id="267" r:id="rId15"/>
-    <p:sldId id="268" r:id="rId16"/>
-    <p:sldId id="270" r:id="rId17"/>
-    <p:sldId id="269" r:id="rId18"/>
+    <p:sldId id="293" r:id="rId5"/>
+    <p:sldId id="294" r:id="rId6"/>
+    <p:sldId id="257" r:id="rId7"/>
+    <p:sldId id="258" r:id="rId8"/>
+    <p:sldId id="278" r:id="rId9"/>
+    <p:sldId id="279" r:id="rId10"/>
+    <p:sldId id="271" r:id="rId11"/>
+    <p:sldId id="280" r:id="rId12"/>
+    <p:sldId id="274" r:id="rId13"/>
+    <p:sldId id="262" r:id="rId14"/>
+    <p:sldId id="263" r:id="rId15"/>
+    <p:sldId id="275" r:id="rId16"/>
+    <p:sldId id="283" r:id="rId17"/>
+    <p:sldId id="284" r:id="rId18"/>
+    <p:sldId id="267" r:id="rId19"/>
+    <p:sldId id="266" r:id="rId20"/>
+    <p:sldId id="288" r:id="rId21"/>
+    <p:sldId id="268" r:id="rId22"/>
+    <p:sldId id="270" r:id="rId23"/>
+    <p:sldId id="269" r:id="rId24"/>
+    <p:sldId id="285" r:id="rId25"/>
+    <p:sldId id="289" r:id="rId26"/>
+    <p:sldId id="286" r:id="rId27"/>
+    <p:sldId id="287" r:id="rId28"/>
   </p:sldIdLst>
   <p:sldSz cx="9144000" cy="5143500" type="screen16x9"/>
   <p:notesSz cx="6858000" cy="9144000"/>
   <p:custDataLst>
-    <p:tags r:id="rId21"/>
+    <p:tags r:id="rId31"/>
   </p:custDataLst>
   <p:defaultTextStyle>
     <a:defPPr>
@@ -127,6 +137,46 @@
     </a:lvl9pPr>
   </p:defaultTextStyle>
   <p:extLst>
+    <p:ext uri="{521415D9-36F7-43E2-AB2F-B90AF26B5E84}">
+      <p14:sectionLst xmlns:p14="http://schemas.microsoft.com/office/powerpoint/2010/main">
+        <p14:section name="Marie Part" id="{1D916ACB-47E1-4DAE-B318-B42779E45BDC}">
+          <p14:sldIdLst>
+            <p14:sldId id="293"/>
+            <p14:sldId id="294"/>
+            <p14:sldId id="257"/>
+            <p14:sldId id="258"/>
+            <p14:sldId id="278"/>
+            <p14:sldId id="279"/>
+            <p14:sldId id="271"/>
+            <p14:sldId id="280"/>
+            <p14:sldId id="274"/>
+          </p14:sldIdLst>
+        </p14:section>
+        <p14:section name="Elia Part" id="{8A103C12-79CE-46DF-AEEC-D228DF3612FC}">
+          <p14:sldIdLst>
+            <p14:sldId id="262"/>
+            <p14:sldId id="263"/>
+            <p14:sldId id="275"/>
+            <p14:sldId id="283"/>
+            <p14:sldId id="284"/>
+            <p14:sldId id="267"/>
+          </p14:sldIdLst>
+        </p14:section>
+        <p14:section name="Marie Part" id="{713C50CC-D55D-423C-A61C-E64AEF043C00}">
+          <p14:sldIdLst>
+            <p14:sldId id="266"/>
+            <p14:sldId id="288"/>
+            <p14:sldId id="268"/>
+            <p14:sldId id="270"/>
+            <p14:sldId id="269"/>
+            <p14:sldId id="285"/>
+            <p14:sldId id="289"/>
+            <p14:sldId id="286"/>
+            <p14:sldId id="287"/>
+          </p14:sldIdLst>
+        </p14:section>
+      </p14:sectionLst>
+    </p:ext>
     <p:ext uri="{EFAFB233-063F-42B5-8137-9DF3F51BA10A}">
       <p15:sldGuideLst xmlns:p15="http://schemas.microsoft.com/office/powerpoint/2012/main">
         <p15:guide id="2" pos="2880">
@@ -165,6 +215,15 @@
 </p:cmAuthorLst>
 </file>
 
+<file path=ppt/revisionInfo.xml><?xml version="1.0" encoding="utf-8"?>
+<p1510:revInfo xmlns:a="http://schemas.openxmlformats.org/drawingml/2006/main" xmlns:r="http://schemas.openxmlformats.org/officeDocument/2006/relationships" xmlns:p1510="http://schemas.microsoft.com/office/powerpoint/2015/10/main">
+  <p1510:revLst>
+    <p1510:client id="{28963087-E92B-3E44-BDB6-AD73A0AE9D9C}" v="1888" vWet="1892" dt="2024-01-18T09:31:53.975"/>
+    <p1510:client id="{2D3D1CD2-5BCB-4803-ADE4-B6A3271AC9E5}" v="5264" dt="2024-01-27T14:23:00.788"/>
+  </p1510:revLst>
+</p1510:revInfo>
+</file>
+
 <file path=ppt/handoutMasters/handoutMaster1.xml><?xml version="1.0" encoding="utf-8"?>
 <p:handoutMaster xmlns:a="http://schemas.openxmlformats.org/drawingml/2006/main" xmlns:r="http://schemas.openxmlformats.org/officeDocument/2006/relationships" xmlns:p="http://schemas.openxmlformats.org/presentationml/2006/main">
   <p:cSld>
@@ -255,7 +314,7 @@
                 <a:ea typeface="Verdana" pitchFamily="34" charset="0"/>
                 <a:cs typeface="Verdana" pitchFamily="34" charset="0"/>
               </a:rPr>
-              <a:t>14.01.2024</a:t>
+              <a:t>27.01.2024</a:t>
             </a:fld>
             <a:endParaRPr lang="de-AT" sz="1000" dirty="0">
               <a:latin typeface="Verdana" pitchFamily="34" charset="0"/>
@@ -445,7 +504,7 @@
             <a:fld id="{C0A972FC-F5E0-4F80-B169-F0B5EFC71333}" type="datetimeFigureOut">
               <a:rPr lang="de-AT" smtClean="0"/>
               <a:pPr/>
-              <a:t>14.01.2024</a:t>
+              <a:t>27.01.2024</a:t>
             </a:fld>
             <a:endParaRPr lang="de-AT" dirty="0"/>
           </a:p>
@@ -719,6 +778,261 @@
     </a:lvl9pPr>
   </p:notesStyle>
 </p:notesMaster>
+</file>
+
+<file path=ppt/notesSlides/notesSlide1.xml><?xml version="1.0" encoding="utf-8"?>
+<p:notes xmlns:a="http://schemas.openxmlformats.org/drawingml/2006/main" xmlns:r="http://schemas.openxmlformats.org/officeDocument/2006/relationships" xmlns:p="http://schemas.openxmlformats.org/presentationml/2006/main">
+  <p:cSld>
+    <p:spTree>
+      <p:nvGrpSpPr>
+        <p:cNvPr id="1" name=""/>
+        <p:cNvGrpSpPr/>
+        <p:nvPr/>
+      </p:nvGrpSpPr>
+      <p:grpSpPr>
+        <a:xfrm>
+          <a:off x="0" y="0"/>
+          <a:ext cx="0" cy="0"/>
+          <a:chOff x="0" y="0"/>
+          <a:chExt cx="0" cy="0"/>
+        </a:xfrm>
+      </p:grpSpPr>
+      <p:sp>
+        <p:nvSpPr>
+          <p:cNvPr id="2" name="Slide Image Placeholder 1"/>
+          <p:cNvSpPr>
+            <a:spLocks noGrp="1" noRot="1" noChangeAspect="1"/>
+          </p:cNvSpPr>
+          <p:nvPr>
+            <p:ph type="sldImg"/>
+          </p:nvPr>
+        </p:nvSpPr>
+        <p:spPr/>
+      </p:sp>
+      <p:sp>
+        <p:nvSpPr>
+          <p:cNvPr id="3" name="Notes Placeholder 2"/>
+          <p:cNvSpPr>
+            <a:spLocks noGrp="1"/>
+          </p:cNvSpPr>
+          <p:nvPr>
+            <p:ph type="body" idx="1"/>
+          </p:nvPr>
+        </p:nvSpPr>
+        <p:spPr/>
+        <p:txBody>
+          <a:bodyPr/>
+          <a:lstStyle/>
+          <a:p>
+            <a:endParaRPr lang="en-GB" dirty="0"/>
+          </a:p>
+        </p:txBody>
+      </p:sp>
+      <p:sp>
+        <p:nvSpPr>
+          <p:cNvPr id="4" name="Slide Number Placeholder 3"/>
+          <p:cNvSpPr>
+            <a:spLocks noGrp="1"/>
+          </p:cNvSpPr>
+          <p:nvPr>
+            <p:ph type="sldNum" sz="quarter" idx="5"/>
+          </p:nvPr>
+        </p:nvSpPr>
+        <p:spPr/>
+        <p:txBody>
+          <a:bodyPr/>
+          <a:lstStyle/>
+          <a:p>
+            <a:fld id="{219CC2FD-B32F-4992-A15B-F95E2E35C81B}" type="slidenum">
+              <a:rPr lang="de-AT" smtClean="0"/>
+              <a:pPr/>
+              <a:t>7</a:t>
+            </a:fld>
+            <a:endParaRPr lang="de-AT" dirty="0"/>
+          </a:p>
+        </p:txBody>
+      </p:sp>
+    </p:spTree>
+    <p:extLst>
+      <p:ext uri="{BB962C8B-B14F-4D97-AF65-F5344CB8AC3E}">
+        <p14:creationId xmlns:p14="http://schemas.microsoft.com/office/powerpoint/2010/main" val="2789751270"/>
+      </p:ext>
+    </p:extLst>
+  </p:cSld>
+  <p:clrMapOvr>
+    <a:masterClrMapping/>
+  </p:clrMapOvr>
+</p:notes>
+</file>
+
+<file path=ppt/notesSlides/notesSlide2.xml><?xml version="1.0" encoding="utf-8"?>
+<p:notes xmlns:a="http://schemas.openxmlformats.org/drawingml/2006/main" xmlns:r="http://schemas.openxmlformats.org/officeDocument/2006/relationships" xmlns:p="http://schemas.openxmlformats.org/presentationml/2006/main">
+  <p:cSld>
+    <p:spTree>
+      <p:nvGrpSpPr>
+        <p:cNvPr id="1" name=""/>
+        <p:cNvGrpSpPr/>
+        <p:nvPr/>
+      </p:nvGrpSpPr>
+      <p:grpSpPr>
+        <a:xfrm>
+          <a:off x="0" y="0"/>
+          <a:ext cx="0" cy="0"/>
+          <a:chOff x="0" y="0"/>
+          <a:chExt cx="0" cy="0"/>
+        </a:xfrm>
+      </p:grpSpPr>
+      <p:sp>
+        <p:nvSpPr>
+          <p:cNvPr id="2" name="Folienbildplatzhalter 1"/>
+          <p:cNvSpPr>
+            <a:spLocks noGrp="1" noRot="1" noChangeAspect="1"/>
+          </p:cNvSpPr>
+          <p:nvPr>
+            <p:ph type="sldImg"/>
+          </p:nvPr>
+        </p:nvSpPr>
+        <p:spPr/>
+      </p:sp>
+      <p:sp>
+        <p:nvSpPr>
+          <p:cNvPr id="3" name="Notizenplatzhalter 2"/>
+          <p:cNvSpPr>
+            <a:spLocks noGrp="1"/>
+          </p:cNvSpPr>
+          <p:nvPr>
+            <p:ph type="body" idx="1"/>
+          </p:nvPr>
+        </p:nvSpPr>
+        <p:spPr/>
+        <p:txBody>
+          <a:bodyPr/>
+          <a:lstStyle/>
+          <a:p>
+            <a:endParaRPr lang="en-US" dirty="0"/>
+          </a:p>
+        </p:txBody>
+      </p:sp>
+      <p:sp>
+        <p:nvSpPr>
+          <p:cNvPr id="4" name="Foliennummernplatzhalter 3"/>
+          <p:cNvSpPr>
+            <a:spLocks noGrp="1"/>
+          </p:cNvSpPr>
+          <p:nvPr>
+            <p:ph type="sldNum" sz="quarter" idx="5"/>
+          </p:nvPr>
+        </p:nvSpPr>
+        <p:spPr/>
+        <p:txBody>
+          <a:bodyPr/>
+          <a:lstStyle/>
+          <a:p>
+            <a:fld id="{219CC2FD-B32F-4992-A15B-F95E2E35C81B}" type="slidenum">
+              <a:rPr lang="de-AT" smtClean="0"/>
+              <a:pPr/>
+              <a:t>8</a:t>
+            </a:fld>
+            <a:endParaRPr lang="de-AT" dirty="0"/>
+          </a:p>
+        </p:txBody>
+      </p:sp>
+    </p:spTree>
+    <p:extLst>
+      <p:ext uri="{BB962C8B-B14F-4D97-AF65-F5344CB8AC3E}">
+        <p14:creationId xmlns:p14="http://schemas.microsoft.com/office/powerpoint/2010/main" val="1986558010"/>
+      </p:ext>
+    </p:extLst>
+  </p:cSld>
+  <p:clrMapOvr>
+    <a:masterClrMapping/>
+  </p:clrMapOvr>
+</p:notes>
+</file>
+
+<file path=ppt/notesSlides/notesSlide3.xml><?xml version="1.0" encoding="utf-8"?>
+<p:notes xmlns:a="http://schemas.openxmlformats.org/drawingml/2006/main" xmlns:r="http://schemas.openxmlformats.org/officeDocument/2006/relationships" xmlns:p="http://schemas.openxmlformats.org/presentationml/2006/main">
+  <p:cSld>
+    <p:spTree>
+      <p:nvGrpSpPr>
+        <p:cNvPr id="1" name=""/>
+        <p:cNvGrpSpPr/>
+        <p:nvPr/>
+      </p:nvGrpSpPr>
+      <p:grpSpPr>
+        <a:xfrm>
+          <a:off x="0" y="0"/>
+          <a:ext cx="0" cy="0"/>
+          <a:chOff x="0" y="0"/>
+          <a:chExt cx="0" cy="0"/>
+        </a:xfrm>
+      </p:grpSpPr>
+      <p:sp>
+        <p:nvSpPr>
+          <p:cNvPr id="2" name="Folienbildplatzhalter 1"/>
+          <p:cNvSpPr>
+            <a:spLocks noGrp="1" noRot="1" noChangeAspect="1"/>
+          </p:cNvSpPr>
+          <p:nvPr>
+            <p:ph type="sldImg"/>
+          </p:nvPr>
+        </p:nvSpPr>
+        <p:spPr/>
+      </p:sp>
+      <p:sp>
+        <p:nvSpPr>
+          <p:cNvPr id="3" name="Notizenplatzhalter 2"/>
+          <p:cNvSpPr>
+            <a:spLocks noGrp="1"/>
+          </p:cNvSpPr>
+          <p:nvPr>
+            <p:ph type="body" idx="1"/>
+          </p:nvPr>
+        </p:nvSpPr>
+        <p:spPr/>
+        <p:txBody>
+          <a:bodyPr/>
+          <a:lstStyle/>
+          <a:p>
+            <a:endParaRPr lang="en-US" dirty="0"/>
+          </a:p>
+        </p:txBody>
+      </p:sp>
+      <p:sp>
+        <p:nvSpPr>
+          <p:cNvPr id="4" name="Foliennummernplatzhalter 3"/>
+          <p:cNvSpPr>
+            <a:spLocks noGrp="1"/>
+          </p:cNvSpPr>
+          <p:nvPr>
+            <p:ph type="sldNum" sz="quarter" idx="5"/>
+          </p:nvPr>
+        </p:nvSpPr>
+        <p:spPr/>
+        <p:txBody>
+          <a:bodyPr/>
+          <a:lstStyle/>
+          <a:p>
+            <a:fld id="{219CC2FD-B32F-4992-A15B-F95E2E35C81B}" type="slidenum">
+              <a:rPr lang="de-AT" smtClean="0"/>
+              <a:pPr/>
+              <a:t>15</a:t>
+            </a:fld>
+            <a:endParaRPr lang="de-AT" dirty="0"/>
+          </a:p>
+        </p:txBody>
+      </p:sp>
+    </p:spTree>
+    <p:extLst>
+      <p:ext uri="{BB962C8B-B14F-4D97-AF65-F5344CB8AC3E}">
+        <p14:creationId xmlns:p14="http://schemas.microsoft.com/office/powerpoint/2010/main" val="4011172612"/>
+      </p:ext>
+    </p:extLst>
+  </p:cSld>
+  <p:clrMapOvr>
+    <a:masterClrMapping/>
+  </p:clrMapOvr>
+</p:notes>
 </file>
 
 <file path=ppt/slideLayouts/slideLayout1.xml><?xml version="1.0" encoding="utf-8"?>
@@ -6949,8 +7263,8 @@
         </p:nvSpPr>
         <p:spPr>
           <a:xfrm>
-            <a:off x="482117" y="1079257"/>
-            <a:ext cx="5436000" cy="465043"/>
+            <a:off x="605407" y="1093406"/>
+            <a:ext cx="5436000" cy="649459"/>
           </a:xfrm>
         </p:spPr>
         <p:txBody>
@@ -6958,10 +7272,9 @@
           <a:lstStyle/>
           <a:p>
             <a:r>
-              <a:rPr lang="de-DE" sz="2800" dirty="0"/>
-              <a:t>Global Imbalances and the Core-Periphery Model</a:t>
-            </a:r>
-            <a:endParaRPr lang="en-GB" sz="2800" dirty="0"/>
+              <a:rPr lang="en-GB" sz="1800" dirty="0"/>
+              <a:t>Asymmetric Effects of US Monetary Policy International Edition </a:t>
+            </a:r>
           </a:p>
         </p:txBody>
       </p:sp>
@@ -6983,7 +7296,7 @@
         </p:nvSpPr>
         <p:spPr>
           <a:xfrm>
-            <a:off x="482117" y="1597278"/>
+            <a:off x="605407" y="819346"/>
             <a:ext cx="5436000" cy="274060"/>
           </a:xfrm>
         </p:spPr>
@@ -6992,10 +7305,9 @@
           <a:lstStyle/>
           <a:p>
             <a:r>
-              <a:rPr lang="de-DE" dirty="0"/>
-              <a:t>An EU perspective</a:t>
-            </a:r>
-            <a:endParaRPr lang="en-GB" dirty="0"/>
+              <a:rPr lang="en-GB" dirty="0"/>
+              <a:t>Discussion:</a:t>
+            </a:r>
           </a:p>
         </p:txBody>
       </p:sp>
@@ -7017,33 +7329,43 @@
         </p:nvSpPr>
         <p:spPr>
           <a:xfrm>
-            <a:off x="287338" y="2379600"/>
-            <a:ext cx="4284662" cy="682440"/>
+            <a:off x="287338" y="2392326"/>
+            <a:ext cx="4284662" cy="464331"/>
           </a:xfrm>
         </p:spPr>
         <p:txBody>
-          <a:bodyPr/>
+          <a:bodyPr tIns="108000" bIns="108000"/>
           <a:lstStyle/>
           <a:p>
-            <a:pPr algn="ctr"/>
-            <a:r>
-              <a:rPr lang="de-DE" sz="1600" dirty="0"/>
-              <a:t>Marie Püts and Elia Di Gregorio</a:t>
-            </a:r>
-            <a:endParaRPr lang="en-GB" sz="1600" dirty="0"/>
+            <a:r>
+              <a:rPr lang="en-GB" sz="1600" dirty="0"/>
+              <a:t>Elia Di Gregorio &amp; Marie Püts </a:t>
+            </a:r>
           </a:p>
         </p:txBody>
       </p:sp>
     </p:spTree>
     <p:extLst>
       <p:ext uri="{BB962C8B-B14F-4D97-AF65-F5344CB8AC3E}">
-        <p14:creationId xmlns:p14="http://schemas.microsoft.com/office/powerpoint/2010/main" val="4278082151"/>
+        <p14:creationId xmlns:p14="http://schemas.microsoft.com/office/powerpoint/2010/main" val="16652988"/>
       </p:ext>
     </p:extLst>
   </p:cSld>
   <p:clrMapOvr>
     <a:masterClrMapping/>
   </p:clrMapOvr>
+  <mc:AlternateContent xmlns:mc="http://schemas.openxmlformats.org/markup-compatibility/2006" xmlns:p14="http://schemas.microsoft.com/office/powerpoint/2010/main">
+    <mc:Choice Requires="p14">
+      <p:transition spd="med" p14:dur="700">
+        <p:fade/>
+      </p:transition>
+    </mc:Choice>
+    <mc:Fallback xmlns="">
+      <p:transition spd="med">
+        <p:fade/>
+      </p:transition>
+    </mc:Fallback>
+  </mc:AlternateContent>
 </p:sld>
 </file>
 
@@ -7066,35 +7388,10 @@
       </p:grpSpPr>
       <p:sp>
         <p:nvSpPr>
-          <p:cNvPr id="2" name="Content Placeholder 1">
-            <a:extLst>
-              <a:ext uri="{FF2B5EF4-FFF2-40B4-BE49-F238E27FC236}">
-                <a16:creationId xmlns:a16="http://schemas.microsoft.com/office/drawing/2014/main" id="{78DF7101-3FBF-E8CD-D5CD-A07BD7A2495E}"/>
-              </a:ext>
-            </a:extLst>
-          </p:cNvPr>
-          <p:cNvSpPr>
-            <a:spLocks noGrp="1"/>
-          </p:cNvSpPr>
-          <p:nvPr>
-            <p:ph idx="1"/>
-          </p:nvPr>
-        </p:nvSpPr>
-        <p:spPr/>
-        <p:txBody>
-          <a:bodyPr/>
-          <a:lstStyle/>
-          <a:p>
-            <a:endParaRPr lang="en-GB"/>
-          </a:p>
-        </p:txBody>
-      </p:sp>
-      <p:sp>
-        <p:nvSpPr>
           <p:cNvPr id="3" name="Slide Number Placeholder 2">
             <a:extLst>
               <a:ext uri="{FF2B5EF4-FFF2-40B4-BE49-F238E27FC236}">
-                <a16:creationId xmlns:a16="http://schemas.microsoft.com/office/drawing/2014/main" id="{819EB88F-F029-06C7-3C3E-1BCA669C6380}"/>
+                <a16:creationId xmlns:a16="http://schemas.microsoft.com/office/drawing/2014/main" id="{45E29142-12E2-7C5C-0156-25A00883641A}"/>
               </a:ext>
             </a:extLst>
           </p:cNvPr>
@@ -7124,7 +7421,7 @@
           <p:cNvPr id="4" name="Title 3">
             <a:extLst>
               <a:ext uri="{FF2B5EF4-FFF2-40B4-BE49-F238E27FC236}">
-                <a16:creationId xmlns:a16="http://schemas.microsoft.com/office/drawing/2014/main" id="{7A35D1D8-A328-56D3-7E91-08AD015491E2}"/>
+                <a16:creationId xmlns:a16="http://schemas.microsoft.com/office/drawing/2014/main" id="{E843F849-6037-F796-ED0A-1931E8DFA8FC}"/>
               </a:ext>
             </a:extLst>
           </p:cNvPr>
@@ -7142,718 +7439,64 @@
           <a:p>
             <a:r>
               <a:rPr lang="it-IT" dirty="0"/>
-              <a:t>EU Cohesion Policy implications</a:t>
+              <a:t>EU Winner and Losers </a:t>
             </a:r>
             <a:endParaRPr lang="en-GB" dirty="0"/>
           </a:p>
         </p:txBody>
       </p:sp>
-    </p:spTree>
-    <p:extLst>
-      <p:ext uri="{BB962C8B-B14F-4D97-AF65-F5344CB8AC3E}">
-        <p14:creationId xmlns:p14="http://schemas.microsoft.com/office/powerpoint/2010/main" val="2335828788"/>
-      </p:ext>
-    </p:extLst>
-  </p:cSld>
-  <p:clrMapOvr>
-    <a:masterClrMapping/>
-  </p:clrMapOvr>
-  <mc:AlternateContent xmlns:mc="http://schemas.openxmlformats.org/markup-compatibility/2006" xmlns:p14="http://schemas.microsoft.com/office/powerpoint/2010/main">
-    <mc:Choice Requires="p14">
-      <p:transition p14:dur="10"/>
-    </mc:Choice>
-    <mc:Fallback xmlns="">
-      <p:transition/>
-    </mc:Fallback>
-  </mc:AlternateContent>
-</p:sld>
-</file>
-
-<file path=ppt/slides/slide11.xml><?xml version="1.0" encoding="utf-8"?>
-<p:sld xmlns:a="http://schemas.openxmlformats.org/drawingml/2006/main" xmlns:r="http://schemas.openxmlformats.org/officeDocument/2006/relationships" xmlns:p="http://schemas.openxmlformats.org/presentationml/2006/main">
-  <p:cSld>
-    <p:spTree>
-      <p:nvGrpSpPr>
-        <p:cNvPr id="1" name=""/>
-        <p:cNvGrpSpPr/>
-        <p:nvPr/>
-      </p:nvGrpSpPr>
-      <p:grpSpPr>
-        <a:xfrm>
-          <a:off x="0" y="0"/>
-          <a:ext cx="0" cy="0"/>
-          <a:chOff x="0" y="0"/>
-          <a:chExt cx="0" cy="0"/>
-        </a:xfrm>
-      </p:grpSpPr>
-      <p:sp>
-        <p:nvSpPr>
-          <p:cNvPr id="2" name="Content Placeholder 1">
+      <p:sp>
+        <p:nvSpPr>
+          <p:cNvPr id="5" name="TextBox 4">
             <a:extLst>
               <a:ext uri="{FF2B5EF4-FFF2-40B4-BE49-F238E27FC236}">
-                <a16:creationId xmlns:a16="http://schemas.microsoft.com/office/drawing/2014/main" id="{BEAE3338-E8A9-6D8A-AB72-898B3BBA1F67}"/>
+                <a16:creationId xmlns:a16="http://schemas.microsoft.com/office/drawing/2014/main" id="{91056FB4-10D4-3802-4AA3-C780CC5D77EC}"/>
               </a:ext>
             </a:extLst>
           </p:cNvPr>
-          <p:cNvSpPr>
-            <a:spLocks noGrp="1"/>
-          </p:cNvSpPr>
-          <p:nvPr>
-            <p:ph idx="1"/>
-          </p:nvPr>
-        </p:nvSpPr>
-        <p:spPr/>
-        <p:txBody>
-          <a:bodyPr/>
+          <p:cNvSpPr txBox="1"/>
+          <p:nvPr/>
+        </p:nvSpPr>
+        <p:spPr>
+          <a:xfrm>
+            <a:off x="472645" y="1171736"/>
+            <a:ext cx="8198707" cy="584775"/>
+          </a:xfrm>
+          <a:prstGeom prst="rect">
+            <a:avLst/>
+          </a:prstGeom>
+          <a:noFill/>
+        </p:spPr>
+        <p:txBody>
+          <a:bodyPr wrap="square" rtlCol="0">
+            <a:spAutoFit/>
+          </a:bodyPr>
           <a:lstStyle/>
           <a:p>
-            <a:endParaRPr lang="en-GB"/>
-          </a:p>
-        </p:txBody>
-      </p:sp>
-      <p:sp>
-        <p:nvSpPr>
-          <p:cNvPr id="3" name="Slide Number Placeholder 2">
+            <a:r>
+              <a:rPr lang="it-IT" sz="1600" dirty="0"/>
+              <a:t>Clear divide North South-East Europe </a:t>
+            </a:r>
+            <a:r>
+              <a:rPr lang="it-IT" sz="1600" b="1" dirty="0">
+                <a:sym typeface="Wingdings" panose="05000000000000000000" pitchFamily="2" charset="2"/>
+              </a:rPr>
+              <a:t>BUT</a:t>
+            </a:r>
+            <a:r>
+              <a:rPr lang="en-GB" sz="1600" dirty="0"/>
+              <a:t> dynamic centre of growth is shifting</a:t>
+            </a:r>
+            <a:endParaRPr lang="it-IT" sz="1600" dirty="0"/>
+          </a:p>
+        </p:txBody>
+      </p:sp>
+      <p:pic>
+        <p:nvPicPr>
+          <p:cNvPr id="9" name="Content Placeholder 8" descr="A graph of a number of people&#10;&#10;Description automatically generated with medium confidence">
             <a:extLst>
               <a:ext uri="{FF2B5EF4-FFF2-40B4-BE49-F238E27FC236}">
-                <a16:creationId xmlns:a16="http://schemas.microsoft.com/office/drawing/2014/main" id="{ED0A7D1F-1B97-9D48-3BD4-F1CC6074F5CA}"/>
-              </a:ext>
-            </a:extLst>
-          </p:cNvPr>
-          <p:cNvSpPr>
-            <a:spLocks noGrp="1"/>
-          </p:cNvSpPr>
-          <p:nvPr>
-            <p:ph type="sldNum" sz="quarter" idx="12"/>
-          </p:nvPr>
-        </p:nvSpPr>
-        <p:spPr/>
-        <p:txBody>
-          <a:bodyPr/>
-          <a:lstStyle/>
-          <a:p>
-            <a:fld id="{BE3DC40E-DBBE-4E2D-9EEC-FBF0DA0E9179}" type="slidenum">
-              <a:rPr lang="de-AT" smtClean="0"/>
-              <a:pPr/>
-              <a:t>11</a:t>
-            </a:fld>
-            <a:endParaRPr lang="de-AT" dirty="0"/>
-          </a:p>
-        </p:txBody>
-      </p:sp>
-      <p:sp>
-        <p:nvSpPr>
-          <p:cNvPr id="4" name="Title 3">
-            <a:extLst>
-              <a:ext uri="{FF2B5EF4-FFF2-40B4-BE49-F238E27FC236}">
-                <a16:creationId xmlns:a16="http://schemas.microsoft.com/office/drawing/2014/main" id="{2AE322C4-CB93-DE1A-5028-0DC422E4B7F0}"/>
-              </a:ext>
-            </a:extLst>
-          </p:cNvPr>
-          <p:cNvSpPr>
-            <a:spLocks noGrp="1"/>
-          </p:cNvSpPr>
-          <p:nvPr>
-            <p:ph type="title"/>
-          </p:nvPr>
-        </p:nvSpPr>
-        <p:spPr/>
-        <p:txBody>
-          <a:bodyPr/>
-          <a:lstStyle/>
-          <a:p>
-            <a:r>
-              <a:rPr lang="it-IT" dirty="0"/>
-              <a:t>A step further: deglobalization</a:t>
-            </a:r>
-            <a:endParaRPr lang="en-GB" dirty="0"/>
-          </a:p>
-        </p:txBody>
-      </p:sp>
-    </p:spTree>
-    <p:extLst>
-      <p:ext uri="{BB962C8B-B14F-4D97-AF65-F5344CB8AC3E}">
-        <p14:creationId xmlns:p14="http://schemas.microsoft.com/office/powerpoint/2010/main" val="2829142037"/>
-      </p:ext>
-    </p:extLst>
-  </p:cSld>
-  <p:clrMapOvr>
-    <a:masterClrMapping/>
-  </p:clrMapOvr>
-  <mc:AlternateContent xmlns:mc="http://schemas.openxmlformats.org/markup-compatibility/2006" xmlns:p14="http://schemas.microsoft.com/office/powerpoint/2010/main">
-    <mc:Choice Requires="p14">
-      <p:transition p14:dur="10"/>
-    </mc:Choice>
-    <mc:Fallback xmlns="">
-      <p:transition/>
-    </mc:Fallback>
-  </mc:AlternateContent>
-</p:sld>
-</file>
-
-<file path=ppt/slides/slide12.xml><?xml version="1.0" encoding="utf-8"?>
-<p:sld xmlns:a="http://schemas.openxmlformats.org/drawingml/2006/main" xmlns:r="http://schemas.openxmlformats.org/officeDocument/2006/relationships" xmlns:p="http://schemas.openxmlformats.org/presentationml/2006/main">
-  <p:cSld>
-    <p:spTree>
-      <p:nvGrpSpPr>
-        <p:cNvPr id="1" name=""/>
-        <p:cNvGrpSpPr/>
-        <p:nvPr/>
-      </p:nvGrpSpPr>
-      <p:grpSpPr>
-        <a:xfrm>
-          <a:off x="0" y="0"/>
-          <a:ext cx="0" cy="0"/>
-          <a:chOff x="0" y="0"/>
-          <a:chExt cx="0" cy="0"/>
-        </a:xfrm>
-      </p:grpSpPr>
-      <p:sp>
-        <p:nvSpPr>
-          <p:cNvPr id="2" name="Content Placeholder 1">
-            <a:extLst>
-              <a:ext uri="{FF2B5EF4-FFF2-40B4-BE49-F238E27FC236}">
-                <a16:creationId xmlns:a16="http://schemas.microsoft.com/office/drawing/2014/main" id="{48854E41-61D1-45CF-BD0F-E0D5E8CE873F}"/>
-              </a:ext>
-            </a:extLst>
-          </p:cNvPr>
-          <p:cNvSpPr>
-            <a:spLocks noGrp="1"/>
-          </p:cNvSpPr>
-          <p:nvPr>
-            <p:ph idx="1"/>
-          </p:nvPr>
-        </p:nvSpPr>
-        <p:spPr/>
-        <p:txBody>
-          <a:bodyPr/>
-          <a:lstStyle/>
-          <a:p>
-            <a:endParaRPr lang="en-GB"/>
-          </a:p>
-        </p:txBody>
-      </p:sp>
-      <p:sp>
-        <p:nvSpPr>
-          <p:cNvPr id="3" name="Slide Number Placeholder 2">
-            <a:extLst>
-              <a:ext uri="{FF2B5EF4-FFF2-40B4-BE49-F238E27FC236}">
-                <a16:creationId xmlns:a16="http://schemas.microsoft.com/office/drawing/2014/main" id="{81667B38-6DCC-8FC4-4AFF-FA7DAAB6C5EB}"/>
-              </a:ext>
-            </a:extLst>
-          </p:cNvPr>
-          <p:cNvSpPr>
-            <a:spLocks noGrp="1"/>
-          </p:cNvSpPr>
-          <p:nvPr>
-            <p:ph type="sldNum" sz="quarter" idx="12"/>
-          </p:nvPr>
-        </p:nvSpPr>
-        <p:spPr/>
-        <p:txBody>
-          <a:bodyPr/>
-          <a:lstStyle/>
-          <a:p>
-            <a:fld id="{BE3DC40E-DBBE-4E2D-9EEC-FBF0DA0E9179}" type="slidenum">
-              <a:rPr lang="de-AT" smtClean="0"/>
-              <a:pPr/>
-              <a:t>12</a:t>
-            </a:fld>
-            <a:endParaRPr lang="de-AT" dirty="0"/>
-          </a:p>
-        </p:txBody>
-      </p:sp>
-      <p:sp>
-        <p:nvSpPr>
-          <p:cNvPr id="4" name="Title 3">
-            <a:extLst>
-              <a:ext uri="{FF2B5EF4-FFF2-40B4-BE49-F238E27FC236}">
-                <a16:creationId xmlns:a16="http://schemas.microsoft.com/office/drawing/2014/main" id="{282A1240-E147-AF12-EC53-A7B2762042D0}"/>
-              </a:ext>
-            </a:extLst>
-          </p:cNvPr>
-          <p:cNvSpPr>
-            <a:spLocks noGrp="1"/>
-          </p:cNvSpPr>
-          <p:nvPr>
-            <p:ph type="title"/>
-          </p:nvPr>
-        </p:nvSpPr>
-        <p:spPr/>
-        <p:txBody>
-          <a:bodyPr/>
-          <a:lstStyle/>
-          <a:p>
-            <a:r>
-              <a:rPr lang="it-IT" dirty="0"/>
-              <a:t>Conclusion</a:t>
-            </a:r>
-            <a:endParaRPr lang="en-GB" dirty="0"/>
-          </a:p>
-        </p:txBody>
-      </p:sp>
-    </p:spTree>
-    <p:extLst>
-      <p:ext uri="{BB962C8B-B14F-4D97-AF65-F5344CB8AC3E}">
-        <p14:creationId xmlns:p14="http://schemas.microsoft.com/office/powerpoint/2010/main" val="599724855"/>
-      </p:ext>
-    </p:extLst>
-  </p:cSld>
-  <p:clrMapOvr>
-    <a:masterClrMapping/>
-  </p:clrMapOvr>
-  <mc:AlternateContent xmlns:mc="http://schemas.openxmlformats.org/markup-compatibility/2006" xmlns:p14="http://schemas.microsoft.com/office/powerpoint/2010/main">
-    <mc:Choice Requires="p14">
-      <p:transition p14:dur="10"/>
-    </mc:Choice>
-    <mc:Fallback xmlns="">
-      <p:transition/>
-    </mc:Fallback>
-  </mc:AlternateContent>
-</p:sld>
-</file>
-
-<file path=ppt/slides/slide13.xml><?xml version="1.0" encoding="utf-8"?>
-<p:sld xmlns:a="http://schemas.openxmlformats.org/drawingml/2006/main" xmlns:r="http://schemas.openxmlformats.org/officeDocument/2006/relationships" xmlns:p="http://schemas.openxmlformats.org/presentationml/2006/main">
-  <p:cSld>
-    <p:spTree>
-      <p:nvGrpSpPr>
-        <p:cNvPr id="1" name=""/>
-        <p:cNvGrpSpPr/>
-        <p:nvPr/>
-      </p:nvGrpSpPr>
-      <p:grpSpPr>
-        <a:xfrm>
-          <a:off x="0" y="0"/>
-          <a:ext cx="0" cy="0"/>
-          <a:chOff x="0" y="0"/>
-          <a:chExt cx="0" cy="0"/>
-        </a:xfrm>
-      </p:grpSpPr>
-      <p:sp>
-        <p:nvSpPr>
-          <p:cNvPr id="2" name="Content Placeholder 1">
-            <a:extLst>
-              <a:ext uri="{FF2B5EF4-FFF2-40B4-BE49-F238E27FC236}">
-                <a16:creationId xmlns:a16="http://schemas.microsoft.com/office/drawing/2014/main" id="{A0A49D8E-2BB1-670B-E4A0-C80EAB8B6B9F}"/>
-              </a:ext>
-            </a:extLst>
-          </p:cNvPr>
-          <p:cNvSpPr>
-            <a:spLocks noGrp="1"/>
-          </p:cNvSpPr>
-          <p:nvPr>
-            <p:ph idx="1"/>
-          </p:nvPr>
-        </p:nvSpPr>
-        <p:spPr/>
-        <p:txBody>
-          <a:bodyPr/>
-          <a:lstStyle/>
-          <a:p>
-            <a:endParaRPr lang="en-GB"/>
-          </a:p>
-        </p:txBody>
-      </p:sp>
-      <p:sp>
-        <p:nvSpPr>
-          <p:cNvPr id="3" name="Slide Number Placeholder 2">
-            <a:extLst>
-              <a:ext uri="{FF2B5EF4-FFF2-40B4-BE49-F238E27FC236}">
-                <a16:creationId xmlns:a16="http://schemas.microsoft.com/office/drawing/2014/main" id="{943505A2-F3E5-F922-1645-9589CEEBFF85}"/>
-              </a:ext>
-            </a:extLst>
-          </p:cNvPr>
-          <p:cNvSpPr>
-            <a:spLocks noGrp="1"/>
-          </p:cNvSpPr>
-          <p:nvPr>
-            <p:ph type="sldNum" sz="quarter" idx="12"/>
-          </p:nvPr>
-        </p:nvSpPr>
-        <p:spPr/>
-        <p:txBody>
-          <a:bodyPr/>
-          <a:lstStyle/>
-          <a:p>
-            <a:fld id="{BE3DC40E-DBBE-4E2D-9EEC-FBF0DA0E9179}" type="slidenum">
-              <a:rPr lang="de-AT" smtClean="0"/>
-              <a:pPr/>
-              <a:t>13</a:t>
-            </a:fld>
-            <a:endParaRPr lang="de-AT" dirty="0"/>
-          </a:p>
-        </p:txBody>
-      </p:sp>
-      <p:sp>
-        <p:nvSpPr>
-          <p:cNvPr id="4" name="Title 3">
-            <a:extLst>
-              <a:ext uri="{FF2B5EF4-FFF2-40B4-BE49-F238E27FC236}">
-                <a16:creationId xmlns:a16="http://schemas.microsoft.com/office/drawing/2014/main" id="{875DC1DD-9E81-FF7C-FBD8-3433258C5F6A}"/>
-              </a:ext>
-            </a:extLst>
-          </p:cNvPr>
-          <p:cNvSpPr>
-            <a:spLocks noGrp="1"/>
-          </p:cNvSpPr>
-          <p:nvPr>
-            <p:ph type="title"/>
-          </p:nvPr>
-        </p:nvSpPr>
-        <p:spPr/>
-        <p:txBody>
-          <a:bodyPr/>
-          <a:lstStyle/>
-          <a:p>
-            <a:r>
-              <a:rPr lang="it-IT" dirty="0"/>
-              <a:t>References</a:t>
-            </a:r>
-            <a:endParaRPr lang="en-GB" dirty="0"/>
-          </a:p>
-        </p:txBody>
-      </p:sp>
-    </p:spTree>
-    <p:extLst>
-      <p:ext uri="{BB962C8B-B14F-4D97-AF65-F5344CB8AC3E}">
-        <p14:creationId xmlns:p14="http://schemas.microsoft.com/office/powerpoint/2010/main" val="4199252907"/>
-      </p:ext>
-    </p:extLst>
-  </p:cSld>
-  <p:clrMapOvr>
-    <a:masterClrMapping/>
-  </p:clrMapOvr>
-  <mc:AlternateContent xmlns:mc="http://schemas.openxmlformats.org/markup-compatibility/2006" xmlns:p14="http://schemas.microsoft.com/office/powerpoint/2010/main">
-    <mc:Choice Requires="p14">
-      <p:transition p14:dur="10"/>
-    </mc:Choice>
-    <mc:Fallback xmlns="">
-      <p:transition/>
-    </mc:Fallback>
-  </mc:AlternateContent>
-</p:sld>
-</file>
-
-<file path=ppt/slides/slide14.xml><?xml version="1.0" encoding="utf-8"?>
-<p:sld xmlns:a="http://schemas.openxmlformats.org/drawingml/2006/main" xmlns:r="http://schemas.openxmlformats.org/officeDocument/2006/relationships" xmlns:p="http://schemas.openxmlformats.org/presentationml/2006/main">
-  <p:cSld>
-    <p:spTree>
-      <p:nvGrpSpPr>
-        <p:cNvPr id="1" name=""/>
-        <p:cNvGrpSpPr/>
-        <p:nvPr/>
-      </p:nvGrpSpPr>
-      <p:grpSpPr>
-        <a:xfrm>
-          <a:off x="0" y="0"/>
-          <a:ext cx="0" cy="0"/>
-          <a:chOff x="0" y="0"/>
-          <a:chExt cx="0" cy="0"/>
-        </a:xfrm>
-      </p:grpSpPr>
-      <p:sp>
-        <p:nvSpPr>
-          <p:cNvPr id="2" name="Title 1">
-            <a:extLst>
-              <a:ext uri="{FF2B5EF4-FFF2-40B4-BE49-F238E27FC236}">
-                <a16:creationId xmlns:a16="http://schemas.microsoft.com/office/drawing/2014/main" id="{ACBB72EA-591E-E40E-B295-F4E70A24C582}"/>
-              </a:ext>
-            </a:extLst>
-          </p:cNvPr>
-          <p:cNvSpPr>
-            <a:spLocks noGrp="1"/>
-          </p:cNvSpPr>
-          <p:nvPr>
-            <p:ph type="ctrTitle"/>
-          </p:nvPr>
-        </p:nvSpPr>
-        <p:spPr>
-          <a:xfrm>
-            <a:off x="605407" y="1100415"/>
-            <a:ext cx="5436000" cy="465043"/>
-          </a:xfrm>
-        </p:spPr>
-        <p:txBody>
-          <a:bodyPr/>
-          <a:lstStyle/>
-          <a:p>
-            <a:r>
-              <a:rPr lang="it-IT" dirty="0"/>
-              <a:t>Thanks you for the attention!</a:t>
-            </a:r>
-            <a:endParaRPr lang="en-GB" dirty="0"/>
-          </a:p>
-        </p:txBody>
-      </p:sp>
-      <p:sp>
-        <p:nvSpPr>
-          <p:cNvPr id="4" name="Slide Number Placeholder 3">
-            <a:extLst>
-              <a:ext uri="{FF2B5EF4-FFF2-40B4-BE49-F238E27FC236}">
-                <a16:creationId xmlns:a16="http://schemas.microsoft.com/office/drawing/2014/main" id="{2AB34A40-D713-842F-77E9-5E2CA9712F69}"/>
-              </a:ext>
-            </a:extLst>
-          </p:cNvPr>
-          <p:cNvSpPr>
-            <a:spLocks noGrp="1"/>
-          </p:cNvSpPr>
-          <p:nvPr>
-            <p:ph type="sldNum" sz="quarter" idx="14"/>
-          </p:nvPr>
-        </p:nvSpPr>
-        <p:spPr/>
-        <p:txBody>
-          <a:bodyPr/>
-          <a:lstStyle/>
-          <a:p>
-            <a:fld id="{BE3DC40E-DBBE-4E2D-9EEC-FBF0DA0E9179}" type="slidenum">
-              <a:rPr lang="de-AT" smtClean="0"/>
-              <a:pPr/>
-              <a:t>14</a:t>
-            </a:fld>
-            <a:endParaRPr lang="de-AT" dirty="0"/>
-          </a:p>
-        </p:txBody>
-      </p:sp>
-    </p:spTree>
-    <p:extLst>
-      <p:ext uri="{BB962C8B-B14F-4D97-AF65-F5344CB8AC3E}">
-        <p14:creationId xmlns:p14="http://schemas.microsoft.com/office/powerpoint/2010/main" val="2149019397"/>
-      </p:ext>
-    </p:extLst>
-  </p:cSld>
-  <p:clrMapOvr>
-    <a:masterClrMapping/>
-  </p:clrMapOvr>
-</p:sld>
-</file>
-
-<file path=ppt/slides/slide2.xml><?xml version="1.0" encoding="utf-8"?>
-<p:sld xmlns:a="http://schemas.openxmlformats.org/drawingml/2006/main" xmlns:r="http://schemas.openxmlformats.org/officeDocument/2006/relationships" xmlns:p="http://schemas.openxmlformats.org/presentationml/2006/main">
-  <p:cSld>
-    <p:spTree>
-      <p:nvGrpSpPr>
-        <p:cNvPr id="1" name=""/>
-        <p:cNvGrpSpPr/>
-        <p:nvPr/>
-      </p:nvGrpSpPr>
-      <p:grpSpPr>
-        <a:xfrm>
-          <a:off x="0" y="0"/>
-          <a:ext cx="0" cy="0"/>
-          <a:chOff x="0" y="0"/>
-          <a:chExt cx="0" cy="0"/>
-        </a:xfrm>
-      </p:grpSpPr>
-      <p:sp>
-        <p:nvSpPr>
-          <p:cNvPr id="2" name="Content Placeholder 1">
-            <a:extLst>
-              <a:ext uri="{FF2B5EF4-FFF2-40B4-BE49-F238E27FC236}">
-                <a16:creationId xmlns:a16="http://schemas.microsoft.com/office/drawing/2014/main" id="{99C1EAF1-DAB8-F160-8482-274957C20542}"/>
-              </a:ext>
-            </a:extLst>
-          </p:cNvPr>
-          <p:cNvSpPr>
-            <a:spLocks noGrp="1"/>
-          </p:cNvSpPr>
-          <p:nvPr>
-            <p:ph idx="1"/>
-          </p:nvPr>
-        </p:nvSpPr>
-        <p:spPr/>
-        <p:txBody>
-          <a:bodyPr/>
-          <a:lstStyle/>
-          <a:p>
-            <a:pPr marL="342900" indent="-342900">
-              <a:buFont typeface="+mj-lt"/>
-              <a:buAutoNum type="arabicPeriod"/>
-            </a:pPr>
-            <a:r>
-              <a:rPr lang="de-DE" dirty="0"/>
-              <a:t>Introduction</a:t>
-            </a:r>
-          </a:p>
-          <a:p>
-            <a:pPr marL="342900" indent="-342900">
-              <a:buFont typeface="+mj-lt"/>
-              <a:buAutoNum type="arabicPeriod"/>
-            </a:pPr>
-            <a:r>
-              <a:rPr lang="de-DE" dirty="0"/>
-              <a:t>Literature review</a:t>
-            </a:r>
-          </a:p>
-          <a:p>
-            <a:pPr marL="342900" indent="-342900">
-              <a:buFont typeface="+mj-lt"/>
-              <a:buAutoNum type="arabicPeriod"/>
-            </a:pPr>
-            <a:r>
-              <a:rPr lang="de-DE" dirty="0"/>
-              <a:t>Dataset</a:t>
-            </a:r>
-          </a:p>
-          <a:p>
-            <a:pPr marL="342900" indent="-342900">
-              <a:buFont typeface="+mj-lt"/>
-              <a:buAutoNum type="arabicPeriod"/>
-            </a:pPr>
-            <a:r>
-              <a:rPr lang="de-DE" dirty="0"/>
-              <a:t>Focus: EU 2016/2022</a:t>
-            </a:r>
-          </a:p>
-          <a:p>
-            <a:pPr marL="342900" indent="-342900">
-              <a:buFont typeface="+mj-lt"/>
-              <a:buAutoNum type="arabicPeriod"/>
-            </a:pPr>
-            <a:r>
-              <a:rPr lang="de-DE" dirty="0"/>
-              <a:t>Cluster Analysis</a:t>
-            </a:r>
-          </a:p>
-          <a:p>
-            <a:pPr marL="342900" indent="-342900">
-              <a:buFont typeface="+mj-lt"/>
-              <a:buAutoNum type="arabicPeriod"/>
-            </a:pPr>
-            <a:r>
-              <a:rPr lang="de-DE" dirty="0"/>
-              <a:t>Implication for Cohesion Policy</a:t>
-            </a:r>
-          </a:p>
-          <a:p>
-            <a:pPr marL="342900" indent="-342900">
-              <a:buFont typeface="+mj-lt"/>
-              <a:buAutoNum type="arabicPeriod"/>
-            </a:pPr>
-            <a:r>
-              <a:rPr lang="de-DE" dirty="0"/>
-              <a:t>Contestualization Homeland Economics</a:t>
-            </a:r>
-          </a:p>
-          <a:p>
-            <a:pPr marL="342900" indent="-342900">
-              <a:buFont typeface="+mj-lt"/>
-              <a:buAutoNum type="arabicPeriod"/>
-            </a:pPr>
-            <a:r>
-              <a:rPr lang="de-DE" dirty="0"/>
-              <a:t>Discussion</a:t>
-            </a:r>
-          </a:p>
-          <a:p>
-            <a:endParaRPr lang="en-GB" dirty="0"/>
-          </a:p>
-        </p:txBody>
-      </p:sp>
-      <p:sp>
-        <p:nvSpPr>
-          <p:cNvPr id="3" name="Slide Number Placeholder 2">
-            <a:extLst>
-              <a:ext uri="{FF2B5EF4-FFF2-40B4-BE49-F238E27FC236}">
-                <a16:creationId xmlns:a16="http://schemas.microsoft.com/office/drawing/2014/main" id="{EDD17ECC-FD22-44CB-077B-EDDB668AD934}"/>
-              </a:ext>
-            </a:extLst>
-          </p:cNvPr>
-          <p:cNvSpPr>
-            <a:spLocks noGrp="1"/>
-          </p:cNvSpPr>
-          <p:nvPr>
-            <p:ph type="sldNum" sz="quarter" idx="12"/>
-          </p:nvPr>
-        </p:nvSpPr>
-        <p:spPr/>
-        <p:txBody>
-          <a:bodyPr/>
-          <a:lstStyle/>
-          <a:p>
-            <a:fld id="{BE3DC40E-DBBE-4E2D-9EEC-FBF0DA0E9179}" type="slidenum">
-              <a:rPr lang="de-AT" smtClean="0"/>
-              <a:pPr/>
-              <a:t>2</a:t>
-            </a:fld>
-            <a:endParaRPr lang="de-AT" dirty="0"/>
-          </a:p>
-        </p:txBody>
-      </p:sp>
-      <p:sp>
-        <p:nvSpPr>
-          <p:cNvPr id="4" name="Title 3">
-            <a:extLst>
-              <a:ext uri="{FF2B5EF4-FFF2-40B4-BE49-F238E27FC236}">
-                <a16:creationId xmlns:a16="http://schemas.microsoft.com/office/drawing/2014/main" id="{39465613-490E-613B-F52B-49E1EE9A0F87}"/>
-              </a:ext>
-            </a:extLst>
-          </p:cNvPr>
-          <p:cNvSpPr>
-            <a:spLocks noGrp="1"/>
-          </p:cNvSpPr>
-          <p:nvPr>
-            <p:ph type="title"/>
-          </p:nvPr>
-        </p:nvSpPr>
-        <p:spPr/>
-        <p:txBody>
-          <a:bodyPr/>
-          <a:lstStyle/>
-          <a:p>
-            <a:r>
-              <a:rPr lang="de-DE" dirty="0"/>
-              <a:t>Structure</a:t>
-            </a:r>
-            <a:endParaRPr lang="en-GB" dirty="0"/>
-          </a:p>
-        </p:txBody>
-      </p:sp>
-    </p:spTree>
-    <p:extLst>
-      <p:ext uri="{BB962C8B-B14F-4D97-AF65-F5344CB8AC3E}">
-        <p14:creationId xmlns:p14="http://schemas.microsoft.com/office/powerpoint/2010/main" val="1975409749"/>
-      </p:ext>
-    </p:extLst>
-  </p:cSld>
-  <p:clrMapOvr>
-    <a:masterClrMapping/>
-  </p:clrMapOvr>
-  <mc:AlternateContent xmlns:mc="http://schemas.openxmlformats.org/markup-compatibility/2006" xmlns:p14="http://schemas.microsoft.com/office/powerpoint/2010/main">
-    <mc:Choice Requires="p14">
-      <p:transition p14:dur="10"/>
-    </mc:Choice>
-    <mc:Fallback xmlns="">
-      <p:transition/>
-    </mc:Fallback>
-  </mc:AlternateContent>
-</p:sld>
-</file>
-
-<file path=ppt/slides/slide3.xml><?xml version="1.0" encoding="utf-8"?>
-<p:sld xmlns:a="http://schemas.openxmlformats.org/drawingml/2006/main" xmlns:r="http://schemas.openxmlformats.org/officeDocument/2006/relationships" xmlns:p="http://schemas.openxmlformats.org/presentationml/2006/main">
-  <p:cSld>
-    <p:spTree>
-      <p:nvGrpSpPr>
-        <p:cNvPr id="1" name=""/>
-        <p:cNvGrpSpPr/>
-        <p:nvPr/>
-      </p:nvGrpSpPr>
-      <p:grpSpPr>
-        <a:xfrm>
-          <a:off x="0" y="0"/>
-          <a:ext cx="0" cy="0"/>
-          <a:chOff x="0" y="0"/>
-          <a:chExt cx="0" cy="0"/>
-        </a:xfrm>
-      </p:grpSpPr>
-      <p:pic>
-        <p:nvPicPr>
-          <p:cNvPr id="6" name="Content Placeholder 5" descr="A graph of different colored lines&#10;&#10;Description automatically generated">
-            <a:extLst>
-              <a:ext uri="{FF2B5EF4-FFF2-40B4-BE49-F238E27FC236}">
-                <a16:creationId xmlns:a16="http://schemas.microsoft.com/office/drawing/2014/main" id="{5CEBECC1-63A0-1054-05F5-314DE964BD13}"/>
+                <a16:creationId xmlns:a16="http://schemas.microsoft.com/office/drawing/2014/main" id="{9622DB6E-9997-8265-120A-BBB402CD51F2}"/>
               </a:ext>
             </a:extLst>
           </p:cNvPr>
@@ -7878,70 +7521,15 @@
         </p:blipFill>
         <p:spPr>
           <a:xfrm>
-            <a:off x="209320" y="1170666"/>
-            <a:ext cx="8549090" cy="3500485"/>
+            <a:off x="637032" y="1906886"/>
+            <a:ext cx="7869935" cy="2963967"/>
           </a:xfrm>
         </p:spPr>
       </p:pic>
-      <p:sp>
-        <p:nvSpPr>
-          <p:cNvPr id="3" name="Slide Number Placeholder 2">
-            <a:extLst>
-              <a:ext uri="{FF2B5EF4-FFF2-40B4-BE49-F238E27FC236}">
-                <a16:creationId xmlns:a16="http://schemas.microsoft.com/office/drawing/2014/main" id="{348A6571-8272-D1C3-2774-EFC0C812541B}"/>
-              </a:ext>
-            </a:extLst>
-          </p:cNvPr>
-          <p:cNvSpPr>
-            <a:spLocks noGrp="1"/>
-          </p:cNvSpPr>
-          <p:nvPr>
-            <p:ph type="sldNum" sz="quarter" idx="12"/>
-          </p:nvPr>
-        </p:nvSpPr>
-        <p:spPr/>
-        <p:txBody>
-          <a:bodyPr/>
-          <a:lstStyle/>
-          <a:p>
-            <a:fld id="{BE3DC40E-DBBE-4E2D-9EEC-FBF0DA0E9179}" type="slidenum">
-              <a:rPr lang="de-AT" smtClean="0"/>
-              <a:pPr/>
-              <a:t>3</a:t>
-            </a:fld>
-            <a:endParaRPr lang="de-AT" dirty="0"/>
-          </a:p>
-        </p:txBody>
-      </p:sp>
-      <p:sp>
-        <p:nvSpPr>
-          <p:cNvPr id="4" name="Title 3">
-            <a:extLst>
-              <a:ext uri="{FF2B5EF4-FFF2-40B4-BE49-F238E27FC236}">
-                <a16:creationId xmlns:a16="http://schemas.microsoft.com/office/drawing/2014/main" id="{639DB74E-CFEB-42EB-3A85-684C721E4F7A}"/>
-              </a:ext>
-            </a:extLst>
-          </p:cNvPr>
-          <p:cNvSpPr>
-            <a:spLocks noGrp="1"/>
-          </p:cNvSpPr>
-          <p:nvPr>
-            <p:ph type="title"/>
-          </p:nvPr>
-        </p:nvSpPr>
-        <p:spPr/>
-        <p:txBody>
-          <a:bodyPr/>
-          <a:lstStyle/>
-          <a:p>
-            <a:endParaRPr lang="en-GB" dirty="0"/>
-          </a:p>
-        </p:txBody>
-      </p:sp>
     </p:spTree>
     <p:extLst>
       <p:ext uri="{BB962C8B-B14F-4D97-AF65-F5344CB8AC3E}">
-        <p14:creationId xmlns:p14="http://schemas.microsoft.com/office/powerpoint/2010/main" val="728777340"/>
+        <p14:creationId xmlns:p14="http://schemas.microsoft.com/office/powerpoint/2010/main" val="3485723785"/>
       </p:ext>
     </p:extLst>
   </p:cSld>
@@ -7950,16 +7538,20 @@
   </p:clrMapOvr>
   <mc:AlternateContent xmlns:mc="http://schemas.openxmlformats.org/markup-compatibility/2006" xmlns:p14="http://schemas.microsoft.com/office/powerpoint/2010/main">
     <mc:Choice Requires="p14">
-      <p:transition p14:dur="10"/>
+      <p:transition spd="med" p14:dur="700">
+        <p:fade/>
+      </p:transition>
     </mc:Choice>
     <mc:Fallback xmlns="">
-      <p:transition/>
+      <p:transition spd="med">
+        <p:fade/>
+      </p:transition>
     </mc:Fallback>
   </mc:AlternateContent>
 </p:sld>
 </file>
 
-<file path=ppt/slides/slide4.xml><?xml version="1.0" encoding="utf-8"?>
+<file path=ppt/slides/slide11.xml><?xml version="1.0" encoding="utf-8"?>
 <p:sld xmlns:a="http://schemas.openxmlformats.org/drawingml/2006/main" xmlns:r="http://schemas.openxmlformats.org/officeDocument/2006/relationships" xmlns:p="http://schemas.openxmlformats.org/presentationml/2006/main">
   <p:cSld>
     <p:spTree>
@@ -7978,10 +7570,10 @@
       </p:grpSpPr>
       <p:pic>
         <p:nvPicPr>
-          <p:cNvPr id="6" name="Content Placeholder 5" descr="A graph of different colored bars&#10;&#10;Description automatically generated">
+          <p:cNvPr id="9" name="Content Placeholder 8" descr="A diagram of a number of words&#10;&#10;Description automatically generated with medium confidence">
             <a:extLst>
               <a:ext uri="{FF2B5EF4-FFF2-40B4-BE49-F238E27FC236}">
-                <a16:creationId xmlns:a16="http://schemas.microsoft.com/office/drawing/2014/main" id="{3F6BB0A2-6AAE-B185-B7B5-F8A751DDFC20}"/>
+                <a16:creationId xmlns:a16="http://schemas.microsoft.com/office/drawing/2014/main" id="{4E39D4AB-2D36-5EC0-3117-E9F1EFFE8370}"/>
               </a:ext>
             </a:extLst>
           </p:cNvPr>
@@ -8006,8 +7598,8 @@
         </p:blipFill>
         <p:spPr>
           <a:xfrm>
-            <a:off x="817728" y="1209675"/>
-            <a:ext cx="7048169" cy="3468688"/>
+            <a:off x="4842990" y="1112233"/>
+            <a:ext cx="3600469" cy="3468688"/>
           </a:xfrm>
         </p:spPr>
       </p:pic>
@@ -8016,7 +7608,7 @@
           <p:cNvPr id="3" name="Slide Number Placeholder 2">
             <a:extLst>
               <a:ext uri="{FF2B5EF4-FFF2-40B4-BE49-F238E27FC236}">
-                <a16:creationId xmlns:a16="http://schemas.microsoft.com/office/drawing/2014/main" id="{5359EF9B-D1F4-B20C-246F-15301AFC248C}"/>
+                <a16:creationId xmlns:a16="http://schemas.microsoft.com/office/drawing/2014/main" id="{54C08D0F-A1A9-DDDF-0A9E-A7DE2687739B}"/>
               </a:ext>
             </a:extLst>
           </p:cNvPr>
@@ -8035,7 +7627,7 @@
             <a:fld id="{BE3DC40E-DBBE-4E2D-9EEC-FBF0DA0E9179}" type="slidenum">
               <a:rPr lang="de-AT" smtClean="0"/>
               <a:pPr/>
-              <a:t>4</a:t>
+              <a:t>11</a:t>
             </a:fld>
             <a:endParaRPr lang="de-AT" dirty="0"/>
           </a:p>
@@ -8046,7 +7638,7 @@
           <p:cNvPr id="4" name="Title 3">
             <a:extLst>
               <a:ext uri="{FF2B5EF4-FFF2-40B4-BE49-F238E27FC236}">
-                <a16:creationId xmlns:a16="http://schemas.microsoft.com/office/drawing/2014/main" id="{F535509F-3645-2ECD-9B5A-9BA82B3DD6B2}"/>
+                <a16:creationId xmlns:a16="http://schemas.microsoft.com/office/drawing/2014/main" id="{D92913E1-FB85-4609-70C8-C0AAEF48DAD1}"/>
               </a:ext>
             </a:extLst>
           </p:cNvPr>
@@ -8062,14 +7654,201 @@
           <a:bodyPr/>
           <a:lstStyle/>
           <a:p>
-            <a:endParaRPr lang="en-GB"/>
+            <a:r>
+              <a:rPr lang="it-IT" dirty="0"/>
+              <a:t>Cluster Analysis - Methodology</a:t>
+            </a:r>
+            <a:endParaRPr lang="en-GB" dirty="0"/>
+          </a:p>
+        </p:txBody>
+      </p:sp>
+      <p:sp>
+        <p:nvSpPr>
+          <p:cNvPr id="7" name="TextBox 6">
+            <a:extLst>
+              <a:ext uri="{FF2B5EF4-FFF2-40B4-BE49-F238E27FC236}">
+                <a16:creationId xmlns:a16="http://schemas.microsoft.com/office/drawing/2014/main" id="{F0311A1E-0C26-E940-9A48-CD33DE7BFCD2}"/>
+              </a:ext>
+            </a:extLst>
+          </p:cNvPr>
+          <p:cNvSpPr txBox="1"/>
+          <p:nvPr/>
+        </p:nvSpPr>
+        <p:spPr>
+          <a:xfrm>
+            <a:off x="565079" y="1222625"/>
+            <a:ext cx="5147352" cy="3046988"/>
+          </a:xfrm>
+          <a:prstGeom prst="rect">
+            <a:avLst/>
+          </a:prstGeom>
+          <a:noFill/>
+        </p:spPr>
+        <p:txBody>
+          <a:bodyPr wrap="square" rtlCol="0">
+            <a:spAutoFit/>
+          </a:bodyPr>
+          <a:lstStyle/>
+          <a:p>
+            <a:pPr marL="285750" indent="-285750">
+              <a:buClr>
+                <a:schemeClr val="accent1"/>
+              </a:buClr>
+              <a:buFont typeface="Wingdings" panose="05000000000000000000" pitchFamily="2" charset="2"/>
+              <a:buChar char="§"/>
+            </a:pPr>
+            <a:r>
+              <a:rPr lang="it-IT" sz="1600" dirty="0"/>
+              <a:t>Variable screening and cleaning</a:t>
+            </a:r>
+          </a:p>
+          <a:p>
+            <a:pPr marL="742950" lvl="1" indent="-285750">
+              <a:buClr>
+                <a:schemeClr val="accent1"/>
+              </a:buClr>
+              <a:buFont typeface="Wingdings" panose="05000000000000000000" pitchFamily="2" charset="2"/>
+              <a:buChar char="§"/>
+            </a:pPr>
+            <a:r>
+              <a:rPr lang="it-IT" sz="1600" dirty="0"/>
+              <a:t>Correlation threshold</a:t>
+            </a:r>
+          </a:p>
+          <a:p>
+            <a:pPr marL="742950" lvl="1" indent="-285750">
+              <a:buClr>
+                <a:schemeClr val="accent1"/>
+              </a:buClr>
+              <a:buFont typeface="Wingdings" panose="05000000000000000000" pitchFamily="2" charset="2"/>
+              <a:buChar char="§"/>
+            </a:pPr>
+            <a:r>
+              <a:rPr lang="it-IT" sz="1600" dirty="0"/>
+              <a:t>Imputation NAs</a:t>
+            </a:r>
+          </a:p>
+          <a:p>
+            <a:pPr marL="742950" lvl="1" indent="-285750">
+              <a:buClr>
+                <a:schemeClr val="accent1"/>
+              </a:buClr>
+              <a:buFont typeface="Wingdings" panose="05000000000000000000" pitchFamily="2" charset="2"/>
+              <a:buChar char="§"/>
+            </a:pPr>
+            <a:r>
+              <a:rPr lang="it-IT" sz="1600" dirty="0"/>
+              <a:t>Scaling</a:t>
+            </a:r>
+          </a:p>
+          <a:p>
+            <a:pPr marL="742950" lvl="1" indent="-285750">
+              <a:buClr>
+                <a:schemeClr val="accent1"/>
+              </a:buClr>
+              <a:buFont typeface="Wingdings" panose="05000000000000000000" pitchFamily="2" charset="2"/>
+              <a:buChar char="§"/>
+            </a:pPr>
+            <a:endParaRPr lang="it-IT" sz="1600" dirty="0"/>
+          </a:p>
+          <a:p>
+            <a:pPr marL="285750" indent="-285750">
+              <a:buClr>
+                <a:schemeClr val="accent1"/>
+              </a:buClr>
+              <a:buFont typeface="Wingdings" panose="05000000000000000000" pitchFamily="2" charset="2"/>
+              <a:buChar char="§"/>
+            </a:pPr>
+            <a:r>
+              <a:rPr lang="en-GB" sz="1600" dirty="0"/>
+              <a:t>3 subsets</a:t>
+            </a:r>
+            <a:r>
+              <a:rPr lang="it-IT" sz="1600" dirty="0"/>
+              <a:t>: </a:t>
+            </a:r>
+          </a:p>
+          <a:p>
+            <a:pPr marL="742950" lvl="1" indent="-285750">
+              <a:buClr>
+                <a:schemeClr val="accent1"/>
+              </a:buClr>
+              <a:buFont typeface="Wingdings" panose="05000000000000000000" pitchFamily="2" charset="2"/>
+              <a:buChar char="§"/>
+            </a:pPr>
+            <a:r>
+              <a:rPr lang="it-IT" sz="1600" dirty="0"/>
+              <a:t>EU - 2000</a:t>
+            </a:r>
+          </a:p>
+          <a:p>
+            <a:pPr marL="742950" lvl="1" indent="-285750">
+              <a:buClr>
+                <a:schemeClr val="accent1"/>
+              </a:buClr>
+              <a:buFont typeface="Wingdings" panose="05000000000000000000" pitchFamily="2" charset="2"/>
+              <a:buChar char="§"/>
+            </a:pPr>
+            <a:r>
+              <a:rPr lang="it-IT" sz="1600" dirty="0"/>
+              <a:t>EU - 2011</a:t>
+            </a:r>
+          </a:p>
+          <a:p>
+            <a:pPr marL="742950" lvl="1" indent="-285750">
+              <a:buClr>
+                <a:schemeClr val="accent1"/>
+              </a:buClr>
+              <a:buFont typeface="Wingdings" panose="05000000000000000000" pitchFamily="2" charset="2"/>
+              <a:buChar char="§"/>
+            </a:pPr>
+            <a:r>
+              <a:rPr lang="it-IT" sz="1600"/>
+              <a:t>EU </a:t>
+            </a:r>
+            <a:r>
+              <a:rPr lang="it-IT" sz="1600" dirty="0"/>
+              <a:t>- 2021</a:t>
+            </a:r>
+          </a:p>
+          <a:p>
+            <a:pPr marL="742950" lvl="1" indent="-285750">
+              <a:buClr>
+                <a:schemeClr val="accent1"/>
+              </a:buClr>
+              <a:buFont typeface="Wingdings" panose="05000000000000000000" pitchFamily="2" charset="2"/>
+              <a:buChar char="§"/>
+            </a:pPr>
+            <a:endParaRPr lang="it-IT" sz="1600" dirty="0"/>
+          </a:p>
+          <a:p>
+            <a:pPr marL="285750" indent="-285750">
+              <a:buClr>
+                <a:schemeClr val="accent1"/>
+              </a:buClr>
+              <a:buFont typeface="Wingdings" panose="05000000000000000000" pitchFamily="2" charset="2"/>
+              <a:buChar char="§"/>
+            </a:pPr>
+            <a:r>
+              <a:rPr lang="it-IT" sz="1600" dirty="0"/>
+              <a:t>Number of cluster determined </a:t>
+            </a:r>
+            <a:r>
+              <a:rPr lang="it-IT" sz="1600"/>
+              <a:t>by</a:t>
+            </a:r>
+            <a:r>
+              <a:rPr lang="it-IT" sz="1600" dirty="0"/>
+              <a:t> majority rule</a:t>
+            </a:r>
+            <a:endParaRPr lang="en-GB" sz="1600" dirty="0"/>
           </a:p>
         </p:txBody>
       </p:sp>
     </p:spTree>
     <p:extLst>
       <p:ext uri="{BB962C8B-B14F-4D97-AF65-F5344CB8AC3E}">
-        <p14:creationId xmlns:p14="http://schemas.microsoft.com/office/powerpoint/2010/main" val="2212638520"/>
+        <p14:creationId xmlns:p14="http://schemas.microsoft.com/office/powerpoint/2010/main" val="2939021882"/>
       </p:ext>
     </p:extLst>
   </p:cSld>
@@ -8078,16 +7857,20 @@
   </p:clrMapOvr>
   <mc:AlternateContent xmlns:mc="http://schemas.openxmlformats.org/markup-compatibility/2006" xmlns:p14="http://schemas.microsoft.com/office/powerpoint/2010/main">
     <mc:Choice Requires="p14">
-      <p:transition p14:dur="10"/>
+      <p:transition spd="med" p14:dur="700">
+        <p:fade/>
+      </p:transition>
     </mc:Choice>
     <mc:Fallback xmlns="">
-      <p:transition/>
+      <p:transition spd="med">
+        <p:fade/>
+      </p:transition>
     </mc:Fallback>
   </mc:AlternateContent>
 </p:sld>
 </file>
 
-<file path=ppt/slides/slide5.xml><?xml version="1.0" encoding="utf-8"?>
+<file path=ppt/slides/slide12.xml><?xml version="1.0" encoding="utf-8"?>
 <p:sld xmlns:a="http://schemas.openxmlformats.org/drawingml/2006/main" xmlns:r="http://schemas.openxmlformats.org/officeDocument/2006/relationships" xmlns:p="http://schemas.openxmlformats.org/presentationml/2006/main">
   <p:cSld>
     <p:spTree>
@@ -8104,12 +7887,3354 @@
           <a:chExt cx="0" cy="0"/>
         </a:xfrm>
       </p:grpSpPr>
+      <p:sp>
+        <p:nvSpPr>
+          <p:cNvPr id="3" name="Slide Number Placeholder 2">
+            <a:extLst>
+              <a:ext uri="{FF2B5EF4-FFF2-40B4-BE49-F238E27FC236}">
+                <a16:creationId xmlns:a16="http://schemas.microsoft.com/office/drawing/2014/main" id="{B57E836B-5491-3ED8-B0ED-B859ED314ED5}"/>
+              </a:ext>
+            </a:extLst>
+          </p:cNvPr>
+          <p:cNvSpPr>
+            <a:spLocks noGrp="1"/>
+          </p:cNvSpPr>
+          <p:nvPr>
+            <p:ph type="sldNum" sz="quarter" idx="12"/>
+          </p:nvPr>
+        </p:nvSpPr>
+        <p:spPr/>
+        <p:txBody>
+          <a:bodyPr/>
+          <a:lstStyle/>
+          <a:p>
+            <a:fld id="{BE3DC40E-DBBE-4E2D-9EEC-FBF0DA0E9179}" type="slidenum">
+              <a:rPr lang="de-AT" smtClean="0"/>
+              <a:pPr/>
+              <a:t>12</a:t>
+            </a:fld>
+            <a:endParaRPr lang="de-AT" dirty="0"/>
+          </a:p>
+        </p:txBody>
+      </p:sp>
+      <p:sp>
+        <p:nvSpPr>
+          <p:cNvPr id="4" name="Title 3">
+            <a:extLst>
+              <a:ext uri="{FF2B5EF4-FFF2-40B4-BE49-F238E27FC236}">
+                <a16:creationId xmlns:a16="http://schemas.microsoft.com/office/drawing/2014/main" id="{AA710836-739E-7B6B-8206-828B65B744A5}"/>
+              </a:ext>
+            </a:extLst>
+          </p:cNvPr>
+          <p:cNvSpPr>
+            <a:spLocks noGrp="1"/>
+          </p:cNvSpPr>
+          <p:nvPr>
+            <p:ph type="title"/>
+          </p:nvPr>
+        </p:nvSpPr>
+        <p:spPr>
+          <a:xfrm>
+            <a:off x="462408" y="169100"/>
+            <a:ext cx="7345952" cy="770069"/>
+          </a:xfrm>
+        </p:spPr>
+        <p:txBody>
+          <a:bodyPr/>
+          <a:lstStyle/>
+          <a:p>
+            <a:r>
+              <a:rPr lang="it-IT" dirty="0"/>
+              <a:t>EU Core – Periphery in the </a:t>
+            </a:r>
+            <a:r>
+              <a:rPr lang="it-IT"/>
+              <a:t>2000</a:t>
+            </a:r>
+            <a:endParaRPr lang="en-GB" dirty="0"/>
+          </a:p>
+        </p:txBody>
+      </p:sp>
       <p:pic>
         <p:nvPicPr>
-          <p:cNvPr id="6" name="Content Placeholder 5" descr="A graph of different colored bars&#10;&#10;Description automatically generated">
+          <p:cNvPr id="9" name="Picture 8" descr="A screenshot of a graph&#10;&#10;Description automatically generated">
             <a:extLst>
               <a:ext uri="{FF2B5EF4-FFF2-40B4-BE49-F238E27FC236}">
-                <a16:creationId xmlns:a16="http://schemas.microsoft.com/office/drawing/2014/main" id="{11AC6202-0467-539B-CEA1-F8E728A5DECD}"/>
+                <a16:creationId xmlns:a16="http://schemas.microsoft.com/office/drawing/2014/main" id="{46BBFE14-84C7-47F1-289E-67C15235DC27}"/>
+              </a:ext>
+            </a:extLst>
+          </p:cNvPr>
+          <p:cNvPicPr>
+            <a:picLocks noChangeAspect="1"/>
+          </p:cNvPicPr>
+          <p:nvPr/>
+        </p:nvPicPr>
+        <p:blipFill>
+          <a:blip r:embed="rId2">
+            <a:extLst>
+              <a:ext uri="{28A0092B-C50C-407E-A947-70E740481C1C}">
+                <a14:useLocalDpi xmlns:a14="http://schemas.microsoft.com/office/drawing/2010/main" val="0"/>
+              </a:ext>
+            </a:extLst>
+          </a:blip>
+          <a:stretch>
+            <a:fillRect/>
+          </a:stretch>
+        </p:blipFill>
+        <p:spPr>
+          <a:xfrm>
+            <a:off x="4705563" y="1130158"/>
+            <a:ext cx="4159196" cy="3620464"/>
+          </a:xfrm>
+          <a:prstGeom prst="rect">
+            <a:avLst/>
+          </a:prstGeom>
+        </p:spPr>
+      </p:pic>
+      <p:pic>
+        <p:nvPicPr>
+          <p:cNvPr id="6" name="Picture 5" descr="A map of europe with different colored countries/regions&#10;&#10;Description automatically generated">
+            <a:extLst>
+              <a:ext uri="{FF2B5EF4-FFF2-40B4-BE49-F238E27FC236}">
+                <a16:creationId xmlns:a16="http://schemas.microsoft.com/office/drawing/2014/main" id="{12CAE9F6-863A-A22F-D69E-6FB26A20AF3C}"/>
+              </a:ext>
+            </a:extLst>
+          </p:cNvPr>
+          <p:cNvPicPr>
+            <a:picLocks noChangeAspect="1"/>
+          </p:cNvPicPr>
+          <p:nvPr/>
+        </p:nvPicPr>
+        <p:blipFill rotWithShape="1">
+          <a:blip r:embed="rId3" cstate="hqprint">
+            <a:extLst>
+              <a:ext uri="{28A0092B-C50C-407E-A947-70E740481C1C}">
+                <a14:useLocalDpi xmlns:a14="http://schemas.microsoft.com/office/drawing/2010/main" val="0"/>
+              </a:ext>
+            </a:extLst>
+          </a:blip>
+          <a:srcRect l="14409" r="16217"/>
+          <a:stretch/>
+        </p:blipFill>
+        <p:spPr>
+          <a:xfrm>
+            <a:off x="575353" y="1274269"/>
+            <a:ext cx="3750069" cy="3489244"/>
+          </a:xfrm>
+          <a:prstGeom prst="rect">
+            <a:avLst/>
+          </a:prstGeom>
+        </p:spPr>
+      </p:pic>
+    </p:spTree>
+    <p:extLst>
+      <p:ext uri="{BB962C8B-B14F-4D97-AF65-F5344CB8AC3E}">
+        <p14:creationId xmlns:p14="http://schemas.microsoft.com/office/powerpoint/2010/main" val="1855008736"/>
+      </p:ext>
+    </p:extLst>
+  </p:cSld>
+  <p:clrMapOvr>
+    <a:masterClrMapping/>
+  </p:clrMapOvr>
+  <mc:AlternateContent xmlns:mc="http://schemas.openxmlformats.org/markup-compatibility/2006" xmlns:p14="http://schemas.microsoft.com/office/powerpoint/2010/main">
+    <mc:Choice Requires="p14">
+      <p:transition spd="med" p14:dur="700">
+        <p:fade/>
+      </p:transition>
+    </mc:Choice>
+    <mc:Fallback xmlns="">
+      <p:transition spd="med">
+        <p:fade/>
+      </p:transition>
+    </mc:Fallback>
+  </mc:AlternateContent>
+</p:sld>
+</file>
+
+<file path=ppt/slides/slide13.xml><?xml version="1.0" encoding="utf-8"?>
+<p:sld xmlns:a="http://schemas.openxmlformats.org/drawingml/2006/main" xmlns:r="http://schemas.openxmlformats.org/officeDocument/2006/relationships" xmlns:p="http://schemas.openxmlformats.org/presentationml/2006/main">
+  <p:cSld>
+    <p:spTree>
+      <p:nvGrpSpPr>
+        <p:cNvPr id="1" name=""/>
+        <p:cNvGrpSpPr/>
+        <p:nvPr/>
+      </p:nvGrpSpPr>
+      <p:grpSpPr>
+        <a:xfrm>
+          <a:off x="0" y="0"/>
+          <a:ext cx="0" cy="0"/>
+          <a:chOff x="0" y="0"/>
+          <a:chExt cx="0" cy="0"/>
+        </a:xfrm>
+      </p:grpSpPr>
+      <p:sp>
+        <p:nvSpPr>
+          <p:cNvPr id="3" name="Slide Number Placeholder 2">
+            <a:extLst>
+              <a:ext uri="{FF2B5EF4-FFF2-40B4-BE49-F238E27FC236}">
+                <a16:creationId xmlns:a16="http://schemas.microsoft.com/office/drawing/2014/main" id="{B57E836B-5491-3ED8-B0ED-B859ED314ED5}"/>
+              </a:ext>
+            </a:extLst>
+          </p:cNvPr>
+          <p:cNvSpPr>
+            <a:spLocks noGrp="1"/>
+          </p:cNvSpPr>
+          <p:nvPr>
+            <p:ph type="sldNum" sz="quarter" idx="12"/>
+          </p:nvPr>
+        </p:nvSpPr>
+        <p:spPr/>
+        <p:txBody>
+          <a:bodyPr/>
+          <a:lstStyle/>
+          <a:p>
+            <a:fld id="{BE3DC40E-DBBE-4E2D-9EEC-FBF0DA0E9179}" type="slidenum">
+              <a:rPr lang="de-AT" smtClean="0"/>
+              <a:pPr/>
+              <a:t>13</a:t>
+            </a:fld>
+            <a:endParaRPr lang="de-AT" dirty="0"/>
+          </a:p>
+        </p:txBody>
+      </p:sp>
+      <p:sp>
+        <p:nvSpPr>
+          <p:cNvPr id="4" name="Title 3">
+            <a:extLst>
+              <a:ext uri="{FF2B5EF4-FFF2-40B4-BE49-F238E27FC236}">
+                <a16:creationId xmlns:a16="http://schemas.microsoft.com/office/drawing/2014/main" id="{AA710836-739E-7B6B-8206-828B65B744A5}"/>
+              </a:ext>
+            </a:extLst>
+          </p:cNvPr>
+          <p:cNvSpPr>
+            <a:spLocks noGrp="1"/>
+          </p:cNvSpPr>
+          <p:nvPr>
+            <p:ph type="title"/>
+          </p:nvPr>
+        </p:nvSpPr>
+        <p:spPr/>
+        <p:txBody>
+          <a:bodyPr/>
+          <a:lstStyle/>
+          <a:p>
+            <a:r>
+              <a:rPr lang="it-IT" dirty="0"/>
+              <a:t>EU Core – Periphery </a:t>
+            </a:r>
+            <a:r>
+              <a:rPr lang="it-IT"/>
+              <a:t>in </a:t>
+            </a:r>
+            <a:r>
+              <a:rPr lang="it-IT" dirty="0"/>
+              <a:t>the </a:t>
+            </a:r>
+            <a:r>
+              <a:rPr lang="it-IT"/>
+              <a:t>2011</a:t>
+            </a:r>
+            <a:endParaRPr lang="en-GB" dirty="0"/>
+          </a:p>
+        </p:txBody>
+      </p:sp>
+      <p:pic>
+        <p:nvPicPr>
+          <p:cNvPr id="8" name="Picture 7" descr="A map of europe with different colored countries/regions&#10;&#10;Description automatically generated">
+            <a:extLst>
+              <a:ext uri="{FF2B5EF4-FFF2-40B4-BE49-F238E27FC236}">
+                <a16:creationId xmlns:a16="http://schemas.microsoft.com/office/drawing/2014/main" id="{99F1D0A6-91A8-290C-AAD3-70ACEFA7E0C3}"/>
+              </a:ext>
+            </a:extLst>
+          </p:cNvPr>
+          <p:cNvPicPr>
+            <a:picLocks noChangeAspect="1"/>
+          </p:cNvPicPr>
+          <p:nvPr/>
+        </p:nvPicPr>
+        <p:blipFill rotWithShape="1">
+          <a:blip r:embed="rId2" cstate="hqprint">
+            <a:extLst>
+              <a:ext uri="{28A0092B-C50C-407E-A947-70E740481C1C}">
+                <a14:useLocalDpi xmlns:a14="http://schemas.microsoft.com/office/drawing/2010/main" val="0"/>
+              </a:ext>
+            </a:extLst>
+          </a:blip>
+          <a:srcRect l="14210" r="16062"/>
+          <a:stretch/>
+        </p:blipFill>
+        <p:spPr>
+          <a:xfrm>
+            <a:off x="575352" y="1294935"/>
+            <a:ext cx="3743426" cy="3466276"/>
+          </a:xfrm>
+          <a:prstGeom prst="rect">
+            <a:avLst/>
+          </a:prstGeom>
+        </p:spPr>
+      </p:pic>
+      <p:pic>
+        <p:nvPicPr>
+          <p:cNvPr id="11" name="Picture 10" descr="A screenshot of a graph&#10;&#10;Description automatically generated">
+            <a:extLst>
+              <a:ext uri="{FF2B5EF4-FFF2-40B4-BE49-F238E27FC236}">
+                <a16:creationId xmlns:a16="http://schemas.microsoft.com/office/drawing/2014/main" id="{5D938845-459C-F872-9517-C327E6C8F756}"/>
+              </a:ext>
+            </a:extLst>
+          </p:cNvPr>
+          <p:cNvPicPr>
+            <a:picLocks noChangeAspect="1"/>
+          </p:cNvPicPr>
+          <p:nvPr/>
+        </p:nvPicPr>
+        <p:blipFill>
+          <a:blip r:embed="rId3">
+            <a:extLst>
+              <a:ext uri="{28A0092B-C50C-407E-A947-70E740481C1C}">
+                <a14:useLocalDpi xmlns:a14="http://schemas.microsoft.com/office/drawing/2010/main" val="0"/>
+              </a:ext>
+            </a:extLst>
+          </a:blip>
+          <a:stretch>
+            <a:fillRect/>
+          </a:stretch>
+        </p:blipFill>
+        <p:spPr>
+          <a:xfrm>
+            <a:off x="4730791" y="1187023"/>
+            <a:ext cx="4104984" cy="3531169"/>
+          </a:xfrm>
+          <a:prstGeom prst="rect">
+            <a:avLst/>
+          </a:prstGeom>
+        </p:spPr>
+      </p:pic>
+    </p:spTree>
+    <p:extLst>
+      <p:ext uri="{BB962C8B-B14F-4D97-AF65-F5344CB8AC3E}">
+        <p14:creationId xmlns:p14="http://schemas.microsoft.com/office/powerpoint/2010/main" val="3828981095"/>
+      </p:ext>
+    </p:extLst>
+  </p:cSld>
+  <p:clrMapOvr>
+    <a:masterClrMapping/>
+  </p:clrMapOvr>
+  <mc:AlternateContent xmlns:mc="http://schemas.openxmlformats.org/markup-compatibility/2006" xmlns:p14="http://schemas.microsoft.com/office/powerpoint/2010/main">
+    <mc:Choice Requires="p14">
+      <p:transition spd="med" p14:dur="700">
+        <p:fade/>
+      </p:transition>
+    </mc:Choice>
+    <mc:Fallback xmlns="">
+      <p:transition spd="med">
+        <p:fade/>
+      </p:transition>
+    </mc:Fallback>
+  </mc:AlternateContent>
+</p:sld>
+</file>
+
+<file path=ppt/slides/slide14.xml><?xml version="1.0" encoding="utf-8"?>
+<p:sld xmlns:a="http://schemas.openxmlformats.org/drawingml/2006/main" xmlns:r="http://schemas.openxmlformats.org/officeDocument/2006/relationships" xmlns:p="http://schemas.openxmlformats.org/presentationml/2006/main">
+  <p:cSld>
+    <p:spTree>
+      <p:nvGrpSpPr>
+        <p:cNvPr id="1" name=""/>
+        <p:cNvGrpSpPr/>
+        <p:nvPr/>
+      </p:nvGrpSpPr>
+      <p:grpSpPr>
+        <a:xfrm>
+          <a:off x="0" y="0"/>
+          <a:ext cx="0" cy="0"/>
+          <a:chOff x="0" y="0"/>
+          <a:chExt cx="0" cy="0"/>
+        </a:xfrm>
+      </p:grpSpPr>
+      <p:sp>
+        <p:nvSpPr>
+          <p:cNvPr id="3" name="Slide Number Placeholder 2">
+            <a:extLst>
+              <a:ext uri="{FF2B5EF4-FFF2-40B4-BE49-F238E27FC236}">
+                <a16:creationId xmlns:a16="http://schemas.microsoft.com/office/drawing/2014/main" id="{B57E836B-5491-3ED8-B0ED-B859ED314ED5}"/>
+              </a:ext>
+            </a:extLst>
+          </p:cNvPr>
+          <p:cNvSpPr>
+            <a:spLocks noGrp="1"/>
+          </p:cNvSpPr>
+          <p:nvPr>
+            <p:ph type="sldNum" sz="quarter" idx="12"/>
+          </p:nvPr>
+        </p:nvSpPr>
+        <p:spPr/>
+        <p:txBody>
+          <a:bodyPr/>
+          <a:lstStyle/>
+          <a:p>
+            <a:fld id="{BE3DC40E-DBBE-4E2D-9EEC-FBF0DA0E9179}" type="slidenum">
+              <a:rPr lang="de-AT" smtClean="0"/>
+              <a:pPr/>
+              <a:t>14</a:t>
+            </a:fld>
+            <a:endParaRPr lang="de-AT" dirty="0"/>
+          </a:p>
+        </p:txBody>
+      </p:sp>
+      <p:sp>
+        <p:nvSpPr>
+          <p:cNvPr id="4" name="Title 3">
+            <a:extLst>
+              <a:ext uri="{FF2B5EF4-FFF2-40B4-BE49-F238E27FC236}">
+                <a16:creationId xmlns:a16="http://schemas.microsoft.com/office/drawing/2014/main" id="{AA710836-739E-7B6B-8206-828B65B744A5}"/>
+              </a:ext>
+            </a:extLst>
+          </p:cNvPr>
+          <p:cNvSpPr>
+            <a:spLocks noGrp="1"/>
+          </p:cNvSpPr>
+          <p:nvPr>
+            <p:ph type="title"/>
+          </p:nvPr>
+        </p:nvSpPr>
+        <p:spPr/>
+        <p:txBody>
+          <a:bodyPr/>
+          <a:lstStyle/>
+          <a:p>
+            <a:r>
+              <a:rPr lang="it-IT" dirty="0"/>
+              <a:t>EU Core – Periphery in 2021</a:t>
+            </a:r>
+            <a:endParaRPr lang="en-GB" dirty="0"/>
+          </a:p>
+        </p:txBody>
+      </p:sp>
+      <p:pic>
+        <p:nvPicPr>
+          <p:cNvPr id="8" name="Picture 7" descr="A map of europe with different colored countries/regions&#10;&#10;Description automatically generated">
+            <a:extLst>
+              <a:ext uri="{FF2B5EF4-FFF2-40B4-BE49-F238E27FC236}">
+                <a16:creationId xmlns:a16="http://schemas.microsoft.com/office/drawing/2014/main" id="{FF4E9E0E-C829-EC61-42D1-2D46004C9C6F}"/>
+              </a:ext>
+            </a:extLst>
+          </p:cNvPr>
+          <p:cNvPicPr>
+            <a:picLocks noChangeAspect="1"/>
+          </p:cNvPicPr>
+          <p:nvPr/>
+        </p:nvPicPr>
+        <p:blipFill rotWithShape="1">
+          <a:blip r:embed="rId2" cstate="hqprint">
+            <a:extLst>
+              <a:ext uri="{28A0092B-C50C-407E-A947-70E740481C1C}">
+                <a14:useLocalDpi xmlns:a14="http://schemas.microsoft.com/office/drawing/2010/main" val="0"/>
+              </a:ext>
+            </a:extLst>
+          </a:blip>
+          <a:srcRect l="13382" r="16334"/>
+          <a:stretch/>
+        </p:blipFill>
+        <p:spPr>
+          <a:xfrm>
+            <a:off x="534257" y="1307207"/>
+            <a:ext cx="3764554" cy="3456000"/>
+          </a:xfrm>
+          <a:prstGeom prst="rect">
+            <a:avLst/>
+          </a:prstGeom>
+        </p:spPr>
+      </p:pic>
+      <p:pic>
+        <p:nvPicPr>
+          <p:cNvPr id="11" name="Picture 10" descr="A diagram of a star&#10;&#10;Description automatically generated with medium confidence">
+            <a:extLst>
+              <a:ext uri="{FF2B5EF4-FFF2-40B4-BE49-F238E27FC236}">
+                <a16:creationId xmlns:a16="http://schemas.microsoft.com/office/drawing/2014/main" id="{15D04D7E-78E9-3CBB-7E3B-D11CF4B13309}"/>
+              </a:ext>
+            </a:extLst>
+          </p:cNvPr>
+          <p:cNvPicPr>
+            <a:picLocks noChangeAspect="1"/>
+          </p:cNvPicPr>
+          <p:nvPr/>
+        </p:nvPicPr>
+        <p:blipFill>
+          <a:blip r:embed="rId3">
+            <a:extLst>
+              <a:ext uri="{28A0092B-C50C-407E-A947-70E740481C1C}">
+                <a14:useLocalDpi xmlns:a14="http://schemas.microsoft.com/office/drawing/2010/main" val="0"/>
+              </a:ext>
+            </a:extLst>
+          </a:blip>
+          <a:stretch>
+            <a:fillRect/>
+          </a:stretch>
+        </p:blipFill>
+        <p:spPr>
+          <a:xfrm>
+            <a:off x="4681551" y="1256773"/>
+            <a:ext cx="4277514" cy="3516634"/>
+          </a:xfrm>
+          <a:prstGeom prst="rect">
+            <a:avLst/>
+          </a:prstGeom>
+        </p:spPr>
+      </p:pic>
+    </p:spTree>
+    <p:extLst>
+      <p:ext uri="{BB962C8B-B14F-4D97-AF65-F5344CB8AC3E}">
+        <p14:creationId xmlns:p14="http://schemas.microsoft.com/office/powerpoint/2010/main" val="4165452913"/>
+      </p:ext>
+    </p:extLst>
+  </p:cSld>
+  <p:clrMapOvr>
+    <a:masterClrMapping/>
+  </p:clrMapOvr>
+  <mc:AlternateContent xmlns:mc="http://schemas.openxmlformats.org/markup-compatibility/2006" xmlns:p14="http://schemas.microsoft.com/office/powerpoint/2010/main">
+    <mc:Choice Requires="p14">
+      <p:transition spd="med" p14:dur="700">
+        <p:fade/>
+      </p:transition>
+    </mc:Choice>
+    <mc:Fallback xmlns="">
+      <p:transition spd="med">
+        <p:fade/>
+      </p:transition>
+    </mc:Fallback>
+  </mc:AlternateContent>
+</p:sld>
+</file>
+
+<file path=ppt/slides/slide15.xml><?xml version="1.0" encoding="utf-8"?>
+<p:sld xmlns:a="http://schemas.openxmlformats.org/drawingml/2006/main" xmlns:r="http://schemas.openxmlformats.org/officeDocument/2006/relationships" xmlns:p="http://schemas.openxmlformats.org/presentationml/2006/main">
+  <p:cSld>
+    <p:spTree>
+      <p:nvGrpSpPr>
+        <p:cNvPr id="1" name=""/>
+        <p:cNvGrpSpPr/>
+        <p:nvPr/>
+      </p:nvGrpSpPr>
+      <p:grpSpPr>
+        <a:xfrm>
+          <a:off x="0" y="0"/>
+          <a:ext cx="0" cy="0"/>
+          <a:chOff x="0" y="0"/>
+          <a:chExt cx="0" cy="0"/>
+        </a:xfrm>
+      </p:grpSpPr>
+      <p:sp>
+        <p:nvSpPr>
+          <p:cNvPr id="10" name="Content Placeholder 9">
+            <a:extLst>
+              <a:ext uri="{FF2B5EF4-FFF2-40B4-BE49-F238E27FC236}">
+                <a16:creationId xmlns:a16="http://schemas.microsoft.com/office/drawing/2014/main" id="{75EFCC0C-D15B-8353-7ECF-30144B6E7289}"/>
+              </a:ext>
+            </a:extLst>
+          </p:cNvPr>
+          <p:cNvSpPr>
+            <a:spLocks noGrp="1"/>
+          </p:cNvSpPr>
+          <p:nvPr>
+            <p:ph idx="1"/>
+          </p:nvPr>
+        </p:nvSpPr>
+        <p:spPr>
+          <a:xfrm>
+            <a:off x="462407" y="1223291"/>
+            <a:ext cx="7759644" cy="464536"/>
+          </a:xfrm>
+        </p:spPr>
+        <p:txBody>
+          <a:bodyPr/>
+          <a:lstStyle/>
+          <a:p>
+            <a:r>
+              <a:rPr lang="it-IT" dirty="0"/>
+              <a:t>Shifting reality of EU with challenges of ambiguouos members</a:t>
+            </a:r>
+            <a:endParaRPr lang="en-GB" dirty="0"/>
+          </a:p>
+        </p:txBody>
+      </p:sp>
+      <p:sp>
+        <p:nvSpPr>
+          <p:cNvPr id="3" name="Slide Number Placeholder 2">
+            <a:extLst>
+              <a:ext uri="{FF2B5EF4-FFF2-40B4-BE49-F238E27FC236}">
+                <a16:creationId xmlns:a16="http://schemas.microsoft.com/office/drawing/2014/main" id="{ED0A7D1F-1B97-9D48-3BD4-F1CC6074F5CA}"/>
+              </a:ext>
+            </a:extLst>
+          </p:cNvPr>
+          <p:cNvSpPr>
+            <a:spLocks noGrp="1"/>
+          </p:cNvSpPr>
+          <p:nvPr>
+            <p:ph type="sldNum" sz="quarter" idx="12"/>
+          </p:nvPr>
+        </p:nvSpPr>
+        <p:spPr/>
+        <p:txBody>
+          <a:bodyPr/>
+          <a:lstStyle/>
+          <a:p>
+            <a:fld id="{BE3DC40E-DBBE-4E2D-9EEC-FBF0DA0E9179}" type="slidenum">
+              <a:rPr lang="de-AT" smtClean="0"/>
+              <a:pPr/>
+              <a:t>15</a:t>
+            </a:fld>
+            <a:endParaRPr lang="de-AT" dirty="0"/>
+          </a:p>
+        </p:txBody>
+      </p:sp>
+      <p:sp>
+        <p:nvSpPr>
+          <p:cNvPr id="4" name="Title 3">
+            <a:extLst>
+              <a:ext uri="{FF2B5EF4-FFF2-40B4-BE49-F238E27FC236}">
+                <a16:creationId xmlns:a16="http://schemas.microsoft.com/office/drawing/2014/main" id="{2AE322C4-CB93-DE1A-5028-0DC422E4B7F0}"/>
+              </a:ext>
+            </a:extLst>
+          </p:cNvPr>
+          <p:cNvSpPr>
+            <a:spLocks noGrp="1"/>
+          </p:cNvSpPr>
+          <p:nvPr>
+            <p:ph type="title"/>
+          </p:nvPr>
+        </p:nvSpPr>
+        <p:spPr/>
+        <p:txBody>
+          <a:bodyPr/>
+          <a:lstStyle/>
+          <a:p>
+            <a:r>
+              <a:rPr lang="it-IT"/>
+              <a:t>Implication for EU </a:t>
+            </a:r>
+            <a:r>
+              <a:rPr lang="it-IT" dirty="0"/>
+              <a:t>Cohesion</a:t>
+            </a:r>
+            <a:endParaRPr lang="en-GB" dirty="0"/>
+          </a:p>
+        </p:txBody>
+      </p:sp>
+      <p:pic>
+        <p:nvPicPr>
+          <p:cNvPr id="6" name="Picture 5">
+            <a:extLst>
+              <a:ext uri="{FF2B5EF4-FFF2-40B4-BE49-F238E27FC236}">
+                <a16:creationId xmlns:a16="http://schemas.microsoft.com/office/drawing/2014/main" id="{09DA9AFF-00F9-4D7A-E89C-D2CD741527CA}"/>
+              </a:ext>
+            </a:extLst>
+          </p:cNvPr>
+          <p:cNvPicPr>
+            <a:picLocks noChangeAspect="1"/>
+          </p:cNvPicPr>
+          <p:nvPr/>
+        </p:nvPicPr>
+        <p:blipFill>
+          <a:blip r:embed="rId3"/>
+          <a:stretch>
+            <a:fillRect/>
+          </a:stretch>
+        </p:blipFill>
+        <p:spPr>
+          <a:xfrm>
+            <a:off x="1746606" y="1687827"/>
+            <a:ext cx="6096191" cy="3388506"/>
+          </a:xfrm>
+          <a:prstGeom prst="rect">
+            <a:avLst/>
+          </a:prstGeom>
+        </p:spPr>
+      </p:pic>
+    </p:spTree>
+    <p:extLst>
+      <p:ext uri="{BB962C8B-B14F-4D97-AF65-F5344CB8AC3E}">
+        <p14:creationId xmlns:p14="http://schemas.microsoft.com/office/powerpoint/2010/main" val="2829142037"/>
+      </p:ext>
+    </p:extLst>
+  </p:cSld>
+  <p:clrMapOvr>
+    <a:masterClrMapping/>
+  </p:clrMapOvr>
+  <mc:AlternateContent xmlns:mc="http://schemas.openxmlformats.org/markup-compatibility/2006" xmlns:p14="http://schemas.microsoft.com/office/powerpoint/2010/main">
+    <mc:Choice Requires="p14">
+      <p:transition spd="med" p14:dur="700">
+        <p:fade/>
+      </p:transition>
+    </mc:Choice>
+    <mc:Fallback xmlns="">
+      <p:transition spd="med">
+        <p:fade/>
+      </p:transition>
+    </mc:Fallback>
+  </mc:AlternateContent>
+</p:sld>
+</file>
+
+<file path=ppt/slides/slide16.xml><?xml version="1.0" encoding="utf-8"?>
+<p:sld xmlns:a="http://schemas.openxmlformats.org/drawingml/2006/main" xmlns:r="http://schemas.openxmlformats.org/officeDocument/2006/relationships" xmlns:p="http://schemas.openxmlformats.org/presentationml/2006/main">
+  <p:cSld>
+    <p:spTree>
+      <p:nvGrpSpPr>
+        <p:cNvPr id="1" name=""/>
+        <p:cNvGrpSpPr/>
+        <p:nvPr/>
+      </p:nvGrpSpPr>
+      <p:grpSpPr>
+        <a:xfrm>
+          <a:off x="0" y="0"/>
+          <a:ext cx="0" cy="0"/>
+          <a:chOff x="0" y="0"/>
+          <a:chExt cx="0" cy="0"/>
+        </a:xfrm>
+      </p:grpSpPr>
+      <p:sp>
+        <p:nvSpPr>
+          <p:cNvPr id="3" name="Slide Number Placeholder 2">
+            <a:extLst>
+              <a:ext uri="{FF2B5EF4-FFF2-40B4-BE49-F238E27FC236}">
+                <a16:creationId xmlns:a16="http://schemas.microsoft.com/office/drawing/2014/main" id="{819EB88F-F029-06C7-3C3E-1BCA669C6380}"/>
+              </a:ext>
+            </a:extLst>
+          </p:cNvPr>
+          <p:cNvSpPr>
+            <a:spLocks noGrp="1"/>
+          </p:cNvSpPr>
+          <p:nvPr>
+            <p:ph type="sldNum" sz="quarter" idx="12"/>
+          </p:nvPr>
+        </p:nvSpPr>
+        <p:spPr/>
+        <p:txBody>
+          <a:bodyPr/>
+          <a:lstStyle/>
+          <a:p>
+            <a:fld id="{BE3DC40E-DBBE-4E2D-9EEC-FBF0DA0E9179}" type="slidenum">
+              <a:rPr lang="de-AT" smtClean="0"/>
+              <a:pPr/>
+              <a:t>16</a:t>
+            </a:fld>
+            <a:endParaRPr lang="de-AT" dirty="0"/>
+          </a:p>
+        </p:txBody>
+      </p:sp>
+      <p:sp>
+        <p:nvSpPr>
+          <p:cNvPr id="4" name="Title 3">
+            <a:extLst>
+              <a:ext uri="{FF2B5EF4-FFF2-40B4-BE49-F238E27FC236}">
+                <a16:creationId xmlns:a16="http://schemas.microsoft.com/office/drawing/2014/main" id="{7A35D1D8-A328-56D3-7E91-08AD015491E2}"/>
+              </a:ext>
+            </a:extLst>
+          </p:cNvPr>
+          <p:cNvSpPr>
+            <a:spLocks noGrp="1"/>
+          </p:cNvSpPr>
+          <p:nvPr>
+            <p:ph type="title"/>
+          </p:nvPr>
+        </p:nvSpPr>
+        <p:spPr/>
+        <p:txBody>
+          <a:bodyPr/>
+          <a:lstStyle/>
+          <a:p>
+            <a:r>
+              <a:rPr lang="it-IT" dirty="0"/>
+              <a:t>A  </a:t>
+            </a:r>
+            <a:r>
+              <a:rPr lang="it-IT" dirty="0" err="1"/>
+              <a:t>further</a:t>
+            </a:r>
+            <a:r>
+              <a:rPr lang="it-IT" dirty="0"/>
+              <a:t> step: Deglobalization</a:t>
+            </a:r>
+            <a:endParaRPr lang="en-GB" dirty="0"/>
+          </a:p>
+        </p:txBody>
+      </p:sp>
+      <p:sp>
+        <p:nvSpPr>
+          <p:cNvPr id="11" name="Content Placeholder 1">
+            <a:extLst>
+              <a:ext uri="{FF2B5EF4-FFF2-40B4-BE49-F238E27FC236}">
+                <a16:creationId xmlns:a16="http://schemas.microsoft.com/office/drawing/2014/main" id="{DC438917-8C87-6522-9D7B-F60B226F628B}"/>
+              </a:ext>
+            </a:extLst>
+          </p:cNvPr>
+          <p:cNvSpPr txBox="1">
+            <a:spLocks/>
+          </p:cNvSpPr>
+          <p:nvPr/>
+        </p:nvSpPr>
+        <p:spPr>
+          <a:xfrm>
+            <a:off x="462407" y="1079984"/>
+            <a:ext cx="8106628" cy="3468515"/>
+          </a:xfrm>
+          <a:prstGeom prst="rect">
+            <a:avLst/>
+          </a:prstGeom>
+        </p:spPr>
+        <p:txBody>
+          <a:bodyPr vert="horz" lIns="0" tIns="45715" rIns="0" bIns="45715" rtlCol="0">
+            <a:noAutofit/>
+          </a:bodyPr>
+          <a:lstStyle>
+            <a:lvl1pPr marL="180975" indent="-180975" algn="l" defTabSz="914306" rtl="0" eaLnBrk="1" latinLnBrk="0" hangingPunct="1">
+              <a:lnSpc>
+                <a:spcPct val="100000"/>
+              </a:lnSpc>
+              <a:spcBef>
+                <a:spcPts val="0"/>
+              </a:spcBef>
+              <a:spcAft>
+                <a:spcPts val="600"/>
+              </a:spcAft>
+              <a:buClr>
+                <a:schemeClr val="accent1"/>
+              </a:buClr>
+              <a:buFont typeface="Wingdings" charset="2"/>
+              <a:buChar char="§"/>
+              <a:defRPr sz="1600" kern="1200">
+                <a:solidFill>
+                  <a:schemeClr val="tx1"/>
+                </a:solidFill>
+                <a:latin typeface="+mn-lt"/>
+                <a:ea typeface="+mn-ea"/>
+                <a:cs typeface="+mn-cs"/>
+              </a:defRPr>
+            </a:lvl1pPr>
+            <a:lvl2pPr marL="357188" indent="-176213" algn="l" defTabSz="914306" rtl="0" eaLnBrk="1" latinLnBrk="0" hangingPunct="1">
+              <a:lnSpc>
+                <a:spcPct val="100000"/>
+              </a:lnSpc>
+              <a:spcBef>
+                <a:spcPts val="0"/>
+              </a:spcBef>
+              <a:spcAft>
+                <a:spcPts val="400"/>
+              </a:spcAft>
+              <a:buClr>
+                <a:schemeClr val="accent1"/>
+              </a:buClr>
+              <a:buSzPct val="100000"/>
+              <a:buFont typeface="Wingdings" charset="2"/>
+              <a:buChar char="§"/>
+              <a:defRPr sz="1400" kern="1200">
+                <a:solidFill>
+                  <a:schemeClr val="tx1"/>
+                </a:solidFill>
+                <a:latin typeface="+mn-lt"/>
+                <a:ea typeface="+mn-ea"/>
+                <a:cs typeface="+mn-cs"/>
+              </a:defRPr>
+            </a:lvl2pPr>
+            <a:lvl3pPr marL="538163" indent="-180975" algn="l" defTabSz="914306" rtl="0" eaLnBrk="1" latinLnBrk="0" hangingPunct="1">
+              <a:lnSpc>
+                <a:spcPct val="100000"/>
+              </a:lnSpc>
+              <a:spcBef>
+                <a:spcPts val="0"/>
+              </a:spcBef>
+              <a:spcAft>
+                <a:spcPts val="400"/>
+              </a:spcAft>
+              <a:buClr>
+                <a:schemeClr val="accent1"/>
+              </a:buClr>
+              <a:buFont typeface="Wingdings" charset="2"/>
+              <a:buChar char="§"/>
+              <a:defRPr sz="1200" kern="1200">
+                <a:solidFill>
+                  <a:schemeClr val="tx1"/>
+                </a:solidFill>
+                <a:latin typeface="+mn-lt"/>
+                <a:ea typeface="+mn-ea"/>
+                <a:cs typeface="+mn-cs"/>
+              </a:defRPr>
+            </a:lvl3pPr>
+            <a:lvl4pPr marL="720725" indent="-182563" algn="l" defTabSz="914306" rtl="0" eaLnBrk="1" latinLnBrk="0" hangingPunct="1">
+              <a:lnSpc>
+                <a:spcPct val="100000"/>
+              </a:lnSpc>
+              <a:spcBef>
+                <a:spcPts val="0"/>
+              </a:spcBef>
+              <a:spcAft>
+                <a:spcPts val="400"/>
+              </a:spcAft>
+              <a:buClr>
+                <a:schemeClr val="accent1"/>
+              </a:buClr>
+              <a:buFont typeface="Wingdings" charset="2"/>
+              <a:buChar char="§"/>
+              <a:defRPr sz="1200" kern="1200">
+                <a:solidFill>
+                  <a:schemeClr val="tx1"/>
+                </a:solidFill>
+                <a:latin typeface="+mn-lt"/>
+                <a:ea typeface="+mn-ea"/>
+                <a:cs typeface="+mn-cs"/>
+              </a:defRPr>
+            </a:lvl4pPr>
+            <a:lvl5pPr marL="895350" indent="-174625" algn="l" defTabSz="914306" rtl="0" eaLnBrk="1" latinLnBrk="0" hangingPunct="1">
+              <a:lnSpc>
+                <a:spcPct val="100000"/>
+              </a:lnSpc>
+              <a:spcBef>
+                <a:spcPts val="0"/>
+              </a:spcBef>
+              <a:spcAft>
+                <a:spcPts val="400"/>
+              </a:spcAft>
+              <a:buClr>
+                <a:schemeClr val="accent1"/>
+              </a:buClr>
+              <a:buFont typeface="Wingdings" charset="2"/>
+              <a:buChar char="§"/>
+              <a:defRPr sz="1200" kern="1200">
+                <a:solidFill>
+                  <a:schemeClr val="tx1"/>
+                </a:solidFill>
+                <a:latin typeface="+mn-lt"/>
+                <a:ea typeface="+mn-ea"/>
+                <a:cs typeface="+mn-cs"/>
+              </a:defRPr>
+            </a:lvl5pPr>
+            <a:lvl6pPr marL="2514343" indent="-228577" algn="l" defTabSz="914306" rtl="0" eaLnBrk="1" latinLnBrk="0" hangingPunct="1">
+              <a:spcBef>
+                <a:spcPct val="20000"/>
+              </a:spcBef>
+              <a:buFont typeface="Arial" pitchFamily="34" charset="0"/>
+              <a:buChar char="•"/>
+              <a:defRPr sz="2000" kern="1200">
+                <a:solidFill>
+                  <a:schemeClr val="tx1"/>
+                </a:solidFill>
+                <a:latin typeface="+mn-lt"/>
+                <a:ea typeface="+mn-ea"/>
+                <a:cs typeface="+mn-cs"/>
+              </a:defRPr>
+            </a:lvl6pPr>
+            <a:lvl7pPr marL="2971496" indent="-228577" algn="l" defTabSz="914306" rtl="0" eaLnBrk="1" latinLnBrk="0" hangingPunct="1">
+              <a:spcBef>
+                <a:spcPct val="20000"/>
+              </a:spcBef>
+              <a:buFont typeface="Arial" pitchFamily="34" charset="0"/>
+              <a:buChar char="•"/>
+              <a:defRPr sz="2000" kern="1200">
+                <a:solidFill>
+                  <a:schemeClr val="tx1"/>
+                </a:solidFill>
+                <a:latin typeface="+mn-lt"/>
+                <a:ea typeface="+mn-ea"/>
+                <a:cs typeface="+mn-cs"/>
+              </a:defRPr>
+            </a:lvl7pPr>
+            <a:lvl8pPr marL="3428650" indent="-228577" algn="l" defTabSz="914306" rtl="0" eaLnBrk="1" latinLnBrk="0" hangingPunct="1">
+              <a:spcBef>
+                <a:spcPct val="20000"/>
+              </a:spcBef>
+              <a:buFont typeface="Arial" pitchFamily="34" charset="0"/>
+              <a:buChar char="•"/>
+              <a:defRPr sz="2000" kern="1200">
+                <a:solidFill>
+                  <a:schemeClr val="tx1"/>
+                </a:solidFill>
+                <a:latin typeface="+mn-lt"/>
+                <a:ea typeface="+mn-ea"/>
+                <a:cs typeface="+mn-cs"/>
+              </a:defRPr>
+            </a:lvl8pPr>
+            <a:lvl9pPr marL="3885803" indent="-228577" algn="l" defTabSz="914306" rtl="0" eaLnBrk="1" latinLnBrk="0" hangingPunct="1">
+              <a:spcBef>
+                <a:spcPct val="20000"/>
+              </a:spcBef>
+              <a:buFont typeface="Arial" pitchFamily="34" charset="0"/>
+              <a:buChar char="•"/>
+              <a:defRPr sz="2000" kern="1200">
+                <a:solidFill>
+                  <a:schemeClr val="tx1"/>
+                </a:solidFill>
+                <a:latin typeface="+mn-lt"/>
+                <a:ea typeface="+mn-ea"/>
+                <a:cs typeface="+mn-cs"/>
+              </a:defRPr>
+            </a:lvl9pPr>
+          </a:lstStyle>
+          <a:p>
+            <a:pPr marL="0" indent="0">
+              <a:buNone/>
+            </a:pPr>
+            <a:endParaRPr lang="en-GB" dirty="0"/>
+          </a:p>
+        </p:txBody>
+      </p:sp>
+      <p:sp>
+        <p:nvSpPr>
+          <p:cNvPr id="8" name="Textfeld 7">
+            <a:extLst>
+              <a:ext uri="{FF2B5EF4-FFF2-40B4-BE49-F238E27FC236}">
+                <a16:creationId xmlns:a16="http://schemas.microsoft.com/office/drawing/2014/main" id="{16682359-0641-027B-41C7-A123E47E5D3F}"/>
+              </a:ext>
+            </a:extLst>
+          </p:cNvPr>
+          <p:cNvSpPr txBox="1"/>
+          <p:nvPr/>
+        </p:nvSpPr>
+        <p:spPr>
+          <a:xfrm>
+            <a:off x="414938" y="1296902"/>
+            <a:ext cx="8583355" cy="338554"/>
+          </a:xfrm>
+          <a:prstGeom prst="rect">
+            <a:avLst/>
+          </a:prstGeom>
+          <a:noFill/>
+        </p:spPr>
+        <p:txBody>
+          <a:bodyPr wrap="square" rtlCol="0">
+            <a:spAutoFit/>
+          </a:bodyPr>
+          <a:lstStyle/>
+          <a:p>
+            <a:pPr marL="285750" indent="-285750">
+              <a:buClr>
+                <a:schemeClr val="accent1"/>
+              </a:buClr>
+              <a:buFont typeface="Wingdings" pitchFamily="2" charset="2"/>
+              <a:buChar char="§"/>
+            </a:pPr>
+            <a:r>
+              <a:rPr lang="en-US" sz="1600" dirty="0"/>
+              <a:t>Shift in global investment patterns consistent with homeland economics trend</a:t>
+            </a:r>
+          </a:p>
+        </p:txBody>
+      </p:sp>
+      <p:pic>
+        <p:nvPicPr>
+          <p:cNvPr id="7" name="Picture 6">
+            <a:extLst>
+              <a:ext uri="{FF2B5EF4-FFF2-40B4-BE49-F238E27FC236}">
+                <a16:creationId xmlns:a16="http://schemas.microsoft.com/office/drawing/2014/main" id="{C61F8722-91A2-30C8-A6C7-589BDCB92C1A}"/>
+              </a:ext>
+            </a:extLst>
+          </p:cNvPr>
+          <p:cNvPicPr>
+            <a:picLocks noChangeAspect="1"/>
+          </p:cNvPicPr>
+          <p:nvPr/>
+        </p:nvPicPr>
+        <p:blipFill rotWithShape="1">
+          <a:blip r:embed="rId2">
+            <a:extLst>
+              <a:ext uri="{28A0092B-C50C-407E-A947-70E740481C1C}">
+                <a14:useLocalDpi xmlns:a14="http://schemas.microsoft.com/office/drawing/2010/main" val="0"/>
+              </a:ext>
+            </a:extLst>
+          </a:blip>
+          <a:srcRect r="8571"/>
+          <a:stretch/>
+        </p:blipFill>
+        <p:spPr>
+          <a:xfrm>
+            <a:off x="462407" y="2061743"/>
+            <a:ext cx="4092633" cy="2627571"/>
+          </a:xfrm>
+          <a:prstGeom prst="rect">
+            <a:avLst/>
+          </a:prstGeom>
+        </p:spPr>
+      </p:pic>
+      <p:pic>
+        <p:nvPicPr>
+          <p:cNvPr id="10" name="Picture 9">
+            <a:extLst>
+              <a:ext uri="{FF2B5EF4-FFF2-40B4-BE49-F238E27FC236}">
+                <a16:creationId xmlns:a16="http://schemas.microsoft.com/office/drawing/2014/main" id="{62A25AB4-D84A-CB36-ABE7-6FA823D28DA9}"/>
+              </a:ext>
+            </a:extLst>
+          </p:cNvPr>
+          <p:cNvPicPr>
+            <a:picLocks noChangeAspect="1"/>
+          </p:cNvPicPr>
+          <p:nvPr/>
+        </p:nvPicPr>
+        <p:blipFill>
+          <a:blip r:embed="rId3">
+            <a:extLst>
+              <a:ext uri="{28A0092B-C50C-407E-A947-70E740481C1C}">
+                <a14:useLocalDpi xmlns:a14="http://schemas.microsoft.com/office/drawing/2010/main" val="0"/>
+              </a:ext>
+            </a:extLst>
+          </a:blip>
+          <a:stretch>
+            <a:fillRect/>
+          </a:stretch>
+        </p:blipFill>
+        <p:spPr>
+          <a:xfrm>
+            <a:off x="4442583" y="2061743"/>
+            <a:ext cx="4555710" cy="2486756"/>
+          </a:xfrm>
+          <a:prstGeom prst="rect">
+            <a:avLst/>
+          </a:prstGeom>
+        </p:spPr>
+      </p:pic>
+    </p:spTree>
+    <p:extLst>
+      <p:ext uri="{BB962C8B-B14F-4D97-AF65-F5344CB8AC3E}">
+        <p14:creationId xmlns:p14="http://schemas.microsoft.com/office/powerpoint/2010/main" val="2335828788"/>
+      </p:ext>
+    </p:extLst>
+  </p:cSld>
+  <p:clrMapOvr>
+    <a:masterClrMapping/>
+  </p:clrMapOvr>
+  <mc:AlternateContent xmlns:mc="http://schemas.openxmlformats.org/markup-compatibility/2006" xmlns:p14="http://schemas.microsoft.com/office/powerpoint/2010/main">
+    <mc:Choice Requires="p14">
+      <p:transition spd="med" p14:dur="700">
+        <p:fade/>
+      </p:transition>
+    </mc:Choice>
+    <mc:Fallback xmlns="">
+      <p:transition spd="med">
+        <p:fade/>
+      </p:transition>
+    </mc:Fallback>
+  </mc:AlternateContent>
+</p:sld>
+</file>
+
+<file path=ppt/slides/slide17.xml><?xml version="1.0" encoding="utf-8"?>
+<p:sld xmlns:a="http://schemas.openxmlformats.org/drawingml/2006/main" xmlns:r="http://schemas.openxmlformats.org/officeDocument/2006/relationships" xmlns:p="http://schemas.openxmlformats.org/presentationml/2006/main">
+  <p:cSld>
+    <p:spTree>
+      <p:nvGrpSpPr>
+        <p:cNvPr id="1" name=""/>
+        <p:cNvGrpSpPr/>
+        <p:nvPr/>
+      </p:nvGrpSpPr>
+      <p:grpSpPr>
+        <a:xfrm>
+          <a:off x="0" y="0"/>
+          <a:ext cx="0" cy="0"/>
+          <a:chOff x="0" y="0"/>
+          <a:chExt cx="0" cy="0"/>
+        </a:xfrm>
+      </p:grpSpPr>
+      <p:sp>
+        <p:nvSpPr>
+          <p:cNvPr id="3" name="Slide Number Placeholder 2">
+            <a:extLst>
+              <a:ext uri="{FF2B5EF4-FFF2-40B4-BE49-F238E27FC236}">
+                <a16:creationId xmlns:a16="http://schemas.microsoft.com/office/drawing/2014/main" id="{ACECAF92-1C26-C9C7-B72A-7C5CC15E2B65}"/>
+              </a:ext>
+            </a:extLst>
+          </p:cNvPr>
+          <p:cNvSpPr>
+            <a:spLocks noGrp="1"/>
+          </p:cNvSpPr>
+          <p:nvPr>
+            <p:ph type="sldNum" sz="quarter" idx="12"/>
+          </p:nvPr>
+        </p:nvSpPr>
+        <p:spPr/>
+        <p:txBody>
+          <a:bodyPr/>
+          <a:lstStyle/>
+          <a:p>
+            <a:fld id="{BE3DC40E-DBBE-4E2D-9EEC-FBF0DA0E9179}" type="slidenum">
+              <a:rPr lang="de-AT" smtClean="0"/>
+              <a:pPr/>
+              <a:t>17</a:t>
+            </a:fld>
+            <a:endParaRPr lang="de-AT" dirty="0"/>
+          </a:p>
+        </p:txBody>
+      </p:sp>
+      <p:sp>
+        <p:nvSpPr>
+          <p:cNvPr id="4" name="Title 3">
+            <a:extLst>
+              <a:ext uri="{FF2B5EF4-FFF2-40B4-BE49-F238E27FC236}">
+                <a16:creationId xmlns:a16="http://schemas.microsoft.com/office/drawing/2014/main" id="{1B08AC05-0D55-94DE-D3F1-4FF0452426C0}"/>
+              </a:ext>
+            </a:extLst>
+          </p:cNvPr>
+          <p:cNvSpPr>
+            <a:spLocks noGrp="1"/>
+          </p:cNvSpPr>
+          <p:nvPr>
+            <p:ph type="title"/>
+          </p:nvPr>
+        </p:nvSpPr>
+        <p:spPr/>
+        <p:txBody>
+          <a:bodyPr/>
+          <a:lstStyle/>
+          <a:p>
+            <a:r>
+              <a:rPr lang="it-IT" dirty="0"/>
+              <a:t>A  </a:t>
+            </a:r>
+            <a:r>
+              <a:rPr lang="it-IT" dirty="0" err="1"/>
+              <a:t>further</a:t>
+            </a:r>
+            <a:r>
+              <a:rPr lang="it-IT" dirty="0"/>
+              <a:t> step: </a:t>
+            </a:r>
+            <a:r>
+              <a:rPr lang="it-IT" dirty="0" err="1"/>
+              <a:t>Deglobalization</a:t>
+            </a:r>
+            <a:endParaRPr lang="en-GB" dirty="0"/>
+          </a:p>
+        </p:txBody>
+      </p:sp>
+      <p:sp>
+        <p:nvSpPr>
+          <p:cNvPr id="2" name="TextBox 1">
+            <a:extLst>
+              <a:ext uri="{FF2B5EF4-FFF2-40B4-BE49-F238E27FC236}">
+                <a16:creationId xmlns:a16="http://schemas.microsoft.com/office/drawing/2014/main" id="{96557BFD-6BC3-7086-02F4-78DED95CEFAF}"/>
+              </a:ext>
+            </a:extLst>
+          </p:cNvPr>
+          <p:cNvSpPr txBox="1"/>
+          <p:nvPr/>
+        </p:nvSpPr>
+        <p:spPr>
+          <a:xfrm>
+            <a:off x="462407" y="1145801"/>
+            <a:ext cx="8085692" cy="584775"/>
+          </a:xfrm>
+          <a:prstGeom prst="rect">
+            <a:avLst/>
+          </a:prstGeom>
+          <a:noFill/>
+        </p:spPr>
+        <p:txBody>
+          <a:bodyPr wrap="square" rtlCol="0">
+            <a:spAutoFit/>
+          </a:bodyPr>
+          <a:lstStyle/>
+          <a:p>
+            <a:pPr marL="285750" indent="-285750">
+              <a:buClr>
+                <a:schemeClr val="accent1"/>
+              </a:buClr>
+              <a:buFont typeface="Wingdings" pitchFamily="2" charset="2"/>
+              <a:buChar char="§"/>
+            </a:pPr>
+            <a:r>
+              <a:rPr lang="en-GB" sz="1600" dirty="0"/>
+              <a:t>no absolute reduction of trade/openness but</a:t>
+            </a:r>
+            <a:r>
+              <a:rPr lang="it-IT" sz="1600" dirty="0">
+                <a:sym typeface="Wingdings" panose="05000000000000000000" pitchFamily="2" charset="2"/>
+              </a:rPr>
+              <a:t> a more </a:t>
+            </a:r>
+            <a:r>
+              <a:rPr lang="it-IT" sz="1600" dirty="0" err="1">
+                <a:sym typeface="Wingdings" panose="05000000000000000000" pitchFamily="2" charset="2"/>
+              </a:rPr>
+              <a:t>cautious</a:t>
+            </a:r>
+            <a:r>
+              <a:rPr lang="it-IT" sz="1600" dirty="0">
+                <a:sym typeface="Wingdings" panose="05000000000000000000" pitchFamily="2" charset="2"/>
+              </a:rPr>
+              <a:t> management of it</a:t>
+            </a:r>
+            <a:endParaRPr lang="en-GB" sz="1600" dirty="0"/>
+          </a:p>
+        </p:txBody>
+      </p:sp>
+      <p:pic>
+        <p:nvPicPr>
+          <p:cNvPr id="8" name="Picture 7" descr="A graph with different colored bars&#10;&#10;Description automatically generated">
+            <a:extLst>
+              <a:ext uri="{FF2B5EF4-FFF2-40B4-BE49-F238E27FC236}">
+                <a16:creationId xmlns:a16="http://schemas.microsoft.com/office/drawing/2014/main" id="{5453717F-5596-6F71-09D7-5D1DED301054}"/>
+              </a:ext>
+            </a:extLst>
+          </p:cNvPr>
+          <p:cNvPicPr>
+            <a:picLocks noChangeAspect="1"/>
+          </p:cNvPicPr>
+          <p:nvPr/>
+        </p:nvPicPr>
+        <p:blipFill>
+          <a:blip r:embed="rId2">
+            <a:extLst>
+              <a:ext uri="{28A0092B-C50C-407E-A947-70E740481C1C}">
+                <a14:useLocalDpi xmlns:a14="http://schemas.microsoft.com/office/drawing/2010/main" val="0"/>
+              </a:ext>
+            </a:extLst>
+          </a:blip>
+          <a:stretch>
+            <a:fillRect/>
+          </a:stretch>
+        </p:blipFill>
+        <p:spPr>
+          <a:xfrm>
+            <a:off x="1587357" y="1782750"/>
+            <a:ext cx="5969285" cy="3260350"/>
+          </a:xfrm>
+          <a:prstGeom prst="rect">
+            <a:avLst/>
+          </a:prstGeom>
+        </p:spPr>
+      </p:pic>
+    </p:spTree>
+    <p:extLst>
+      <p:ext uri="{BB962C8B-B14F-4D97-AF65-F5344CB8AC3E}">
+        <p14:creationId xmlns:p14="http://schemas.microsoft.com/office/powerpoint/2010/main" val="3565599961"/>
+      </p:ext>
+    </p:extLst>
+  </p:cSld>
+  <p:clrMapOvr>
+    <a:masterClrMapping/>
+  </p:clrMapOvr>
+  <mc:AlternateContent xmlns:mc="http://schemas.openxmlformats.org/markup-compatibility/2006" xmlns:p14="http://schemas.microsoft.com/office/powerpoint/2010/main">
+    <mc:Choice Requires="p14">
+      <p:transition spd="med" p14:dur="700">
+        <p:fade/>
+      </p:transition>
+    </mc:Choice>
+    <mc:Fallback xmlns="">
+      <p:transition spd="med">
+        <p:fade/>
+      </p:transition>
+    </mc:Fallback>
+  </mc:AlternateContent>
+</p:sld>
+</file>
+
+<file path=ppt/slides/slide18.xml><?xml version="1.0" encoding="utf-8"?>
+<p:sld xmlns:a="http://schemas.openxmlformats.org/drawingml/2006/main" xmlns:r="http://schemas.openxmlformats.org/officeDocument/2006/relationships" xmlns:p="http://schemas.openxmlformats.org/presentationml/2006/main">
+  <p:cSld>
+    <p:spTree>
+      <p:nvGrpSpPr>
+        <p:cNvPr id="1" name=""/>
+        <p:cNvGrpSpPr/>
+        <p:nvPr/>
+      </p:nvGrpSpPr>
+      <p:grpSpPr>
+        <a:xfrm>
+          <a:off x="0" y="0"/>
+          <a:ext cx="0" cy="0"/>
+          <a:chOff x="0" y="0"/>
+          <a:chExt cx="0" cy="0"/>
+        </a:xfrm>
+      </p:grpSpPr>
+      <p:sp>
+        <p:nvSpPr>
+          <p:cNvPr id="2" name="Content Placeholder 1">
+            <a:extLst>
+              <a:ext uri="{FF2B5EF4-FFF2-40B4-BE49-F238E27FC236}">
+                <a16:creationId xmlns:a16="http://schemas.microsoft.com/office/drawing/2014/main" id="{48854E41-61D1-45CF-BD0F-E0D5E8CE873F}"/>
+              </a:ext>
+            </a:extLst>
+          </p:cNvPr>
+          <p:cNvSpPr>
+            <a:spLocks noGrp="1"/>
+          </p:cNvSpPr>
+          <p:nvPr>
+            <p:ph idx="1"/>
+          </p:nvPr>
+        </p:nvSpPr>
+        <p:spPr/>
+        <p:txBody>
+          <a:bodyPr/>
+          <a:lstStyle/>
+          <a:p>
+            <a:r>
+              <a:rPr lang="en-GB" dirty="0"/>
+              <a:t>Growing </a:t>
+            </a:r>
+            <a:r>
+              <a:rPr lang="en-GB"/>
+              <a:t>divergence in the </a:t>
+            </a:r>
+            <a:r>
+              <a:rPr lang="en-GB" dirty="0"/>
+              <a:t>core periphery</a:t>
+            </a:r>
+            <a:r>
+              <a:rPr lang="en-GB"/>
+              <a:t> pattern</a:t>
+            </a:r>
+            <a:r>
+              <a:rPr lang="en-GB" dirty="0"/>
+              <a:t> in EU</a:t>
+            </a:r>
+          </a:p>
+          <a:p>
+            <a:endParaRPr lang="en-GB" dirty="0"/>
+          </a:p>
+          <a:p>
+            <a:r>
+              <a:rPr lang="en-GB"/>
+              <a:t>Cohesion Policy of EU needs to consider presence of </a:t>
+            </a:r>
+            <a:r>
+              <a:rPr lang="en-GB" dirty="0"/>
+              <a:t>a</a:t>
+            </a:r>
+          </a:p>
+          <a:p>
+            <a:pPr lvl="2"/>
+            <a:r>
+              <a:rPr lang="en-GB" sz="1600" dirty="0"/>
+              <a:t>Core</a:t>
+            </a:r>
+            <a:r>
+              <a:rPr lang="en-GB" sz="1600"/>
+              <a:t> (</a:t>
+            </a:r>
+            <a:r>
+              <a:rPr lang="en-GB" sz="1600" dirty="0"/>
+              <a:t>North</a:t>
+            </a:r>
+            <a:r>
+              <a:rPr lang="en-GB" sz="1600"/>
+              <a:t>):</a:t>
+            </a:r>
+            <a:r>
+              <a:rPr lang="en-GB" sz="1600" dirty="0"/>
+              <a:t> rich, innovative and effective</a:t>
+            </a:r>
+          </a:p>
+          <a:p>
+            <a:pPr lvl="2"/>
+            <a:r>
+              <a:rPr lang="en-GB" sz="1600" dirty="0"/>
+              <a:t>2 Peripheries:</a:t>
+            </a:r>
+          </a:p>
+          <a:p>
+            <a:pPr lvl="4"/>
+            <a:r>
+              <a:rPr lang="en-GB" sz="1600" dirty="0"/>
+              <a:t>Southern Europe with high unemployment, older population, high debt</a:t>
+            </a:r>
+          </a:p>
+          <a:p>
+            <a:pPr lvl="4"/>
+            <a:r>
+              <a:rPr lang="en-GB" sz="1600" dirty="0"/>
+              <a:t>CEE with rural identity but catching up</a:t>
+            </a:r>
+          </a:p>
+          <a:p>
+            <a:r>
+              <a:rPr lang="en-GB" dirty="0"/>
+              <a:t>Danger of further division</a:t>
+            </a:r>
+          </a:p>
+          <a:p>
+            <a:endParaRPr lang="en-GB"/>
+          </a:p>
+          <a:p>
+            <a:r>
+              <a:rPr lang="en-GB" dirty="0"/>
+              <a:t>Evidence </a:t>
+            </a:r>
+            <a:r>
+              <a:rPr lang="en-GB"/>
+              <a:t>of Deglobalization still mixed</a:t>
+            </a:r>
+            <a:endParaRPr lang="en-GB" dirty="0"/>
+          </a:p>
+          <a:p>
+            <a:endParaRPr lang="en-GB" dirty="0"/>
+          </a:p>
+          <a:p>
+            <a:endParaRPr lang="en-GB" sz="2000" dirty="0"/>
+          </a:p>
+          <a:p>
+            <a:endParaRPr lang="en-GB" sz="2000" dirty="0"/>
+          </a:p>
+        </p:txBody>
+      </p:sp>
+      <p:sp>
+        <p:nvSpPr>
+          <p:cNvPr id="3" name="Slide Number Placeholder 2">
+            <a:extLst>
+              <a:ext uri="{FF2B5EF4-FFF2-40B4-BE49-F238E27FC236}">
+                <a16:creationId xmlns:a16="http://schemas.microsoft.com/office/drawing/2014/main" id="{81667B38-6DCC-8FC4-4AFF-FA7DAAB6C5EB}"/>
+              </a:ext>
+            </a:extLst>
+          </p:cNvPr>
+          <p:cNvSpPr>
+            <a:spLocks noGrp="1"/>
+          </p:cNvSpPr>
+          <p:nvPr>
+            <p:ph type="sldNum" sz="quarter" idx="12"/>
+          </p:nvPr>
+        </p:nvSpPr>
+        <p:spPr/>
+        <p:txBody>
+          <a:bodyPr/>
+          <a:lstStyle/>
+          <a:p>
+            <a:fld id="{BE3DC40E-DBBE-4E2D-9EEC-FBF0DA0E9179}" type="slidenum">
+              <a:rPr lang="de-AT" smtClean="0"/>
+              <a:pPr/>
+              <a:t>18</a:t>
+            </a:fld>
+            <a:endParaRPr lang="de-AT" dirty="0"/>
+          </a:p>
+        </p:txBody>
+      </p:sp>
+      <p:sp>
+        <p:nvSpPr>
+          <p:cNvPr id="4" name="Title 3">
+            <a:extLst>
+              <a:ext uri="{FF2B5EF4-FFF2-40B4-BE49-F238E27FC236}">
+                <a16:creationId xmlns:a16="http://schemas.microsoft.com/office/drawing/2014/main" id="{282A1240-E147-AF12-EC53-A7B2762042D0}"/>
+              </a:ext>
+            </a:extLst>
+          </p:cNvPr>
+          <p:cNvSpPr>
+            <a:spLocks noGrp="1"/>
+          </p:cNvSpPr>
+          <p:nvPr>
+            <p:ph type="title"/>
+          </p:nvPr>
+        </p:nvSpPr>
+        <p:spPr/>
+        <p:txBody>
+          <a:bodyPr/>
+          <a:lstStyle/>
+          <a:p>
+            <a:r>
+              <a:rPr lang="it-IT" dirty="0"/>
+              <a:t>Conclusion</a:t>
+            </a:r>
+            <a:endParaRPr lang="en-GB" dirty="0"/>
+          </a:p>
+        </p:txBody>
+      </p:sp>
+    </p:spTree>
+    <p:extLst>
+      <p:ext uri="{BB962C8B-B14F-4D97-AF65-F5344CB8AC3E}">
+        <p14:creationId xmlns:p14="http://schemas.microsoft.com/office/powerpoint/2010/main" val="599724855"/>
+      </p:ext>
+    </p:extLst>
+  </p:cSld>
+  <p:clrMapOvr>
+    <a:masterClrMapping/>
+  </p:clrMapOvr>
+  <mc:AlternateContent xmlns:mc="http://schemas.openxmlformats.org/markup-compatibility/2006" xmlns:p14="http://schemas.microsoft.com/office/powerpoint/2010/main">
+    <mc:Choice Requires="p14">
+      <p:transition spd="med" p14:dur="700">
+        <p:fade/>
+      </p:transition>
+    </mc:Choice>
+    <mc:Fallback xmlns="">
+      <p:transition spd="med">
+        <p:fade/>
+      </p:transition>
+    </mc:Fallback>
+  </mc:AlternateContent>
+</p:sld>
+</file>
+
+<file path=ppt/slides/slide19.xml><?xml version="1.0" encoding="utf-8"?>
+<p:sld xmlns:a="http://schemas.openxmlformats.org/drawingml/2006/main" xmlns:r="http://schemas.openxmlformats.org/officeDocument/2006/relationships" xmlns:p="http://schemas.openxmlformats.org/presentationml/2006/main">
+  <p:cSld>
+    <p:spTree>
+      <p:nvGrpSpPr>
+        <p:cNvPr id="1" name=""/>
+        <p:cNvGrpSpPr/>
+        <p:nvPr/>
+      </p:nvGrpSpPr>
+      <p:grpSpPr>
+        <a:xfrm>
+          <a:off x="0" y="0"/>
+          <a:ext cx="0" cy="0"/>
+          <a:chOff x="0" y="0"/>
+          <a:chExt cx="0" cy="0"/>
+        </a:xfrm>
+      </p:grpSpPr>
+      <p:sp>
+        <p:nvSpPr>
+          <p:cNvPr id="2" name="Content Placeholder 1">
+            <a:extLst>
+              <a:ext uri="{FF2B5EF4-FFF2-40B4-BE49-F238E27FC236}">
+                <a16:creationId xmlns:a16="http://schemas.microsoft.com/office/drawing/2014/main" id="{A0A49D8E-2BB1-670B-E4A0-C80EAB8B6B9F}"/>
+              </a:ext>
+            </a:extLst>
+          </p:cNvPr>
+          <p:cNvSpPr>
+            <a:spLocks noGrp="1"/>
+          </p:cNvSpPr>
+          <p:nvPr>
+            <p:ph idx="1"/>
+          </p:nvPr>
+        </p:nvSpPr>
+        <p:spPr>
+          <a:xfrm>
+            <a:off x="462407" y="1158782"/>
+            <a:ext cx="8086081" cy="3487646"/>
+          </a:xfrm>
+        </p:spPr>
+        <p:txBody>
+          <a:bodyPr/>
+          <a:lstStyle/>
+          <a:p>
+            <a:pPr algn="just"/>
+            <a:r>
+              <a:rPr lang="de-DE" sz="1100" dirty="0"/>
+              <a:t>The R code and datasets is accessible on the following </a:t>
+            </a:r>
+            <a:r>
+              <a:rPr lang="de-DE" sz="1100" b="1" dirty="0"/>
+              <a:t>GitHub Repository</a:t>
+            </a:r>
+            <a:r>
+              <a:rPr lang="de-DE" sz="1100" dirty="0"/>
+              <a:t>: </a:t>
+            </a:r>
+            <a:r>
+              <a:rPr lang="de-DE" sz="1100" dirty="0">
+                <a:hlinkClick r:id="rId2"/>
+              </a:rPr>
+              <a:t>https://github.com/EliaDG/EU-Core-Periphery-Division-in-the-wake-of-Deglobalization.git</a:t>
+            </a:r>
+            <a:endParaRPr lang="de-DE" sz="1100" dirty="0"/>
+          </a:p>
+          <a:p>
+            <a:pPr marL="0" indent="0" algn="just">
+              <a:buNone/>
+            </a:pPr>
+            <a:endParaRPr lang="de-DE" sz="1100" dirty="0"/>
+          </a:p>
+          <a:p>
+            <a:pPr algn="just"/>
+            <a:r>
+              <a:rPr lang="de-DE" sz="1100" dirty="0"/>
+              <a:t>European Commission, Directorate-General for Communication, (2022). The European Union : what it is and what it does, Publications Office of the European Union. </a:t>
+            </a:r>
+            <a:r>
+              <a:rPr lang="de-DE" sz="1100" dirty="0">
+                <a:hlinkClick r:id="rId3">
+                  <a:extLst>
+                    <a:ext uri="{A12FA001-AC4F-418D-AE19-62706E023703}">
+                      <ahyp:hlinkClr xmlns:ahyp="http://schemas.microsoft.com/office/drawing/2018/hyperlinkcolor" val="tx"/>
+                    </a:ext>
+                  </a:extLst>
+                </a:hlinkClick>
+              </a:rPr>
+              <a:t>https://data.europa.eu/doi/10.2775/5377</a:t>
+            </a:r>
+            <a:endParaRPr lang="de-DE" sz="1100" dirty="0"/>
+          </a:p>
+          <a:p>
+            <a:pPr algn="just"/>
+            <a:r>
+              <a:rPr lang="en-GB" sz="1100" dirty="0"/>
+              <a:t>Krugman, P. R. (1991) "Increasing Returns and Economic Geography", Journal of Political Economy, 99(3), pp. 483–499. </a:t>
+            </a:r>
+            <a:r>
+              <a:rPr lang="en-GB" sz="1100" dirty="0">
+                <a:hlinkClick r:id="rId4">
+                  <a:extLst>
+                    <a:ext uri="{A12FA001-AC4F-418D-AE19-62706E023703}">
+                      <ahyp:hlinkClr xmlns:ahyp="http://schemas.microsoft.com/office/drawing/2018/hyperlinkcolor" val="tx"/>
+                    </a:ext>
+                  </a:extLst>
+                </a:hlinkClick>
+              </a:rPr>
+              <a:t>https://doi.org/10.1086/261763</a:t>
+            </a:r>
+            <a:endParaRPr lang="en-GB" sz="1100" dirty="0"/>
+          </a:p>
+          <a:p>
+            <a:pPr algn="just"/>
+            <a:r>
+              <a:rPr lang="en-GB" sz="1100" dirty="0" err="1"/>
+              <a:t>Caraveli</a:t>
+            </a:r>
+            <a:r>
+              <a:rPr lang="en-GB" sz="1100" dirty="0"/>
+              <a:t>, H; Global Imbalances and EU Core-Periphery Division: Institutional Framework and Theoretical Interpretations. World Review of Political Economy , Vol. 7, No. 1 (Spring 2016), pp. 29-55. Available at </a:t>
+            </a:r>
+            <a:r>
+              <a:rPr lang="en-GB" sz="1100" dirty="0">
+                <a:hlinkClick r:id="rId5"/>
+              </a:rPr>
+              <a:t>https://www.jstor.org/stable/10.13169/worlrevipoliecon.7.1.0029</a:t>
+            </a:r>
+            <a:endParaRPr lang="en-GB" sz="1100" dirty="0"/>
+          </a:p>
+          <a:p>
+            <a:pPr algn="just"/>
+            <a:r>
+              <a:rPr lang="en-GB" sz="1100" dirty="0" err="1"/>
+              <a:t>Gräbner</a:t>
+            </a:r>
+            <a:r>
+              <a:rPr lang="en-GB" sz="1100" dirty="0"/>
+              <a:t>, Claudius; Hafele, Jakob (2020) : The emergence of </a:t>
+            </a:r>
+            <a:r>
+              <a:rPr lang="en-GB" sz="1100" dirty="0" err="1"/>
+              <a:t>coreperiphery</a:t>
+            </a:r>
+            <a:r>
+              <a:rPr lang="en-GB" sz="1100" dirty="0"/>
+              <a:t> structures in the European Union: A complexity perspective, ZOE Discussion Papers, No. 6, ZOE. </a:t>
+            </a:r>
+            <a:r>
+              <a:rPr lang="en-GB" sz="1100" dirty="0" err="1"/>
+              <a:t>Institut</a:t>
+            </a:r>
+            <a:r>
+              <a:rPr lang="en-GB" sz="1100" dirty="0"/>
+              <a:t> für </a:t>
+            </a:r>
+            <a:r>
+              <a:rPr lang="en-GB" sz="1100" dirty="0" err="1"/>
+              <a:t>zukunftsfähige</a:t>
+            </a:r>
+            <a:r>
+              <a:rPr lang="en-GB" sz="1100" dirty="0"/>
+              <a:t> </a:t>
+            </a:r>
+            <a:r>
+              <a:rPr lang="en-GB" sz="1100" dirty="0" err="1"/>
+              <a:t>Ökonomien</a:t>
+            </a:r>
+            <a:r>
+              <a:rPr lang="en-GB" sz="1100" dirty="0"/>
+              <a:t>, Bonn</a:t>
+            </a:r>
+          </a:p>
+          <a:p>
+            <a:pPr algn="just"/>
+            <a:r>
+              <a:rPr lang="en-GB" sz="1100" dirty="0"/>
+              <a:t>Daniel </a:t>
+            </a:r>
+            <a:r>
+              <a:rPr lang="en-GB" sz="1100" dirty="0" err="1"/>
+              <a:t>Rauhut</a:t>
+            </a:r>
+            <a:r>
+              <a:rPr lang="en-GB" sz="1100" dirty="0"/>
+              <a:t> &amp; Alois </a:t>
+            </a:r>
+            <a:r>
+              <a:rPr lang="en-GB" sz="1100" dirty="0" err="1"/>
+              <a:t>Humer</a:t>
+            </a:r>
+            <a:r>
+              <a:rPr lang="en-GB" sz="1100" dirty="0"/>
+              <a:t> (2020) EU Cohesion Policy and spatial economic growth: trajectories in economic thought, European Planning Studies, 28:11, 2116-2133, DOI: 10.1080/09654313.2019.1709416</a:t>
+            </a:r>
+          </a:p>
+          <a:p>
+            <a:pPr algn="just"/>
+            <a:r>
+              <a:rPr lang="en-GB" sz="1100" dirty="0" err="1"/>
+              <a:t>Kersan-Škabić</a:t>
+            </a:r>
+            <a:r>
+              <a:rPr lang="en-GB" sz="1100" dirty="0"/>
+              <a:t>, I. (2020) ""Core-Periphery" in the European Union – An Economic Perspective", </a:t>
+            </a:r>
+            <a:r>
+              <a:rPr lang="en-GB" sz="1100" dirty="0" err="1"/>
+              <a:t>Periodica</a:t>
+            </a:r>
+            <a:r>
+              <a:rPr lang="en-GB" sz="1100" dirty="0"/>
+              <a:t> </a:t>
+            </a:r>
+            <a:r>
+              <a:rPr lang="en-GB" sz="1100" dirty="0" err="1"/>
+              <a:t>Polytechnica</a:t>
+            </a:r>
+            <a:r>
+              <a:rPr lang="en-GB" sz="1100" dirty="0"/>
+              <a:t> Social and Management Sciences, 28(2), pp. 146–154. </a:t>
+            </a:r>
+            <a:r>
+              <a:rPr lang="en-GB" sz="1100" dirty="0">
+                <a:hlinkClick r:id="rId6"/>
+              </a:rPr>
+              <a:t>https://doi.org/10.3311/PPso.13979</a:t>
+            </a:r>
+            <a:r>
+              <a:rPr lang="en-GB" sz="1100" dirty="0"/>
+              <a:t> </a:t>
+            </a:r>
+          </a:p>
+          <a:p>
+            <a:endParaRPr lang="de-DE" sz="1100" b="1" dirty="0">
+              <a:solidFill>
+                <a:srgbClr val="0E47CB"/>
+              </a:solidFill>
+              <a:latin typeface="Arial" panose="020B0604020202020204" pitchFamily="34" charset="0"/>
+            </a:endParaRPr>
+          </a:p>
+        </p:txBody>
+      </p:sp>
+      <p:sp>
+        <p:nvSpPr>
+          <p:cNvPr id="3" name="Slide Number Placeholder 2">
+            <a:extLst>
+              <a:ext uri="{FF2B5EF4-FFF2-40B4-BE49-F238E27FC236}">
+                <a16:creationId xmlns:a16="http://schemas.microsoft.com/office/drawing/2014/main" id="{943505A2-F3E5-F922-1645-9589CEEBFF85}"/>
+              </a:ext>
+            </a:extLst>
+          </p:cNvPr>
+          <p:cNvSpPr>
+            <a:spLocks noGrp="1"/>
+          </p:cNvSpPr>
+          <p:nvPr>
+            <p:ph type="sldNum" sz="quarter" idx="12"/>
+          </p:nvPr>
+        </p:nvSpPr>
+        <p:spPr/>
+        <p:txBody>
+          <a:bodyPr/>
+          <a:lstStyle/>
+          <a:p>
+            <a:fld id="{BE3DC40E-DBBE-4E2D-9EEC-FBF0DA0E9179}" type="slidenum">
+              <a:rPr lang="de-AT" smtClean="0"/>
+              <a:pPr/>
+              <a:t>19</a:t>
+            </a:fld>
+            <a:endParaRPr lang="de-AT" dirty="0"/>
+          </a:p>
+        </p:txBody>
+      </p:sp>
+      <p:sp>
+        <p:nvSpPr>
+          <p:cNvPr id="4" name="Title 3">
+            <a:extLst>
+              <a:ext uri="{FF2B5EF4-FFF2-40B4-BE49-F238E27FC236}">
+                <a16:creationId xmlns:a16="http://schemas.microsoft.com/office/drawing/2014/main" id="{875DC1DD-9E81-FF7C-FBD8-3433258C5F6A}"/>
+              </a:ext>
+            </a:extLst>
+          </p:cNvPr>
+          <p:cNvSpPr>
+            <a:spLocks noGrp="1"/>
+          </p:cNvSpPr>
+          <p:nvPr>
+            <p:ph type="title"/>
+          </p:nvPr>
+        </p:nvSpPr>
+        <p:spPr/>
+        <p:txBody>
+          <a:bodyPr/>
+          <a:lstStyle/>
+          <a:p>
+            <a:r>
+              <a:rPr lang="it-IT" dirty="0"/>
+              <a:t>References</a:t>
+            </a:r>
+            <a:endParaRPr lang="en-GB" dirty="0"/>
+          </a:p>
+        </p:txBody>
+      </p:sp>
+    </p:spTree>
+    <p:extLst>
+      <p:ext uri="{BB962C8B-B14F-4D97-AF65-F5344CB8AC3E}">
+        <p14:creationId xmlns:p14="http://schemas.microsoft.com/office/powerpoint/2010/main" val="4199252907"/>
+      </p:ext>
+    </p:extLst>
+  </p:cSld>
+  <p:clrMapOvr>
+    <a:masterClrMapping/>
+  </p:clrMapOvr>
+  <mc:AlternateContent xmlns:mc="http://schemas.openxmlformats.org/markup-compatibility/2006" xmlns:p14="http://schemas.microsoft.com/office/powerpoint/2010/main">
+    <mc:Choice Requires="p14">
+      <p:transition spd="med" p14:dur="700">
+        <p:fade/>
+      </p:transition>
+    </mc:Choice>
+    <mc:Fallback xmlns="">
+      <p:transition spd="med">
+        <p:fade/>
+      </p:transition>
+    </mc:Fallback>
+  </mc:AlternateContent>
+</p:sld>
+</file>
+
+<file path=ppt/slides/slide2.xml><?xml version="1.0" encoding="utf-8"?>
+<p:sld xmlns:a="http://schemas.openxmlformats.org/drawingml/2006/main" xmlns:r="http://schemas.openxmlformats.org/officeDocument/2006/relationships" xmlns:p="http://schemas.openxmlformats.org/presentationml/2006/main">
+  <p:cSld>
+    <p:spTree>
+      <p:nvGrpSpPr>
+        <p:cNvPr id="1" name=""/>
+        <p:cNvGrpSpPr/>
+        <p:nvPr/>
+      </p:nvGrpSpPr>
+      <p:grpSpPr>
+        <a:xfrm>
+          <a:off x="0" y="0"/>
+          <a:ext cx="0" cy="0"/>
+          <a:chOff x="0" y="0"/>
+          <a:chExt cx="0" cy="0"/>
+        </a:xfrm>
+      </p:grpSpPr>
+      <p:sp>
+        <p:nvSpPr>
+          <p:cNvPr id="2" name="Content Placeholder 1">
+            <a:extLst>
+              <a:ext uri="{FF2B5EF4-FFF2-40B4-BE49-F238E27FC236}">
+                <a16:creationId xmlns:a16="http://schemas.microsoft.com/office/drawing/2014/main" id="{86D71027-2BB3-56ED-CAC4-FFE87D1B4729}"/>
+              </a:ext>
+            </a:extLst>
+          </p:cNvPr>
+          <p:cNvSpPr>
+            <a:spLocks noGrp="1"/>
+          </p:cNvSpPr>
+          <p:nvPr>
+            <p:ph idx="1"/>
+          </p:nvPr>
+        </p:nvSpPr>
+        <p:spPr>
+          <a:xfrm>
+            <a:off x="636900" y="1188819"/>
+            <a:ext cx="7698321" cy="770070"/>
+          </a:xfrm>
+        </p:spPr>
+        <p:txBody>
+          <a:bodyPr/>
+          <a:lstStyle/>
+          <a:p>
+            <a:pPr algn="l">
+              <a:buFont typeface="Wingdings" panose="05000000000000000000" pitchFamily="2" charset="2"/>
+              <a:buChar char="Ø"/>
+            </a:pPr>
+            <a:r>
+              <a:rPr lang="de-DE" sz="1800" b="0" i="0" u="none" strike="noStrike" dirty="0">
+                <a:solidFill>
+                  <a:srgbClr val="000000"/>
+                </a:solidFill>
+                <a:effectLst/>
+              </a:rPr>
+              <a:t> How did you transform your data? Is taking log enough to make       data stationary?</a:t>
+            </a:r>
+            <a:endParaRPr lang="de-DE" sz="1800" b="0" i="0" u="none" strike="noStrike" dirty="0">
+              <a:solidFill>
+                <a:srgbClr val="000000"/>
+              </a:solidFill>
+              <a:effectLst/>
+              <a:latin typeface="Aptos" panose="020B0004020202020204" pitchFamily="34" charset="0"/>
+            </a:endParaRPr>
+          </a:p>
+          <a:p>
+            <a:pPr marL="0" indent="0">
+              <a:buNone/>
+            </a:pPr>
+            <a:endParaRPr lang="en-GB" dirty="0"/>
+          </a:p>
+        </p:txBody>
+      </p:sp>
+      <p:sp>
+        <p:nvSpPr>
+          <p:cNvPr id="3" name="Slide Number Placeholder 2">
+            <a:extLst>
+              <a:ext uri="{FF2B5EF4-FFF2-40B4-BE49-F238E27FC236}">
+                <a16:creationId xmlns:a16="http://schemas.microsoft.com/office/drawing/2014/main" id="{CD1B4706-915C-9916-3D2E-E23FA5654CC9}"/>
+              </a:ext>
+            </a:extLst>
+          </p:cNvPr>
+          <p:cNvSpPr>
+            <a:spLocks noGrp="1"/>
+          </p:cNvSpPr>
+          <p:nvPr>
+            <p:ph type="sldNum" sz="quarter" idx="12"/>
+          </p:nvPr>
+        </p:nvSpPr>
+        <p:spPr/>
+        <p:txBody>
+          <a:bodyPr/>
+          <a:lstStyle/>
+          <a:p>
+            <a:fld id="{BE3DC40E-DBBE-4E2D-9EEC-FBF0DA0E9179}" type="slidenum">
+              <a:rPr lang="de-AT" smtClean="0"/>
+              <a:pPr/>
+              <a:t>2</a:t>
+            </a:fld>
+            <a:endParaRPr lang="de-AT" dirty="0"/>
+          </a:p>
+        </p:txBody>
+      </p:sp>
+      <p:sp>
+        <p:nvSpPr>
+          <p:cNvPr id="4" name="Title 3">
+            <a:extLst>
+              <a:ext uri="{FF2B5EF4-FFF2-40B4-BE49-F238E27FC236}">
+                <a16:creationId xmlns:a16="http://schemas.microsoft.com/office/drawing/2014/main" id="{5FC17177-F0B4-5E76-B24B-1633BBFC641E}"/>
+              </a:ext>
+            </a:extLst>
+          </p:cNvPr>
+          <p:cNvSpPr>
+            <a:spLocks noGrp="1"/>
+          </p:cNvSpPr>
+          <p:nvPr>
+            <p:ph type="title"/>
+          </p:nvPr>
+        </p:nvSpPr>
+        <p:spPr/>
+        <p:txBody>
+          <a:bodyPr/>
+          <a:lstStyle/>
+          <a:p>
+            <a:r>
+              <a:rPr lang="en-GB" dirty="0"/>
+              <a:t>Questions:</a:t>
+            </a:r>
+          </a:p>
+        </p:txBody>
+      </p:sp>
+      <p:sp>
+        <p:nvSpPr>
+          <p:cNvPr id="6" name="TextBox 5">
+            <a:extLst>
+              <a:ext uri="{FF2B5EF4-FFF2-40B4-BE49-F238E27FC236}">
+                <a16:creationId xmlns:a16="http://schemas.microsoft.com/office/drawing/2014/main" id="{9D02105C-2CF1-746B-1A7B-2135442D35B8}"/>
+              </a:ext>
+            </a:extLst>
+          </p:cNvPr>
+          <p:cNvSpPr txBox="1"/>
+          <p:nvPr/>
+        </p:nvSpPr>
+        <p:spPr>
+          <a:xfrm>
+            <a:off x="578137" y="2190973"/>
+            <a:ext cx="7815849" cy="1200329"/>
+          </a:xfrm>
+          <a:prstGeom prst="rect">
+            <a:avLst/>
+          </a:prstGeom>
+          <a:noFill/>
+        </p:spPr>
+        <p:txBody>
+          <a:bodyPr wrap="square">
+            <a:spAutoFit/>
+          </a:bodyPr>
+          <a:lstStyle/>
+          <a:p>
+            <a:pPr marL="285750" indent="-285750" algn="l">
+              <a:buClr>
+                <a:srgbClr val="0096D3"/>
+              </a:buClr>
+              <a:buFont typeface="Wingdings" panose="05000000000000000000" pitchFamily="2" charset="2"/>
+              <a:buChar char="Ø"/>
+            </a:pPr>
+            <a:r>
+              <a:rPr lang="de-DE" sz="1800" b="0" i="0" u="none" strike="noStrike" dirty="0">
+                <a:solidFill>
+                  <a:srgbClr val="000000"/>
+                </a:solidFill>
+                <a:effectLst/>
+              </a:rPr>
+              <a:t>In your threshold model, you did not find significant differences between the low and high growth periods. Does this mean that the spillover effects of US monetary policy are the same across the business cycle?</a:t>
+            </a:r>
+          </a:p>
+        </p:txBody>
+      </p:sp>
+      <p:sp>
+        <p:nvSpPr>
+          <p:cNvPr id="8" name="TextBox 7">
+            <a:extLst>
+              <a:ext uri="{FF2B5EF4-FFF2-40B4-BE49-F238E27FC236}">
+                <a16:creationId xmlns:a16="http://schemas.microsoft.com/office/drawing/2014/main" id="{8D7D36C0-5282-0096-4299-8562D5C19CBF}"/>
+              </a:ext>
+            </a:extLst>
+          </p:cNvPr>
+          <p:cNvSpPr txBox="1"/>
+          <p:nvPr/>
+        </p:nvSpPr>
+        <p:spPr>
+          <a:xfrm>
+            <a:off x="578138" y="3632169"/>
+            <a:ext cx="7815849" cy="923330"/>
+          </a:xfrm>
+          <a:prstGeom prst="rect">
+            <a:avLst/>
+          </a:prstGeom>
+          <a:noFill/>
+        </p:spPr>
+        <p:txBody>
+          <a:bodyPr wrap="square">
+            <a:spAutoFit/>
+          </a:bodyPr>
+          <a:lstStyle/>
+          <a:p>
+            <a:pPr marL="285750" indent="-285750" algn="l">
+              <a:buClr>
+                <a:srgbClr val="0096D3"/>
+              </a:buClr>
+              <a:buFont typeface="Wingdings" panose="05000000000000000000" pitchFamily="2" charset="2"/>
+              <a:buChar char="Ø"/>
+            </a:pPr>
+            <a:r>
+              <a:rPr lang="de-DE" sz="1800" b="0" i="0" u="none" strike="noStrike" dirty="0">
+                <a:solidFill>
+                  <a:srgbClr val="000000"/>
+                </a:solidFill>
+                <a:effectLst/>
+              </a:rPr>
+              <a:t>Can you explain, if any, the differences between the spillover effects of US monetary policy on developing countries vs developed countries using your model?</a:t>
+            </a:r>
+          </a:p>
+        </p:txBody>
+      </p:sp>
+    </p:spTree>
+    <p:extLst>
+      <p:ext uri="{BB962C8B-B14F-4D97-AF65-F5344CB8AC3E}">
+        <p14:creationId xmlns:p14="http://schemas.microsoft.com/office/powerpoint/2010/main" val="4201294299"/>
+      </p:ext>
+    </p:extLst>
+  </p:cSld>
+  <p:clrMapOvr>
+    <a:masterClrMapping/>
+  </p:clrMapOvr>
+  <mc:AlternateContent xmlns:mc="http://schemas.openxmlformats.org/markup-compatibility/2006" xmlns:p14="http://schemas.microsoft.com/office/powerpoint/2010/main">
+    <mc:Choice Requires="p14">
+      <p:transition spd="med" p14:dur="700">
+        <p:fade/>
+      </p:transition>
+    </mc:Choice>
+    <mc:Fallback xmlns="">
+      <p:transition spd="med">
+        <p:fade/>
+      </p:transition>
+    </mc:Fallback>
+  </mc:AlternateContent>
+  <p:timing>
+    <p:tnLst>
+      <p:par>
+        <p:cTn id="1" dur="indefinite" restart="never" nodeType="tmRoot">
+          <p:childTnLst>
+            <p:seq concurrent="1" nextAc="seek">
+              <p:cTn id="2" dur="indefinite" nodeType="mainSeq">
+                <p:childTnLst>
+                  <p:par>
+                    <p:cTn id="3" fill="hold">
+                      <p:stCondLst>
+                        <p:cond delay="indefinite"/>
+                      </p:stCondLst>
+                      <p:childTnLst>
+                        <p:par>
+                          <p:cTn id="4" fill="hold">
+                            <p:stCondLst>
+                              <p:cond delay="0"/>
+                            </p:stCondLst>
+                            <p:childTnLst>
+                              <p:par>
+                                <p:cTn id="5" presetID="1" presetClass="entr" presetSubtype="0" fill="hold" grpId="0" nodeType="clickEffect">
+                                  <p:stCondLst>
+                                    <p:cond delay="0"/>
+                                  </p:stCondLst>
+                                  <p:childTnLst>
+                                    <p:set>
+                                      <p:cBhvr>
+                                        <p:cTn id="6" dur="1" fill="hold">
+                                          <p:stCondLst>
+                                            <p:cond delay="0"/>
+                                          </p:stCondLst>
+                                        </p:cTn>
+                                        <p:tgtEl>
+                                          <p:spTgt spid="2">
+                                            <p:txEl>
+                                              <p:pRg st="0" end="0"/>
+                                            </p:txEl>
+                                          </p:spTgt>
+                                        </p:tgtEl>
+                                        <p:attrNameLst>
+                                          <p:attrName>style.visibility</p:attrName>
+                                        </p:attrNameLst>
+                                      </p:cBhvr>
+                                      <p:to>
+                                        <p:strVal val="visible"/>
+                                      </p:to>
+                                    </p:set>
+                                  </p:childTnLst>
+                                </p:cTn>
+                              </p:par>
+                            </p:childTnLst>
+                          </p:cTn>
+                        </p:par>
+                      </p:childTnLst>
+                    </p:cTn>
+                  </p:par>
+                  <p:par>
+                    <p:cTn id="7" fill="hold">
+                      <p:stCondLst>
+                        <p:cond delay="indefinite"/>
+                      </p:stCondLst>
+                      <p:childTnLst>
+                        <p:par>
+                          <p:cTn id="8" fill="hold">
+                            <p:stCondLst>
+                              <p:cond delay="0"/>
+                            </p:stCondLst>
+                            <p:childTnLst>
+                              <p:par>
+                                <p:cTn id="9" presetID="1" presetClass="entr" presetSubtype="0" fill="hold" grpId="0" nodeType="clickEffect">
+                                  <p:stCondLst>
+                                    <p:cond delay="0"/>
+                                  </p:stCondLst>
+                                  <p:childTnLst>
+                                    <p:set>
+                                      <p:cBhvr>
+                                        <p:cTn id="10" dur="1" fill="hold">
+                                          <p:stCondLst>
+                                            <p:cond delay="0"/>
+                                          </p:stCondLst>
+                                        </p:cTn>
+                                        <p:tgtEl>
+                                          <p:spTgt spid="6"/>
+                                        </p:tgtEl>
+                                        <p:attrNameLst>
+                                          <p:attrName>style.visibility</p:attrName>
+                                        </p:attrNameLst>
+                                      </p:cBhvr>
+                                      <p:to>
+                                        <p:strVal val="visible"/>
+                                      </p:to>
+                                    </p:set>
+                                  </p:childTnLst>
+                                </p:cTn>
+                              </p:par>
+                            </p:childTnLst>
+                          </p:cTn>
+                        </p:par>
+                      </p:childTnLst>
+                    </p:cTn>
+                  </p:par>
+                  <p:par>
+                    <p:cTn id="11" fill="hold">
+                      <p:stCondLst>
+                        <p:cond delay="indefinite"/>
+                      </p:stCondLst>
+                      <p:childTnLst>
+                        <p:par>
+                          <p:cTn id="12" fill="hold">
+                            <p:stCondLst>
+                              <p:cond delay="0"/>
+                            </p:stCondLst>
+                            <p:childTnLst>
+                              <p:par>
+                                <p:cTn id="13" presetID="1" presetClass="entr" presetSubtype="0" fill="hold" grpId="0" nodeType="clickEffect">
+                                  <p:stCondLst>
+                                    <p:cond delay="0"/>
+                                  </p:stCondLst>
+                                  <p:childTnLst>
+                                    <p:set>
+                                      <p:cBhvr>
+                                        <p:cTn id="14" dur="1" fill="hold">
+                                          <p:stCondLst>
+                                            <p:cond delay="0"/>
+                                          </p:stCondLst>
+                                        </p:cTn>
+                                        <p:tgtEl>
+                                          <p:spTgt spid="8"/>
+                                        </p:tgtEl>
+                                        <p:attrNameLst>
+                                          <p:attrName>style.visibility</p:attrName>
+                                        </p:attrNameLst>
+                                      </p:cBhvr>
+                                      <p:to>
+                                        <p:strVal val="visible"/>
+                                      </p:to>
+                                    </p:set>
+                                  </p:childTnLst>
+                                </p:cTn>
+                              </p:par>
+                            </p:childTnLst>
+                          </p:cTn>
+                        </p:par>
+                      </p:childTnLst>
+                    </p:cTn>
+                  </p:par>
+                </p:childTnLst>
+              </p:cTn>
+              <p:prevCondLst>
+                <p:cond evt="onPrev" delay="0">
+                  <p:tgtEl>
+                    <p:sldTgt/>
+                  </p:tgtEl>
+                </p:cond>
+              </p:prevCondLst>
+              <p:nextCondLst>
+                <p:cond evt="onNext" delay="0">
+                  <p:tgtEl>
+                    <p:sldTgt/>
+                  </p:tgtEl>
+                </p:cond>
+              </p:nextCondLst>
+            </p:seq>
+          </p:childTnLst>
+        </p:cTn>
+      </p:par>
+    </p:tnLst>
+    <p:bldLst>
+      <p:bldP spid="2" grpId="0" build="p"/>
+      <p:bldP spid="6" grpId="0"/>
+      <p:bldP spid="8" grpId="0"/>
+    </p:bldLst>
+  </p:timing>
+</p:sld>
+</file>
+
+<file path=ppt/slides/slide20.xml><?xml version="1.0" encoding="utf-8"?>
+<p:sld xmlns:a="http://schemas.openxmlformats.org/drawingml/2006/main" xmlns:r="http://schemas.openxmlformats.org/officeDocument/2006/relationships" xmlns:p="http://schemas.openxmlformats.org/presentationml/2006/main">
+  <p:cSld>
+    <p:spTree>
+      <p:nvGrpSpPr>
+        <p:cNvPr id="1" name=""/>
+        <p:cNvGrpSpPr/>
+        <p:nvPr/>
+      </p:nvGrpSpPr>
+      <p:grpSpPr>
+        <a:xfrm>
+          <a:off x="0" y="0"/>
+          <a:ext cx="0" cy="0"/>
+          <a:chOff x="0" y="0"/>
+          <a:chExt cx="0" cy="0"/>
+        </a:xfrm>
+      </p:grpSpPr>
+      <p:sp>
+        <p:nvSpPr>
+          <p:cNvPr id="2" name="Title 1">
+            <a:extLst>
+              <a:ext uri="{FF2B5EF4-FFF2-40B4-BE49-F238E27FC236}">
+                <a16:creationId xmlns:a16="http://schemas.microsoft.com/office/drawing/2014/main" id="{ACBB72EA-591E-E40E-B295-F4E70A24C582}"/>
+              </a:ext>
+            </a:extLst>
+          </p:cNvPr>
+          <p:cNvSpPr>
+            <a:spLocks noGrp="1"/>
+          </p:cNvSpPr>
+          <p:nvPr>
+            <p:ph type="ctrTitle"/>
+          </p:nvPr>
+        </p:nvSpPr>
+        <p:spPr>
+          <a:xfrm>
+            <a:off x="605407" y="1100415"/>
+            <a:ext cx="5436000" cy="465043"/>
+          </a:xfrm>
+        </p:spPr>
+        <p:txBody>
+          <a:bodyPr/>
+          <a:lstStyle/>
+          <a:p>
+            <a:r>
+              <a:rPr lang="it-IT" dirty="0"/>
+              <a:t>Thanks you for the attention!</a:t>
+            </a:r>
+            <a:endParaRPr lang="en-GB" dirty="0"/>
+          </a:p>
+        </p:txBody>
+      </p:sp>
+      <p:sp>
+        <p:nvSpPr>
+          <p:cNvPr id="4" name="Slide Number Placeholder 3">
+            <a:extLst>
+              <a:ext uri="{FF2B5EF4-FFF2-40B4-BE49-F238E27FC236}">
+                <a16:creationId xmlns:a16="http://schemas.microsoft.com/office/drawing/2014/main" id="{2AB34A40-D713-842F-77E9-5E2CA9712F69}"/>
+              </a:ext>
+            </a:extLst>
+          </p:cNvPr>
+          <p:cNvSpPr>
+            <a:spLocks noGrp="1"/>
+          </p:cNvSpPr>
+          <p:nvPr>
+            <p:ph type="sldNum" sz="quarter" idx="14"/>
+          </p:nvPr>
+        </p:nvSpPr>
+        <p:spPr/>
+        <p:txBody>
+          <a:bodyPr/>
+          <a:lstStyle/>
+          <a:p>
+            <a:fld id="{BE3DC40E-DBBE-4E2D-9EEC-FBF0DA0E9179}" type="slidenum">
+              <a:rPr lang="de-AT" smtClean="0"/>
+              <a:pPr/>
+              <a:t>20</a:t>
+            </a:fld>
+            <a:endParaRPr lang="de-AT" dirty="0"/>
+          </a:p>
+        </p:txBody>
+      </p:sp>
+    </p:spTree>
+    <p:extLst>
+      <p:ext uri="{BB962C8B-B14F-4D97-AF65-F5344CB8AC3E}">
+        <p14:creationId xmlns:p14="http://schemas.microsoft.com/office/powerpoint/2010/main" val="2149019397"/>
+      </p:ext>
+    </p:extLst>
+  </p:cSld>
+  <p:clrMapOvr>
+    <a:masterClrMapping/>
+  </p:clrMapOvr>
+  <mc:AlternateContent xmlns:mc="http://schemas.openxmlformats.org/markup-compatibility/2006" xmlns:p14="http://schemas.microsoft.com/office/powerpoint/2010/main">
+    <mc:Choice Requires="p14">
+      <p:transition spd="med" p14:dur="700">
+        <p:fade/>
+      </p:transition>
+    </mc:Choice>
+    <mc:Fallback xmlns="">
+      <p:transition spd="med">
+        <p:fade/>
+      </p:transition>
+    </mc:Fallback>
+  </mc:AlternateContent>
+</p:sld>
+</file>
+
+<file path=ppt/slides/slide21.xml><?xml version="1.0" encoding="utf-8"?>
+<p:sld xmlns:a="http://schemas.openxmlformats.org/drawingml/2006/main" xmlns:r="http://schemas.openxmlformats.org/officeDocument/2006/relationships" xmlns:p="http://schemas.openxmlformats.org/presentationml/2006/main">
+  <p:cSld>
+    <p:spTree>
+      <p:nvGrpSpPr>
+        <p:cNvPr id="1" name=""/>
+        <p:cNvGrpSpPr/>
+        <p:nvPr/>
+      </p:nvGrpSpPr>
+      <p:grpSpPr>
+        <a:xfrm>
+          <a:off x="0" y="0"/>
+          <a:ext cx="0" cy="0"/>
+          <a:chOff x="0" y="0"/>
+          <a:chExt cx="0" cy="0"/>
+        </a:xfrm>
+      </p:grpSpPr>
+      <p:sp>
+        <p:nvSpPr>
+          <p:cNvPr id="3" name="Slide Number Placeholder 2">
+            <a:extLst>
+              <a:ext uri="{FF2B5EF4-FFF2-40B4-BE49-F238E27FC236}">
+                <a16:creationId xmlns:a16="http://schemas.microsoft.com/office/drawing/2014/main" id="{48C8BA09-1FDB-AFED-C918-CE37EA7A8EBB}"/>
+              </a:ext>
+            </a:extLst>
+          </p:cNvPr>
+          <p:cNvSpPr>
+            <a:spLocks noGrp="1"/>
+          </p:cNvSpPr>
+          <p:nvPr>
+            <p:ph type="sldNum" sz="quarter" idx="12"/>
+          </p:nvPr>
+        </p:nvSpPr>
+        <p:spPr/>
+        <p:txBody>
+          <a:bodyPr/>
+          <a:lstStyle/>
+          <a:p>
+            <a:fld id="{BE3DC40E-DBBE-4E2D-9EEC-FBF0DA0E9179}" type="slidenum">
+              <a:rPr lang="de-AT" smtClean="0"/>
+              <a:pPr/>
+              <a:t>21</a:t>
+            </a:fld>
+            <a:endParaRPr lang="de-AT" dirty="0"/>
+          </a:p>
+        </p:txBody>
+      </p:sp>
+      <p:sp>
+        <p:nvSpPr>
+          <p:cNvPr id="4" name="Title 3">
+            <a:extLst>
+              <a:ext uri="{FF2B5EF4-FFF2-40B4-BE49-F238E27FC236}">
+                <a16:creationId xmlns:a16="http://schemas.microsoft.com/office/drawing/2014/main" id="{F5BF3392-A056-9DDE-BD3E-8DE05DD24F3F}"/>
+              </a:ext>
+            </a:extLst>
+          </p:cNvPr>
+          <p:cNvSpPr>
+            <a:spLocks noGrp="1"/>
+          </p:cNvSpPr>
+          <p:nvPr>
+            <p:ph type="title"/>
+          </p:nvPr>
+        </p:nvSpPr>
+        <p:spPr/>
+        <p:txBody>
+          <a:bodyPr/>
+          <a:lstStyle/>
+          <a:p>
+            <a:r>
+              <a:rPr lang="it-IT"/>
+              <a:t>Appendix</a:t>
+            </a:r>
+            <a:endParaRPr lang="en-GB"/>
+          </a:p>
+        </p:txBody>
+      </p:sp>
+      <p:graphicFrame>
+        <p:nvGraphicFramePr>
+          <p:cNvPr id="6" name="Table 5">
+            <a:extLst>
+              <a:ext uri="{FF2B5EF4-FFF2-40B4-BE49-F238E27FC236}">
+                <a16:creationId xmlns:a16="http://schemas.microsoft.com/office/drawing/2014/main" id="{12CBE178-8656-70B7-348C-B731EDF3FEA1}"/>
+              </a:ext>
+            </a:extLst>
+          </p:cNvPr>
+          <p:cNvGraphicFramePr>
+            <a:graphicFrameLocks noGrp="1"/>
+          </p:cNvGraphicFramePr>
+          <p:nvPr>
+            <p:extLst>
+              <p:ext uri="{D42A27DB-BD31-4B8C-83A1-F6EECF244321}">
+                <p14:modId xmlns:p14="http://schemas.microsoft.com/office/powerpoint/2010/main" val="303746539"/>
+              </p:ext>
+            </p:extLst>
+          </p:nvPr>
+        </p:nvGraphicFramePr>
+        <p:xfrm>
+          <a:off x="349356" y="1233377"/>
+          <a:ext cx="8445288" cy="3518056"/>
+        </p:xfrm>
+        <a:graphic>
+          <a:graphicData uri="http://schemas.openxmlformats.org/drawingml/2006/table">
+            <a:tbl>
+              <a:tblPr firstRow="1" bandRow="1">
+                <a:tableStyleId>{68D230F3-CF80-4859-8CE7-A43EE81993B5}</a:tableStyleId>
+              </a:tblPr>
+              <a:tblGrid>
+                <a:gridCol w="2111322">
+                  <a:extLst>
+                    <a:ext uri="{9D8B030D-6E8A-4147-A177-3AD203B41FA5}">
+                      <a16:colId xmlns:a16="http://schemas.microsoft.com/office/drawing/2014/main" val="156411681"/>
+                    </a:ext>
+                  </a:extLst>
+                </a:gridCol>
+                <a:gridCol w="2111322">
+                  <a:extLst>
+                    <a:ext uri="{9D8B030D-6E8A-4147-A177-3AD203B41FA5}">
+                      <a16:colId xmlns:a16="http://schemas.microsoft.com/office/drawing/2014/main" val="1526464349"/>
+                    </a:ext>
+                  </a:extLst>
+                </a:gridCol>
+                <a:gridCol w="2111322">
+                  <a:extLst>
+                    <a:ext uri="{9D8B030D-6E8A-4147-A177-3AD203B41FA5}">
+                      <a16:colId xmlns:a16="http://schemas.microsoft.com/office/drawing/2014/main" val="1484132007"/>
+                    </a:ext>
+                  </a:extLst>
+                </a:gridCol>
+                <a:gridCol w="2111322">
+                  <a:extLst>
+                    <a:ext uri="{9D8B030D-6E8A-4147-A177-3AD203B41FA5}">
+                      <a16:colId xmlns:a16="http://schemas.microsoft.com/office/drawing/2014/main" val="4099119614"/>
+                    </a:ext>
+                  </a:extLst>
+                </a:gridCol>
+              </a:tblGrid>
+              <a:tr h="291345">
+                <a:tc>
+                  <a:txBody>
+                    <a:bodyPr/>
+                    <a:lstStyle/>
+                    <a:p>
+                      <a:pPr algn="ctr"/>
+                      <a:r>
+                        <a:rPr lang="en-GB" sz="900" dirty="0"/>
+                        <a:t>Macro Indicator</a:t>
+                      </a:r>
+                    </a:p>
+                  </a:txBody>
+                  <a:tcPr/>
+                </a:tc>
+                <a:tc>
+                  <a:txBody>
+                    <a:bodyPr/>
+                    <a:lstStyle/>
+                    <a:p>
+                      <a:pPr algn="ctr"/>
+                      <a:r>
+                        <a:rPr lang="en-GB" sz="900" dirty="0"/>
+                        <a:t>Source</a:t>
+                      </a:r>
+                    </a:p>
+                  </a:txBody>
+                  <a:tcPr/>
+                </a:tc>
+                <a:tc>
+                  <a:txBody>
+                    <a:bodyPr/>
+                    <a:lstStyle/>
+                    <a:p>
+                      <a:pPr algn="ctr"/>
+                      <a:r>
+                        <a:rPr lang="en-GB" sz="900" dirty="0"/>
+                        <a:t>Macro Indicator</a:t>
+                      </a:r>
+                    </a:p>
+                  </a:txBody>
+                  <a:tcPr/>
+                </a:tc>
+                <a:tc>
+                  <a:txBody>
+                    <a:bodyPr/>
+                    <a:lstStyle/>
+                    <a:p>
+                      <a:pPr algn="ctr"/>
+                      <a:r>
+                        <a:rPr lang="en-GB" sz="900" dirty="0"/>
+                        <a:t>Source</a:t>
+                      </a:r>
+                    </a:p>
+                  </a:txBody>
+                  <a:tcPr/>
+                </a:tc>
+                <a:extLst>
+                  <a:ext uri="{0D108BD9-81ED-4DB2-BD59-A6C34878D82A}">
+                    <a16:rowId xmlns:a16="http://schemas.microsoft.com/office/drawing/2014/main" val="3694853188"/>
+                  </a:ext>
+                </a:extLst>
+              </a:tr>
+              <a:tr h="291345">
+                <a:tc>
+                  <a:txBody>
+                    <a:bodyPr/>
+                    <a:lstStyle/>
+                    <a:p>
+                      <a:r>
+                        <a:rPr lang="en-GB" sz="900" dirty="0"/>
+                        <a:t>GDP Growth</a:t>
+                      </a:r>
+                    </a:p>
+                  </a:txBody>
+                  <a:tcPr/>
+                </a:tc>
+                <a:tc>
+                  <a:txBody>
+                    <a:bodyPr/>
+                    <a:lstStyle/>
+                    <a:p>
+                      <a:pPr algn="ctr"/>
+                      <a:r>
+                        <a:rPr lang="en-GB" sz="900" dirty="0"/>
+                        <a:t>WORLD BANK -WDI</a:t>
+                      </a:r>
+                    </a:p>
+                  </a:txBody>
+                  <a:tcPr/>
+                </a:tc>
+                <a:tc>
+                  <a:txBody>
+                    <a:bodyPr/>
+                    <a:lstStyle/>
+                    <a:p>
+                      <a:r>
+                        <a:rPr lang="en-GB" sz="900" dirty="0"/>
+                        <a:t>FDI inflow as share of GDP</a:t>
+                      </a:r>
+                    </a:p>
+                  </a:txBody>
+                  <a:tcPr/>
+                </a:tc>
+                <a:tc>
+                  <a:txBody>
+                    <a:bodyPr/>
+                    <a:lstStyle/>
+                    <a:p>
+                      <a:pPr algn="ctr"/>
+                      <a:r>
+                        <a:rPr lang="en-GB" sz="900" dirty="0"/>
+                        <a:t>WORLD BANK -WDI</a:t>
+                      </a:r>
+                    </a:p>
+                  </a:txBody>
+                  <a:tcPr/>
+                </a:tc>
+                <a:extLst>
+                  <a:ext uri="{0D108BD9-81ED-4DB2-BD59-A6C34878D82A}">
+                    <a16:rowId xmlns:a16="http://schemas.microsoft.com/office/drawing/2014/main" val="34881315"/>
+                  </a:ext>
+                </a:extLst>
+              </a:tr>
+              <a:tr h="291345">
+                <a:tc>
+                  <a:txBody>
+                    <a:bodyPr/>
+                    <a:lstStyle/>
+                    <a:p>
+                      <a:r>
+                        <a:rPr lang="en-GB" sz="900" dirty="0"/>
+                        <a:t>Net Investment Position (%)</a:t>
+                      </a:r>
+                    </a:p>
+                  </a:txBody>
+                  <a:tcPr/>
+                </a:tc>
+                <a:tc>
+                  <a:txBody>
+                    <a:bodyPr/>
+                    <a:lstStyle/>
+                    <a:p>
+                      <a:pPr algn="ctr"/>
+                      <a:r>
+                        <a:rPr lang="en-GB" sz="900" dirty="0"/>
+                        <a:t>EUROSTAT</a:t>
+                      </a:r>
+                    </a:p>
+                  </a:txBody>
+                  <a:tcPr/>
+                </a:tc>
+                <a:tc>
+                  <a:txBody>
+                    <a:bodyPr/>
+                    <a:lstStyle/>
+                    <a:p>
+                      <a:r>
+                        <a:rPr lang="en-GB" sz="900" dirty="0"/>
+                        <a:t>Trade as share of GDP</a:t>
+                      </a:r>
+                    </a:p>
+                  </a:txBody>
+                  <a:tcPr/>
+                </a:tc>
+                <a:tc>
+                  <a:txBody>
+                    <a:bodyPr/>
+                    <a:lstStyle/>
+                    <a:p>
+                      <a:pPr algn="ctr"/>
+                      <a:r>
+                        <a:rPr lang="en-GB" sz="900" dirty="0"/>
+                        <a:t>WORLD BANK -WDI</a:t>
+                      </a:r>
+                    </a:p>
+                  </a:txBody>
+                  <a:tcPr/>
+                </a:tc>
+                <a:extLst>
+                  <a:ext uri="{0D108BD9-81ED-4DB2-BD59-A6C34878D82A}">
+                    <a16:rowId xmlns:a16="http://schemas.microsoft.com/office/drawing/2014/main" val="3099720904"/>
+                  </a:ext>
+                </a:extLst>
+              </a:tr>
+              <a:tr h="291345">
+                <a:tc>
+                  <a:txBody>
+                    <a:bodyPr/>
+                    <a:lstStyle/>
+                    <a:p>
+                      <a:r>
+                        <a:rPr lang="en-GB" sz="900" dirty="0"/>
+                        <a:t>Effectiveness of Government</a:t>
+                      </a:r>
+                    </a:p>
+                  </a:txBody>
+                  <a:tcPr/>
+                </a:tc>
+                <a:tc>
+                  <a:txBody>
+                    <a:bodyPr/>
+                    <a:lstStyle/>
+                    <a:p>
+                      <a:pPr algn="ctr"/>
+                      <a:r>
+                        <a:rPr lang="en-GB" sz="900" dirty="0"/>
+                        <a:t>WORLD BANK -WGI</a:t>
+                      </a:r>
+                    </a:p>
+                  </a:txBody>
+                  <a:tcPr/>
+                </a:tc>
+                <a:tc>
+                  <a:txBody>
+                    <a:bodyPr/>
+                    <a:lstStyle/>
+                    <a:p>
+                      <a:r>
+                        <a:rPr lang="en-GB" sz="900" dirty="0"/>
+                        <a:t>Regulatory Quality</a:t>
+                      </a:r>
+                    </a:p>
+                  </a:txBody>
+                  <a:tcPr/>
+                </a:tc>
+                <a:tc>
+                  <a:txBody>
+                    <a:bodyPr/>
+                    <a:lstStyle/>
+                    <a:p>
+                      <a:pPr algn="ctr"/>
+                      <a:r>
+                        <a:rPr lang="en-GB" sz="900" dirty="0"/>
+                        <a:t>WORLD BANK -WGI</a:t>
+                      </a:r>
+                    </a:p>
+                  </a:txBody>
+                  <a:tcPr/>
+                </a:tc>
+                <a:extLst>
+                  <a:ext uri="{0D108BD9-81ED-4DB2-BD59-A6C34878D82A}">
+                    <a16:rowId xmlns:a16="http://schemas.microsoft.com/office/drawing/2014/main" val="756755015"/>
+                  </a:ext>
+                </a:extLst>
+              </a:tr>
+              <a:tr h="291345">
+                <a:tc>
+                  <a:txBody>
+                    <a:bodyPr/>
+                    <a:lstStyle/>
+                    <a:p>
+                      <a:r>
+                        <a:rPr lang="en-GB" sz="900" dirty="0"/>
+                        <a:t>Rule of Law</a:t>
+                      </a:r>
+                    </a:p>
+                  </a:txBody>
+                  <a:tcPr/>
+                </a:tc>
+                <a:tc>
+                  <a:txBody>
+                    <a:bodyPr/>
+                    <a:lstStyle/>
+                    <a:p>
+                      <a:pPr algn="ctr"/>
+                      <a:r>
+                        <a:rPr lang="en-GB" sz="900" dirty="0"/>
+                        <a:t>WORLD BANK -WGI</a:t>
+                      </a:r>
+                    </a:p>
+                  </a:txBody>
+                  <a:tcPr/>
+                </a:tc>
+                <a:tc>
+                  <a:txBody>
+                    <a:bodyPr/>
+                    <a:lstStyle/>
+                    <a:p>
+                      <a:r>
+                        <a:rPr lang="en-GB" sz="900" dirty="0"/>
+                        <a:t>Voice and Accountability</a:t>
+                      </a:r>
+                    </a:p>
+                  </a:txBody>
+                  <a:tcPr/>
+                </a:tc>
+                <a:tc>
+                  <a:txBody>
+                    <a:bodyPr/>
+                    <a:lstStyle/>
+                    <a:p>
+                      <a:pPr algn="ctr"/>
+                      <a:r>
+                        <a:rPr lang="en-GB" sz="900" dirty="0"/>
+                        <a:t>WORLD BANK -WGI</a:t>
+                      </a:r>
+                    </a:p>
+                  </a:txBody>
+                  <a:tcPr/>
+                </a:tc>
+                <a:extLst>
+                  <a:ext uri="{0D108BD9-81ED-4DB2-BD59-A6C34878D82A}">
+                    <a16:rowId xmlns:a16="http://schemas.microsoft.com/office/drawing/2014/main" val="838789127"/>
+                  </a:ext>
+                </a:extLst>
+              </a:tr>
+              <a:tr h="291345">
+                <a:tc>
+                  <a:txBody>
+                    <a:bodyPr/>
+                    <a:lstStyle/>
+                    <a:p>
+                      <a:r>
+                        <a:rPr lang="en-GB" sz="900" dirty="0"/>
+                        <a:t>GERD as share of GDP</a:t>
+                      </a:r>
+                    </a:p>
+                  </a:txBody>
+                  <a:tcPr/>
+                </a:tc>
+                <a:tc>
+                  <a:txBody>
+                    <a:bodyPr/>
+                    <a:lstStyle/>
+                    <a:p>
+                      <a:pPr algn="ctr"/>
+                      <a:r>
+                        <a:rPr lang="en-GB" sz="900" dirty="0"/>
+                        <a:t>EUROSTAT</a:t>
+                      </a:r>
+                    </a:p>
+                  </a:txBody>
+                  <a:tcPr/>
+                </a:tc>
+                <a:tc>
+                  <a:txBody>
+                    <a:bodyPr/>
+                    <a:lstStyle/>
+                    <a:p>
+                      <a:r>
+                        <a:rPr lang="en-GB" sz="900" dirty="0"/>
+                        <a:t>Corruption Control</a:t>
+                      </a:r>
+                    </a:p>
+                  </a:txBody>
+                  <a:tcPr/>
+                </a:tc>
+                <a:tc>
+                  <a:txBody>
+                    <a:bodyPr/>
+                    <a:lstStyle/>
+                    <a:p>
+                      <a:pPr algn="ctr"/>
+                      <a:r>
+                        <a:rPr lang="en-GB" sz="900" dirty="0"/>
+                        <a:t>WORLD BANK -WGI</a:t>
+                      </a:r>
+                    </a:p>
+                  </a:txBody>
+                  <a:tcPr/>
+                </a:tc>
+                <a:extLst>
+                  <a:ext uri="{0D108BD9-81ED-4DB2-BD59-A6C34878D82A}">
+                    <a16:rowId xmlns:a16="http://schemas.microsoft.com/office/drawing/2014/main" val="3310370542"/>
+                  </a:ext>
+                </a:extLst>
+              </a:tr>
+              <a:tr h="291345">
+                <a:tc>
+                  <a:txBody>
+                    <a:bodyPr/>
+                    <a:lstStyle/>
+                    <a:p>
+                      <a:r>
+                        <a:rPr lang="en-GB" sz="900" dirty="0"/>
+                        <a:t>Pension as share of GDP</a:t>
+                      </a:r>
+                    </a:p>
+                  </a:txBody>
+                  <a:tcPr/>
+                </a:tc>
+                <a:tc>
+                  <a:txBody>
+                    <a:bodyPr/>
+                    <a:lstStyle/>
+                    <a:p>
+                      <a:pPr algn="ctr"/>
+                      <a:r>
+                        <a:rPr lang="en-GB" sz="900" dirty="0"/>
+                        <a:t>EUROSTAT</a:t>
+                      </a:r>
+                    </a:p>
+                  </a:txBody>
+                  <a:tcPr/>
+                </a:tc>
+                <a:tc>
+                  <a:txBody>
+                    <a:bodyPr/>
+                    <a:lstStyle/>
+                    <a:p>
+                      <a:r>
+                        <a:rPr lang="en-GB" sz="900" dirty="0"/>
+                        <a:t>Government Gross Debt as share of GDP</a:t>
+                      </a:r>
+                    </a:p>
+                  </a:txBody>
+                  <a:tcPr/>
+                </a:tc>
+                <a:tc>
+                  <a:txBody>
+                    <a:bodyPr/>
+                    <a:lstStyle/>
+                    <a:p>
+                      <a:pPr algn="ctr"/>
+                      <a:r>
+                        <a:rPr lang="en-GB" sz="900" dirty="0"/>
+                        <a:t>EUROSTAT</a:t>
+                      </a:r>
+                    </a:p>
+                  </a:txBody>
+                  <a:tcPr/>
+                </a:tc>
+                <a:extLst>
+                  <a:ext uri="{0D108BD9-81ED-4DB2-BD59-A6C34878D82A}">
+                    <a16:rowId xmlns:a16="http://schemas.microsoft.com/office/drawing/2014/main" val="619200797"/>
+                  </a:ext>
+                </a:extLst>
+              </a:tr>
+              <a:tr h="381361">
+                <a:tc>
+                  <a:txBody>
+                    <a:bodyPr/>
+                    <a:lstStyle/>
+                    <a:p>
+                      <a:r>
+                        <a:rPr lang="en-GB" sz="900" dirty="0"/>
+                        <a:t>Total Immigration</a:t>
+                      </a:r>
+                    </a:p>
+                  </a:txBody>
+                  <a:tcPr/>
+                </a:tc>
+                <a:tc>
+                  <a:txBody>
+                    <a:bodyPr/>
+                    <a:lstStyle/>
+                    <a:p>
+                      <a:pPr algn="ctr"/>
+                      <a:r>
+                        <a:rPr lang="en-GB" sz="900" dirty="0"/>
+                        <a:t>EUROSTAT</a:t>
+                      </a:r>
+                    </a:p>
+                  </a:txBody>
+                  <a:tcPr/>
+                </a:tc>
+                <a:tc>
+                  <a:txBody>
+                    <a:bodyPr/>
+                    <a:lstStyle/>
+                    <a:p>
+                      <a:r>
+                        <a:rPr lang="en-GB" sz="900" dirty="0"/>
+                        <a:t>Political Stability and Absence Violence</a:t>
+                      </a:r>
+                    </a:p>
+                  </a:txBody>
+                  <a:tcPr/>
+                </a:tc>
+                <a:tc>
+                  <a:txBody>
+                    <a:bodyPr/>
+                    <a:lstStyle/>
+                    <a:p>
+                      <a:pPr algn="ctr"/>
+                      <a:r>
+                        <a:rPr lang="en-GB" sz="900" dirty="0"/>
+                        <a:t>WORLD BANK -WGI</a:t>
+                      </a:r>
+                    </a:p>
+                  </a:txBody>
+                  <a:tcPr/>
+                </a:tc>
+                <a:extLst>
+                  <a:ext uri="{0D108BD9-81ED-4DB2-BD59-A6C34878D82A}">
+                    <a16:rowId xmlns:a16="http://schemas.microsoft.com/office/drawing/2014/main" val="716997389"/>
+                  </a:ext>
+                </a:extLst>
+              </a:tr>
+              <a:tr h="291345">
+                <a:tc>
+                  <a:txBody>
+                    <a:bodyPr/>
+                    <a:lstStyle/>
+                    <a:p>
+                      <a:r>
+                        <a:rPr lang="it-IT" sz="900" dirty="0"/>
+                        <a:t>C</a:t>
+                      </a:r>
+                      <a:r>
+                        <a:rPr lang="en-GB" sz="900" dirty="0"/>
+                        <a:t>compensation of employee per hour worked</a:t>
+                      </a:r>
+                    </a:p>
+                  </a:txBody>
+                  <a:tcPr/>
+                </a:tc>
+                <a:tc>
+                  <a:txBody>
+                    <a:bodyPr/>
+                    <a:lstStyle/>
+                    <a:p>
+                      <a:pPr algn="ctr"/>
+                      <a:r>
+                        <a:rPr lang="en-GB" sz="900" dirty="0"/>
+                        <a:t>EUROSTAT</a:t>
+                      </a:r>
+                    </a:p>
+                  </a:txBody>
+                  <a:tcPr/>
+                </a:tc>
+                <a:tc>
+                  <a:txBody>
+                    <a:bodyPr/>
+                    <a:lstStyle/>
+                    <a:p>
+                      <a:r>
+                        <a:rPr lang="en-GB" sz="900" dirty="0"/>
+                        <a:t>Total Rural Population</a:t>
+                      </a:r>
+                    </a:p>
+                  </a:txBody>
+                  <a:tcPr/>
+                </a:tc>
+                <a:tc>
+                  <a:txBody>
+                    <a:bodyPr/>
+                    <a:lstStyle/>
+                    <a:p>
+                      <a:pPr algn="ctr"/>
+                      <a:r>
+                        <a:rPr lang="en-GB" sz="900" dirty="0"/>
+                        <a:t>WORLD BANK</a:t>
+                      </a:r>
+                    </a:p>
+                  </a:txBody>
+                  <a:tcPr/>
+                </a:tc>
+                <a:extLst>
+                  <a:ext uri="{0D108BD9-81ED-4DB2-BD59-A6C34878D82A}">
+                    <a16:rowId xmlns:a16="http://schemas.microsoft.com/office/drawing/2014/main" val="849033481"/>
+                  </a:ext>
+                </a:extLst>
+              </a:tr>
+              <a:tr h="291345">
+                <a:tc>
+                  <a:txBody>
+                    <a:bodyPr/>
+                    <a:lstStyle/>
+                    <a:p>
+                      <a:r>
+                        <a:rPr lang="en-GB" sz="900" dirty="0"/>
+                        <a:t>Unemployment rate</a:t>
+                      </a:r>
+                    </a:p>
+                  </a:txBody>
+                  <a:tcPr/>
+                </a:tc>
+                <a:tc>
+                  <a:txBody>
+                    <a:bodyPr/>
+                    <a:lstStyle/>
+                    <a:p>
+                      <a:pPr algn="ctr"/>
+                      <a:r>
+                        <a:rPr lang="en-GB" sz="900" dirty="0"/>
+                        <a:t>EUROSTAT</a:t>
+                      </a:r>
+                    </a:p>
+                  </a:txBody>
+                  <a:tcPr/>
+                </a:tc>
+                <a:tc>
+                  <a:txBody>
+                    <a:bodyPr/>
+                    <a:lstStyle/>
+                    <a:p>
+                      <a:r>
+                        <a:rPr lang="en-GB" sz="900" dirty="0"/>
+                        <a:t>Total GDP</a:t>
+                      </a:r>
+                    </a:p>
+                  </a:txBody>
+                  <a:tcPr/>
+                </a:tc>
+                <a:tc>
+                  <a:txBody>
+                    <a:bodyPr/>
+                    <a:lstStyle/>
+                    <a:p>
+                      <a:pPr algn="ctr"/>
+                      <a:r>
+                        <a:rPr lang="en-GB" sz="900" dirty="0"/>
+                        <a:t>WOLRD BANK/EUROSTAT</a:t>
+                      </a:r>
+                    </a:p>
+                  </a:txBody>
+                  <a:tcPr/>
+                </a:tc>
+                <a:extLst>
+                  <a:ext uri="{0D108BD9-81ED-4DB2-BD59-A6C34878D82A}">
+                    <a16:rowId xmlns:a16="http://schemas.microsoft.com/office/drawing/2014/main" val="2153513521"/>
+                  </a:ext>
+                </a:extLst>
+              </a:tr>
+              <a:tr h="291345">
+                <a:tc>
+                  <a:txBody>
+                    <a:bodyPr/>
+                    <a:lstStyle/>
+                    <a:p>
+                      <a:r>
+                        <a:rPr lang="en-GB" sz="900" dirty="0"/>
+                        <a:t>Fertility Rate</a:t>
+                      </a:r>
+                    </a:p>
+                  </a:txBody>
+                  <a:tcPr/>
+                </a:tc>
+                <a:tc>
+                  <a:txBody>
+                    <a:bodyPr/>
+                    <a:lstStyle/>
+                    <a:p>
+                      <a:pPr algn="ctr"/>
+                      <a:r>
+                        <a:rPr lang="en-GB" sz="900" dirty="0"/>
+                        <a:t>EUROSTAT</a:t>
+                      </a:r>
+                    </a:p>
+                  </a:txBody>
+                  <a:tcPr/>
+                </a:tc>
+                <a:tc>
+                  <a:txBody>
+                    <a:bodyPr/>
+                    <a:lstStyle/>
+                    <a:p>
+                      <a:r>
+                        <a:rPr lang="en-GB" sz="900" dirty="0"/>
+                        <a:t>Education Expenditure as share of GDP</a:t>
+                      </a:r>
+                    </a:p>
+                  </a:txBody>
+                  <a:tcPr/>
+                </a:tc>
+                <a:tc>
+                  <a:txBody>
+                    <a:bodyPr/>
+                    <a:lstStyle/>
+                    <a:p>
+                      <a:pPr algn="ctr"/>
+                      <a:r>
+                        <a:rPr lang="en-GB" sz="900" dirty="0"/>
+                        <a:t>WORLD BANK -WDI</a:t>
+                      </a:r>
+                    </a:p>
+                  </a:txBody>
+                  <a:tcPr/>
+                </a:tc>
+                <a:extLst>
+                  <a:ext uri="{0D108BD9-81ED-4DB2-BD59-A6C34878D82A}">
+                    <a16:rowId xmlns:a16="http://schemas.microsoft.com/office/drawing/2014/main" val="1281937663"/>
+                  </a:ext>
+                </a:extLst>
+              </a:tr>
+            </a:tbl>
+          </a:graphicData>
+        </a:graphic>
+      </p:graphicFrame>
+    </p:spTree>
+    <p:extLst>
+      <p:ext uri="{BB962C8B-B14F-4D97-AF65-F5344CB8AC3E}">
+        <p14:creationId xmlns:p14="http://schemas.microsoft.com/office/powerpoint/2010/main" val="247020363"/>
+      </p:ext>
+    </p:extLst>
+  </p:cSld>
+  <p:clrMapOvr>
+    <a:masterClrMapping/>
+  </p:clrMapOvr>
+  <mc:AlternateContent xmlns:mc="http://schemas.openxmlformats.org/markup-compatibility/2006" xmlns:p14="http://schemas.microsoft.com/office/powerpoint/2010/main">
+    <mc:Choice Requires="p14">
+      <p:transition spd="med" p14:dur="700">
+        <p:fade/>
+      </p:transition>
+    </mc:Choice>
+    <mc:Fallback xmlns="">
+      <p:transition spd="med">
+        <p:fade/>
+      </p:transition>
+    </mc:Fallback>
+  </mc:AlternateContent>
+</p:sld>
+</file>
+
+<file path=ppt/slides/slide22.xml><?xml version="1.0" encoding="utf-8"?>
+<p:sld xmlns:a="http://schemas.openxmlformats.org/drawingml/2006/main" xmlns:r="http://schemas.openxmlformats.org/officeDocument/2006/relationships" xmlns:p="http://schemas.openxmlformats.org/presentationml/2006/main">
+  <p:cSld>
+    <p:spTree>
+      <p:nvGrpSpPr>
+        <p:cNvPr id="1" name=""/>
+        <p:cNvGrpSpPr/>
+        <p:nvPr/>
+      </p:nvGrpSpPr>
+      <p:grpSpPr>
+        <a:xfrm>
+          <a:off x="0" y="0"/>
+          <a:ext cx="0" cy="0"/>
+          <a:chOff x="0" y="0"/>
+          <a:chExt cx="0" cy="0"/>
+        </a:xfrm>
+      </p:grpSpPr>
+      <p:sp>
+        <p:nvSpPr>
+          <p:cNvPr id="3" name="Slide Number Placeholder 2">
+            <a:extLst>
+              <a:ext uri="{FF2B5EF4-FFF2-40B4-BE49-F238E27FC236}">
+                <a16:creationId xmlns:a16="http://schemas.microsoft.com/office/drawing/2014/main" id="{48C8BA09-1FDB-AFED-C918-CE37EA7A8EBB}"/>
+              </a:ext>
+            </a:extLst>
+          </p:cNvPr>
+          <p:cNvSpPr>
+            <a:spLocks noGrp="1"/>
+          </p:cNvSpPr>
+          <p:nvPr>
+            <p:ph type="sldNum" sz="quarter" idx="12"/>
+          </p:nvPr>
+        </p:nvSpPr>
+        <p:spPr/>
+        <p:txBody>
+          <a:bodyPr/>
+          <a:lstStyle/>
+          <a:p>
+            <a:fld id="{BE3DC40E-DBBE-4E2D-9EEC-FBF0DA0E9179}" type="slidenum">
+              <a:rPr lang="de-AT" smtClean="0"/>
+              <a:pPr/>
+              <a:t>22</a:t>
+            </a:fld>
+            <a:endParaRPr lang="de-AT" dirty="0"/>
+          </a:p>
+        </p:txBody>
+      </p:sp>
+      <p:sp>
+        <p:nvSpPr>
+          <p:cNvPr id="4" name="Title 3">
+            <a:extLst>
+              <a:ext uri="{FF2B5EF4-FFF2-40B4-BE49-F238E27FC236}">
+                <a16:creationId xmlns:a16="http://schemas.microsoft.com/office/drawing/2014/main" id="{F5BF3392-A056-9DDE-BD3E-8DE05DD24F3F}"/>
+              </a:ext>
+            </a:extLst>
+          </p:cNvPr>
+          <p:cNvSpPr>
+            <a:spLocks noGrp="1"/>
+          </p:cNvSpPr>
+          <p:nvPr>
+            <p:ph type="title"/>
+          </p:nvPr>
+        </p:nvSpPr>
+        <p:spPr/>
+        <p:txBody>
+          <a:bodyPr/>
+          <a:lstStyle/>
+          <a:p>
+            <a:r>
+              <a:rPr lang="it-IT"/>
+              <a:t>Appendix</a:t>
+            </a:r>
+            <a:endParaRPr lang="en-GB"/>
+          </a:p>
+        </p:txBody>
+      </p:sp>
+      <p:pic>
+        <p:nvPicPr>
+          <p:cNvPr id="8" name="Content Placeholder 7">
+            <a:extLst>
+              <a:ext uri="{FF2B5EF4-FFF2-40B4-BE49-F238E27FC236}">
+                <a16:creationId xmlns:a16="http://schemas.microsoft.com/office/drawing/2014/main" id="{6778C6E6-8246-5969-6065-7C3729353607}"/>
               </a:ext>
             </a:extLst>
           </p:cNvPr>
@@ -8134,17 +11259,59 @@
         </p:blipFill>
         <p:spPr>
           <a:xfrm>
-            <a:off x="694327" y="1209675"/>
-            <a:ext cx="7294972" cy="3468688"/>
+            <a:off x="1217574" y="1172784"/>
+            <a:ext cx="6708852" cy="3636208"/>
           </a:xfrm>
         </p:spPr>
       </p:pic>
+    </p:spTree>
+    <p:extLst>
+      <p:ext uri="{BB962C8B-B14F-4D97-AF65-F5344CB8AC3E}">
+        <p14:creationId xmlns:p14="http://schemas.microsoft.com/office/powerpoint/2010/main" val="3643741771"/>
+      </p:ext>
+    </p:extLst>
+  </p:cSld>
+  <p:clrMapOvr>
+    <a:masterClrMapping/>
+  </p:clrMapOvr>
+  <mc:AlternateContent xmlns:mc="http://schemas.openxmlformats.org/markup-compatibility/2006" xmlns:p14="http://schemas.microsoft.com/office/powerpoint/2010/main">
+    <mc:Choice Requires="p14">
+      <p:transition spd="med" p14:dur="700">
+        <p:fade/>
+      </p:transition>
+    </mc:Choice>
+    <mc:Fallback xmlns="">
+      <p:transition spd="med">
+        <p:fade/>
+      </p:transition>
+    </mc:Fallback>
+  </mc:AlternateContent>
+</p:sld>
+</file>
+
+<file path=ppt/slides/slide23.xml><?xml version="1.0" encoding="utf-8"?>
+<p:sld xmlns:a="http://schemas.openxmlformats.org/drawingml/2006/main" xmlns:r="http://schemas.openxmlformats.org/officeDocument/2006/relationships" xmlns:p="http://schemas.openxmlformats.org/presentationml/2006/main">
+  <p:cSld>
+    <p:spTree>
+      <p:nvGrpSpPr>
+        <p:cNvPr id="1" name=""/>
+        <p:cNvGrpSpPr/>
+        <p:nvPr/>
+      </p:nvGrpSpPr>
+      <p:grpSpPr>
+        <a:xfrm>
+          <a:off x="0" y="0"/>
+          <a:ext cx="0" cy="0"/>
+          <a:chOff x="0" y="0"/>
+          <a:chExt cx="0" cy="0"/>
+        </a:xfrm>
+      </p:grpSpPr>
       <p:sp>
         <p:nvSpPr>
           <p:cNvPr id="3" name="Slide Number Placeholder 2">
             <a:extLst>
               <a:ext uri="{FF2B5EF4-FFF2-40B4-BE49-F238E27FC236}">
-                <a16:creationId xmlns:a16="http://schemas.microsoft.com/office/drawing/2014/main" id="{91DD08B6-DFB6-E51A-CCAE-7BEA6E7D93F5}"/>
+                <a16:creationId xmlns:a16="http://schemas.microsoft.com/office/drawing/2014/main" id="{48C8BA09-1FDB-AFED-C918-CE37EA7A8EBB}"/>
               </a:ext>
             </a:extLst>
           </p:cNvPr>
@@ -8163,7 +11330,7 @@
             <a:fld id="{BE3DC40E-DBBE-4E2D-9EEC-FBF0DA0E9179}" type="slidenum">
               <a:rPr lang="de-AT" smtClean="0"/>
               <a:pPr/>
-              <a:t>5</a:t>
+              <a:t>23</a:t>
             </a:fld>
             <a:endParaRPr lang="de-AT" dirty="0"/>
           </a:p>
@@ -8174,7 +11341,7 @@
           <p:cNvPr id="4" name="Title 3">
             <a:extLst>
               <a:ext uri="{FF2B5EF4-FFF2-40B4-BE49-F238E27FC236}">
-                <a16:creationId xmlns:a16="http://schemas.microsoft.com/office/drawing/2014/main" id="{4B481268-213A-D788-AEF1-22AC6B080584}"/>
+                <a16:creationId xmlns:a16="http://schemas.microsoft.com/office/drawing/2014/main" id="{F5BF3392-A056-9DDE-BD3E-8DE05DD24F3F}"/>
               </a:ext>
             </a:extLst>
           </p:cNvPr>
@@ -8190,14 +11357,54 @@
           <a:bodyPr/>
           <a:lstStyle/>
           <a:p>
-            <a:endParaRPr lang="en-GB"/>
-          </a:p>
-        </p:txBody>
-      </p:sp>
+            <a:r>
+              <a:rPr lang="it-IT" dirty="0"/>
+              <a:t>Appendix</a:t>
+            </a:r>
+            <a:endParaRPr lang="en-GB" dirty="0"/>
+          </a:p>
+        </p:txBody>
+      </p:sp>
+      <p:pic>
+        <p:nvPicPr>
+          <p:cNvPr id="8" name="Picture 7" descr="A group of colored triangles with names&#10;&#10;Description automatically generated">
+            <a:extLst>
+              <a:ext uri="{FF2B5EF4-FFF2-40B4-BE49-F238E27FC236}">
+                <a16:creationId xmlns:a16="http://schemas.microsoft.com/office/drawing/2014/main" id="{CA85B11E-BAC0-AE2D-177C-C0027FD3FD11}"/>
+              </a:ext>
+            </a:extLst>
+          </p:cNvPr>
+          <p:cNvPicPr>
+            <a:picLocks noChangeAspect="1"/>
+          </p:cNvPicPr>
+          <p:nvPr/>
+        </p:nvPicPr>
+        <p:blipFill>
+          <a:blip r:embed="rId2">
+            <a:extLst>
+              <a:ext uri="{28A0092B-C50C-407E-A947-70E740481C1C}">
+                <a14:useLocalDpi xmlns:a14="http://schemas.microsoft.com/office/drawing/2010/main" val="0"/>
+              </a:ext>
+            </a:extLst>
+          </a:blip>
+          <a:stretch>
+            <a:fillRect/>
+          </a:stretch>
+        </p:blipFill>
+        <p:spPr>
+          <a:xfrm>
+            <a:off x="1250470" y="1185688"/>
+            <a:ext cx="6643060" cy="3613319"/>
+          </a:xfrm>
+          <a:prstGeom prst="rect">
+            <a:avLst/>
+          </a:prstGeom>
+        </p:spPr>
+      </p:pic>
     </p:spTree>
     <p:extLst>
       <p:ext uri="{BB962C8B-B14F-4D97-AF65-F5344CB8AC3E}">
-        <p14:creationId xmlns:p14="http://schemas.microsoft.com/office/powerpoint/2010/main" val="3147902912"/>
+        <p14:creationId xmlns:p14="http://schemas.microsoft.com/office/powerpoint/2010/main" val="533698972"/>
       </p:ext>
     </p:extLst>
   </p:cSld>
@@ -8206,10 +11413,797 @@
   </p:clrMapOvr>
   <mc:AlternateContent xmlns:mc="http://schemas.openxmlformats.org/markup-compatibility/2006" xmlns:p14="http://schemas.microsoft.com/office/powerpoint/2010/main">
     <mc:Choice Requires="p14">
-      <p:transition p14:dur="10"/>
+      <p:transition spd="med" p14:dur="700">
+        <p:fade/>
+      </p:transition>
     </mc:Choice>
     <mc:Fallback xmlns="">
-      <p:transition/>
+      <p:transition spd="med">
+        <p:fade/>
+      </p:transition>
+    </mc:Fallback>
+  </mc:AlternateContent>
+</p:sld>
+</file>
+
+<file path=ppt/slides/slide24.xml><?xml version="1.0" encoding="utf-8"?>
+<p:sld xmlns:a="http://schemas.openxmlformats.org/drawingml/2006/main" xmlns:r="http://schemas.openxmlformats.org/officeDocument/2006/relationships" xmlns:p="http://schemas.openxmlformats.org/presentationml/2006/main">
+  <p:cSld>
+    <p:spTree>
+      <p:nvGrpSpPr>
+        <p:cNvPr id="1" name=""/>
+        <p:cNvGrpSpPr/>
+        <p:nvPr/>
+      </p:nvGrpSpPr>
+      <p:grpSpPr>
+        <a:xfrm>
+          <a:off x="0" y="0"/>
+          <a:ext cx="0" cy="0"/>
+          <a:chOff x="0" y="0"/>
+          <a:chExt cx="0" cy="0"/>
+        </a:xfrm>
+      </p:grpSpPr>
+      <p:sp>
+        <p:nvSpPr>
+          <p:cNvPr id="3" name="Slide Number Placeholder 2">
+            <a:extLst>
+              <a:ext uri="{FF2B5EF4-FFF2-40B4-BE49-F238E27FC236}">
+                <a16:creationId xmlns:a16="http://schemas.microsoft.com/office/drawing/2014/main" id="{48C8BA09-1FDB-AFED-C918-CE37EA7A8EBB}"/>
+              </a:ext>
+            </a:extLst>
+          </p:cNvPr>
+          <p:cNvSpPr>
+            <a:spLocks noGrp="1"/>
+          </p:cNvSpPr>
+          <p:nvPr>
+            <p:ph type="sldNum" sz="quarter" idx="12"/>
+          </p:nvPr>
+        </p:nvSpPr>
+        <p:spPr/>
+        <p:txBody>
+          <a:bodyPr/>
+          <a:lstStyle/>
+          <a:p>
+            <a:fld id="{BE3DC40E-DBBE-4E2D-9EEC-FBF0DA0E9179}" type="slidenum">
+              <a:rPr lang="de-AT" smtClean="0"/>
+              <a:pPr/>
+              <a:t>24</a:t>
+            </a:fld>
+            <a:endParaRPr lang="de-AT" dirty="0"/>
+          </a:p>
+        </p:txBody>
+      </p:sp>
+      <p:sp>
+        <p:nvSpPr>
+          <p:cNvPr id="4" name="Title 3">
+            <a:extLst>
+              <a:ext uri="{FF2B5EF4-FFF2-40B4-BE49-F238E27FC236}">
+                <a16:creationId xmlns:a16="http://schemas.microsoft.com/office/drawing/2014/main" id="{F5BF3392-A056-9DDE-BD3E-8DE05DD24F3F}"/>
+              </a:ext>
+            </a:extLst>
+          </p:cNvPr>
+          <p:cNvSpPr>
+            <a:spLocks noGrp="1"/>
+          </p:cNvSpPr>
+          <p:nvPr>
+            <p:ph type="title"/>
+          </p:nvPr>
+        </p:nvSpPr>
+        <p:spPr/>
+        <p:txBody>
+          <a:bodyPr/>
+          <a:lstStyle/>
+          <a:p>
+            <a:r>
+              <a:rPr lang="it-IT" dirty="0"/>
+              <a:t>Appendix</a:t>
+            </a:r>
+            <a:endParaRPr lang="en-GB" dirty="0"/>
+          </a:p>
+        </p:txBody>
+      </p:sp>
+      <p:pic>
+        <p:nvPicPr>
+          <p:cNvPr id="10" name="Picture 9" descr="A screenshot of a graph&#10;&#10;Description automatically generated">
+            <a:extLst>
+              <a:ext uri="{FF2B5EF4-FFF2-40B4-BE49-F238E27FC236}">
+                <a16:creationId xmlns:a16="http://schemas.microsoft.com/office/drawing/2014/main" id="{80D199A7-A015-6B67-8548-F44C802B3255}"/>
+              </a:ext>
+            </a:extLst>
+          </p:cNvPr>
+          <p:cNvPicPr>
+            <a:picLocks noChangeAspect="1"/>
+          </p:cNvPicPr>
+          <p:nvPr/>
+        </p:nvPicPr>
+        <p:blipFill>
+          <a:blip r:embed="rId2">
+            <a:extLst>
+              <a:ext uri="{28A0092B-C50C-407E-A947-70E740481C1C}">
+                <a14:useLocalDpi xmlns:a14="http://schemas.microsoft.com/office/drawing/2010/main" val="0"/>
+              </a:ext>
+            </a:extLst>
+          </a:blip>
+          <a:stretch>
+            <a:fillRect/>
+          </a:stretch>
+        </p:blipFill>
+        <p:spPr>
+          <a:xfrm>
+            <a:off x="1250470" y="1154146"/>
+            <a:ext cx="6643060" cy="3606233"/>
+          </a:xfrm>
+          <a:prstGeom prst="rect">
+            <a:avLst/>
+          </a:prstGeom>
+        </p:spPr>
+      </p:pic>
+    </p:spTree>
+    <p:extLst>
+      <p:ext uri="{BB962C8B-B14F-4D97-AF65-F5344CB8AC3E}">
+        <p14:creationId xmlns:p14="http://schemas.microsoft.com/office/powerpoint/2010/main" val="3597481160"/>
+      </p:ext>
+    </p:extLst>
+  </p:cSld>
+  <p:clrMapOvr>
+    <a:masterClrMapping/>
+  </p:clrMapOvr>
+  <mc:AlternateContent xmlns:mc="http://schemas.openxmlformats.org/markup-compatibility/2006" xmlns:p14="http://schemas.microsoft.com/office/powerpoint/2010/main">
+    <mc:Choice Requires="p14">
+      <p:transition spd="med" p14:dur="700">
+        <p:fade/>
+      </p:transition>
+    </mc:Choice>
+    <mc:Fallback xmlns="">
+      <p:transition spd="med">
+        <p:fade/>
+      </p:transition>
+    </mc:Fallback>
+  </mc:AlternateContent>
+</p:sld>
+</file>
+
+<file path=ppt/slides/slide3.xml><?xml version="1.0" encoding="utf-8"?>
+<p:sld xmlns:a="http://schemas.openxmlformats.org/drawingml/2006/main" xmlns:r="http://schemas.openxmlformats.org/officeDocument/2006/relationships" xmlns:p="http://schemas.openxmlformats.org/presentationml/2006/main">
+  <p:cSld>
+    <p:spTree>
+      <p:nvGrpSpPr>
+        <p:cNvPr id="1" name=""/>
+        <p:cNvGrpSpPr/>
+        <p:nvPr/>
+      </p:nvGrpSpPr>
+      <p:grpSpPr>
+        <a:xfrm>
+          <a:off x="0" y="0"/>
+          <a:ext cx="0" cy="0"/>
+          <a:chOff x="0" y="0"/>
+          <a:chExt cx="0" cy="0"/>
+        </a:xfrm>
+      </p:grpSpPr>
+      <p:sp>
+        <p:nvSpPr>
+          <p:cNvPr id="2" name="Title 1">
+            <a:extLst>
+              <a:ext uri="{FF2B5EF4-FFF2-40B4-BE49-F238E27FC236}">
+                <a16:creationId xmlns:a16="http://schemas.microsoft.com/office/drawing/2014/main" id="{96ED21DB-5322-DEF4-ACF6-DDFE445303F2}"/>
+              </a:ext>
+            </a:extLst>
+          </p:cNvPr>
+          <p:cNvSpPr>
+            <a:spLocks noGrp="1"/>
+          </p:cNvSpPr>
+          <p:nvPr>
+            <p:ph type="ctrTitle"/>
+          </p:nvPr>
+        </p:nvSpPr>
+        <p:spPr>
+          <a:xfrm>
+            <a:off x="441020" y="1253918"/>
+            <a:ext cx="5857038" cy="465043"/>
+          </a:xfrm>
+        </p:spPr>
+        <p:txBody>
+          <a:bodyPr/>
+          <a:lstStyle/>
+          <a:p>
+            <a:r>
+              <a:rPr lang="en-GB" sz="2800" dirty="0"/>
+              <a:t>EU Core-Periphery Division in the wake of Deglobalization</a:t>
+            </a:r>
+          </a:p>
+        </p:txBody>
+      </p:sp>
+      <p:sp>
+        <p:nvSpPr>
+          <p:cNvPr id="4" name="Text Placeholder 3">
+            <a:extLst>
+              <a:ext uri="{FF2B5EF4-FFF2-40B4-BE49-F238E27FC236}">
+                <a16:creationId xmlns:a16="http://schemas.microsoft.com/office/drawing/2014/main" id="{A0D4806A-C996-DD95-9AFE-824BE5076B5D}"/>
+              </a:ext>
+            </a:extLst>
+          </p:cNvPr>
+          <p:cNvSpPr>
+            <a:spLocks noGrp="1"/>
+          </p:cNvSpPr>
+          <p:nvPr>
+            <p:ph type="body" sz="quarter" idx="11"/>
+          </p:nvPr>
+        </p:nvSpPr>
+        <p:spPr>
+          <a:xfrm>
+            <a:off x="287338" y="2379600"/>
+            <a:ext cx="4284662" cy="682440"/>
+          </a:xfrm>
+        </p:spPr>
+        <p:txBody>
+          <a:bodyPr/>
+          <a:lstStyle/>
+          <a:p>
+            <a:pPr algn="ctr"/>
+            <a:r>
+              <a:rPr lang="de-DE" sz="1600" dirty="0"/>
+              <a:t>Marie Püts and Elia Di Gregorio</a:t>
+            </a:r>
+            <a:endParaRPr lang="en-GB" sz="1600" dirty="0"/>
+          </a:p>
+        </p:txBody>
+      </p:sp>
+    </p:spTree>
+    <p:extLst>
+      <p:ext uri="{BB962C8B-B14F-4D97-AF65-F5344CB8AC3E}">
+        <p14:creationId xmlns:p14="http://schemas.microsoft.com/office/powerpoint/2010/main" val="4278082151"/>
+      </p:ext>
+    </p:extLst>
+  </p:cSld>
+  <p:clrMapOvr>
+    <a:masterClrMapping/>
+  </p:clrMapOvr>
+  <mc:AlternateContent xmlns:mc="http://schemas.openxmlformats.org/markup-compatibility/2006" xmlns:p14="http://schemas.microsoft.com/office/powerpoint/2010/main">
+    <mc:Choice Requires="p14">
+      <p:transition spd="med" p14:dur="700">
+        <p:fade/>
+      </p:transition>
+    </mc:Choice>
+    <mc:Fallback xmlns="">
+      <p:transition spd="med">
+        <p:fade/>
+      </p:transition>
+    </mc:Fallback>
+  </mc:AlternateContent>
+</p:sld>
+</file>
+
+<file path=ppt/slides/slide4.xml><?xml version="1.0" encoding="utf-8"?>
+<p:sld xmlns:a="http://schemas.openxmlformats.org/drawingml/2006/main" xmlns:r="http://schemas.openxmlformats.org/officeDocument/2006/relationships" xmlns:p="http://schemas.openxmlformats.org/presentationml/2006/main">
+  <p:cSld>
+    <p:spTree>
+      <p:nvGrpSpPr>
+        <p:cNvPr id="1" name=""/>
+        <p:cNvGrpSpPr/>
+        <p:nvPr/>
+      </p:nvGrpSpPr>
+      <p:grpSpPr>
+        <a:xfrm>
+          <a:off x="0" y="0"/>
+          <a:ext cx="0" cy="0"/>
+          <a:chOff x="0" y="0"/>
+          <a:chExt cx="0" cy="0"/>
+        </a:xfrm>
+      </p:grpSpPr>
+      <p:sp>
+        <p:nvSpPr>
+          <p:cNvPr id="2" name="Content Placeholder 1">
+            <a:extLst>
+              <a:ext uri="{FF2B5EF4-FFF2-40B4-BE49-F238E27FC236}">
+                <a16:creationId xmlns:a16="http://schemas.microsoft.com/office/drawing/2014/main" id="{99C1EAF1-DAB8-F160-8482-274957C20542}"/>
+              </a:ext>
+            </a:extLst>
+          </p:cNvPr>
+          <p:cNvSpPr>
+            <a:spLocks noGrp="1"/>
+          </p:cNvSpPr>
+          <p:nvPr>
+            <p:ph idx="1"/>
+          </p:nvPr>
+        </p:nvSpPr>
+        <p:spPr>
+          <a:xfrm>
+            <a:off x="719191" y="1210153"/>
+            <a:ext cx="7502472" cy="2670732"/>
+          </a:xfrm>
+        </p:spPr>
+        <p:txBody>
+          <a:bodyPr/>
+          <a:lstStyle/>
+          <a:p>
+            <a:pPr marL="342900" indent="-342900">
+              <a:buFont typeface="+mj-lt"/>
+              <a:buAutoNum type="arabicPeriod"/>
+            </a:pPr>
+            <a:r>
+              <a:rPr lang="de-DE" dirty="0"/>
+              <a:t>Introduction</a:t>
+            </a:r>
+          </a:p>
+          <a:p>
+            <a:pPr marL="342900" indent="-342900">
+              <a:buFont typeface="+mj-lt"/>
+              <a:buAutoNum type="arabicPeriod"/>
+            </a:pPr>
+            <a:r>
+              <a:rPr lang="de-DE" dirty="0" err="1"/>
+              <a:t>Literature</a:t>
+            </a:r>
+            <a:r>
+              <a:rPr lang="de-DE" dirty="0"/>
+              <a:t> review</a:t>
+            </a:r>
+          </a:p>
+          <a:p>
+            <a:pPr marL="342900" indent="-342900">
+              <a:buFont typeface="+mj-lt"/>
+              <a:buAutoNum type="arabicPeriod"/>
+            </a:pPr>
+            <a:r>
+              <a:rPr lang="de-DE" dirty="0"/>
+              <a:t>Motivation</a:t>
+            </a:r>
+          </a:p>
+          <a:p>
+            <a:pPr marL="342900" indent="-342900">
+              <a:buFont typeface="+mj-lt"/>
+              <a:buAutoNum type="arabicPeriod"/>
+            </a:pPr>
+            <a:r>
+              <a:rPr lang="de-DE" dirty="0"/>
+              <a:t>Dataset</a:t>
+            </a:r>
+          </a:p>
+          <a:p>
+            <a:pPr marL="342900" indent="-342900">
+              <a:buFont typeface="+mj-lt"/>
+              <a:buAutoNum type="arabicPeriod"/>
+            </a:pPr>
+            <a:r>
+              <a:rPr lang="de-DE" dirty="0"/>
+              <a:t>Cluster Analysis – </a:t>
+            </a:r>
+            <a:r>
+              <a:rPr lang="de-DE" dirty="0" err="1"/>
+              <a:t>Methodology</a:t>
+            </a:r>
+            <a:r>
+              <a:rPr lang="de-DE" dirty="0"/>
+              <a:t> </a:t>
+            </a:r>
+          </a:p>
+          <a:p>
+            <a:pPr marL="342900" indent="-342900">
+              <a:buFont typeface="+mj-lt"/>
+              <a:buAutoNum type="arabicPeriod"/>
+            </a:pPr>
+            <a:r>
+              <a:rPr lang="de-DE" dirty="0"/>
+              <a:t>Implication </a:t>
+            </a:r>
+            <a:r>
+              <a:rPr lang="de-DE" dirty="0" err="1"/>
+              <a:t>for</a:t>
+            </a:r>
+            <a:r>
+              <a:rPr lang="de-DE" dirty="0"/>
+              <a:t> EU </a:t>
+            </a:r>
+            <a:r>
+              <a:rPr lang="de-DE" dirty="0" err="1"/>
+              <a:t>Cohesion</a:t>
+            </a:r>
+            <a:endParaRPr lang="de-DE" dirty="0"/>
+          </a:p>
+          <a:p>
+            <a:pPr marL="342900" indent="-342900">
+              <a:buFont typeface="+mj-lt"/>
+              <a:buAutoNum type="arabicPeriod"/>
+            </a:pPr>
+            <a:r>
+              <a:rPr lang="de-DE" dirty="0"/>
+              <a:t>A step further: Deglobilization</a:t>
+            </a:r>
+          </a:p>
+          <a:p>
+            <a:pPr marL="342900" indent="-342900">
+              <a:buFont typeface="+mj-lt"/>
+              <a:buAutoNum type="arabicPeriod"/>
+            </a:pPr>
+            <a:r>
+              <a:rPr lang="de-DE" dirty="0"/>
+              <a:t>Conclusion</a:t>
+            </a:r>
+            <a:endParaRPr lang="en-GB" dirty="0"/>
+          </a:p>
+        </p:txBody>
+      </p:sp>
+      <p:sp>
+        <p:nvSpPr>
+          <p:cNvPr id="3" name="Slide Number Placeholder 2">
+            <a:extLst>
+              <a:ext uri="{FF2B5EF4-FFF2-40B4-BE49-F238E27FC236}">
+                <a16:creationId xmlns:a16="http://schemas.microsoft.com/office/drawing/2014/main" id="{EDD17ECC-FD22-44CB-077B-EDDB668AD934}"/>
+              </a:ext>
+            </a:extLst>
+          </p:cNvPr>
+          <p:cNvSpPr>
+            <a:spLocks noGrp="1"/>
+          </p:cNvSpPr>
+          <p:nvPr>
+            <p:ph type="sldNum" sz="quarter" idx="12"/>
+          </p:nvPr>
+        </p:nvSpPr>
+        <p:spPr/>
+        <p:txBody>
+          <a:bodyPr/>
+          <a:lstStyle/>
+          <a:p>
+            <a:fld id="{BE3DC40E-DBBE-4E2D-9EEC-FBF0DA0E9179}" type="slidenum">
+              <a:rPr lang="de-AT" smtClean="0"/>
+              <a:pPr/>
+              <a:t>4</a:t>
+            </a:fld>
+            <a:endParaRPr lang="de-AT" dirty="0"/>
+          </a:p>
+        </p:txBody>
+      </p:sp>
+      <p:sp>
+        <p:nvSpPr>
+          <p:cNvPr id="4" name="Title 3">
+            <a:extLst>
+              <a:ext uri="{FF2B5EF4-FFF2-40B4-BE49-F238E27FC236}">
+                <a16:creationId xmlns:a16="http://schemas.microsoft.com/office/drawing/2014/main" id="{39465613-490E-613B-F52B-49E1EE9A0F87}"/>
+              </a:ext>
+            </a:extLst>
+          </p:cNvPr>
+          <p:cNvSpPr>
+            <a:spLocks noGrp="1"/>
+          </p:cNvSpPr>
+          <p:nvPr>
+            <p:ph type="title"/>
+          </p:nvPr>
+        </p:nvSpPr>
+        <p:spPr/>
+        <p:txBody>
+          <a:bodyPr/>
+          <a:lstStyle/>
+          <a:p>
+            <a:r>
+              <a:rPr lang="de-DE" dirty="0"/>
+              <a:t>Structure</a:t>
+            </a:r>
+            <a:endParaRPr lang="en-GB" dirty="0"/>
+          </a:p>
+        </p:txBody>
+      </p:sp>
+    </p:spTree>
+    <p:extLst>
+      <p:ext uri="{BB962C8B-B14F-4D97-AF65-F5344CB8AC3E}">
+        <p14:creationId xmlns:p14="http://schemas.microsoft.com/office/powerpoint/2010/main" val="1975409749"/>
+      </p:ext>
+    </p:extLst>
+  </p:cSld>
+  <p:clrMapOvr>
+    <a:masterClrMapping/>
+  </p:clrMapOvr>
+  <mc:AlternateContent xmlns:mc="http://schemas.openxmlformats.org/markup-compatibility/2006" xmlns:p14="http://schemas.microsoft.com/office/powerpoint/2010/main">
+    <mc:Choice Requires="p14">
+      <p:transition spd="med" p14:dur="700">
+        <p:fade/>
+      </p:transition>
+    </mc:Choice>
+    <mc:Fallback xmlns="">
+      <p:transition spd="med">
+        <p:fade/>
+      </p:transition>
+    </mc:Fallback>
+  </mc:AlternateContent>
+</p:sld>
+</file>
+
+<file path=ppt/slides/slide5.xml><?xml version="1.0" encoding="utf-8"?>
+<p:sld xmlns:a="http://schemas.openxmlformats.org/drawingml/2006/main" xmlns:r="http://schemas.openxmlformats.org/officeDocument/2006/relationships" xmlns:p="http://schemas.openxmlformats.org/presentationml/2006/main">
+  <p:cSld>
+    <p:spTree>
+      <p:nvGrpSpPr>
+        <p:cNvPr id="1" name=""/>
+        <p:cNvGrpSpPr/>
+        <p:nvPr/>
+      </p:nvGrpSpPr>
+      <p:grpSpPr>
+        <a:xfrm>
+          <a:off x="0" y="0"/>
+          <a:ext cx="0" cy="0"/>
+          <a:chOff x="0" y="0"/>
+          <a:chExt cx="0" cy="0"/>
+        </a:xfrm>
+      </p:grpSpPr>
+      <p:sp>
+        <p:nvSpPr>
+          <p:cNvPr id="3" name="Foliennummernplatzhalter 2">
+            <a:extLst>
+              <a:ext uri="{FF2B5EF4-FFF2-40B4-BE49-F238E27FC236}">
+                <a16:creationId xmlns:a16="http://schemas.microsoft.com/office/drawing/2014/main" id="{96120391-8552-B9BF-7ADB-A9AD7D1BEAD8}"/>
+              </a:ext>
+            </a:extLst>
+          </p:cNvPr>
+          <p:cNvSpPr>
+            <a:spLocks noGrp="1"/>
+          </p:cNvSpPr>
+          <p:nvPr>
+            <p:ph type="sldNum" sz="quarter" idx="12"/>
+          </p:nvPr>
+        </p:nvSpPr>
+        <p:spPr/>
+        <p:txBody>
+          <a:bodyPr/>
+          <a:lstStyle/>
+          <a:p>
+            <a:fld id="{BE3DC40E-DBBE-4E2D-9EEC-FBF0DA0E9179}" type="slidenum">
+              <a:rPr lang="de-AT" smtClean="0"/>
+              <a:pPr/>
+              <a:t>5</a:t>
+            </a:fld>
+            <a:endParaRPr lang="de-AT" dirty="0"/>
+          </a:p>
+        </p:txBody>
+      </p:sp>
+      <p:sp>
+        <p:nvSpPr>
+          <p:cNvPr id="4" name="Titel 3">
+            <a:extLst>
+              <a:ext uri="{FF2B5EF4-FFF2-40B4-BE49-F238E27FC236}">
+                <a16:creationId xmlns:a16="http://schemas.microsoft.com/office/drawing/2014/main" id="{C2BD12C6-F04C-3EEE-6230-3463B300546F}"/>
+              </a:ext>
+            </a:extLst>
+          </p:cNvPr>
+          <p:cNvSpPr>
+            <a:spLocks noGrp="1"/>
+          </p:cNvSpPr>
+          <p:nvPr>
+            <p:ph type="title"/>
+          </p:nvPr>
+        </p:nvSpPr>
+        <p:spPr/>
+        <p:txBody>
+          <a:bodyPr/>
+          <a:lstStyle/>
+          <a:p>
+            <a:r>
+              <a:rPr lang="en-US" dirty="0"/>
+              <a:t>Introduction </a:t>
+            </a:r>
+          </a:p>
+        </p:txBody>
+      </p:sp>
+      <p:sp>
+        <p:nvSpPr>
+          <p:cNvPr id="6" name="Oval 5">
+            <a:extLst>
+              <a:ext uri="{FF2B5EF4-FFF2-40B4-BE49-F238E27FC236}">
+                <a16:creationId xmlns:a16="http://schemas.microsoft.com/office/drawing/2014/main" id="{69F6154F-8A5B-E1F2-D2C7-4953671F8D81}"/>
+              </a:ext>
+            </a:extLst>
+          </p:cNvPr>
+          <p:cNvSpPr/>
+          <p:nvPr/>
+        </p:nvSpPr>
+        <p:spPr>
+          <a:xfrm>
+            <a:off x="851851" y="1465535"/>
+            <a:ext cx="3227487" cy="1049065"/>
+          </a:xfrm>
+          <a:prstGeom prst="ellipse">
+            <a:avLst/>
+          </a:prstGeom>
+          <a:ln w="28575">
+            <a:solidFill>
+              <a:srgbClr val="0096D3"/>
+            </a:solidFill>
+          </a:ln>
+        </p:spPr>
+        <p:style>
+          <a:lnRef idx="2">
+            <a:schemeClr val="accent6"/>
+          </a:lnRef>
+          <a:fillRef idx="1">
+            <a:schemeClr val="lt1"/>
+          </a:fillRef>
+          <a:effectRef idx="0">
+            <a:schemeClr val="accent6"/>
+          </a:effectRef>
+          <a:fontRef idx="minor">
+            <a:schemeClr val="dk1"/>
+          </a:fontRef>
+        </p:style>
+        <p:txBody>
+          <a:bodyPr rtlCol="0" anchor="ctr"/>
+          <a:lstStyle/>
+          <a:p>
+            <a:pPr algn="ctr"/>
+            <a:r>
+              <a:rPr lang="en-US" dirty="0"/>
+              <a:t>European Union (EU)</a:t>
+            </a:r>
+          </a:p>
+        </p:txBody>
+      </p:sp>
+      <p:sp>
+        <p:nvSpPr>
+          <p:cNvPr id="24" name="Textfeld 23">
+            <a:extLst>
+              <a:ext uri="{FF2B5EF4-FFF2-40B4-BE49-F238E27FC236}">
+                <a16:creationId xmlns:a16="http://schemas.microsoft.com/office/drawing/2014/main" id="{3BBEA06A-A475-B28F-6E10-636DE20C1CB5}"/>
+              </a:ext>
+            </a:extLst>
+          </p:cNvPr>
+          <p:cNvSpPr txBox="1"/>
+          <p:nvPr/>
+        </p:nvSpPr>
+        <p:spPr>
+          <a:xfrm>
+            <a:off x="4705304" y="1269183"/>
+            <a:ext cx="2953501" cy="1477328"/>
+          </a:xfrm>
+          <a:prstGeom prst="rect">
+            <a:avLst/>
+          </a:prstGeom>
+          <a:noFill/>
+        </p:spPr>
+        <p:txBody>
+          <a:bodyPr wrap="none" rtlCol="0">
+            <a:spAutoFit/>
+          </a:bodyPr>
+          <a:lstStyle/>
+          <a:p>
+            <a:pPr marL="285750" indent="-285750">
+              <a:buClr>
+                <a:schemeClr val="accent1"/>
+              </a:buClr>
+              <a:buFont typeface="Wingdings" pitchFamily="2" charset="2"/>
+              <a:buChar char="§"/>
+            </a:pPr>
+            <a:r>
+              <a:rPr lang="en-US" dirty="0"/>
+              <a:t>Economic Complexity</a:t>
+            </a:r>
+          </a:p>
+          <a:p>
+            <a:pPr>
+              <a:buClr>
+                <a:schemeClr val="accent1"/>
+              </a:buClr>
+            </a:pPr>
+            <a:r>
+              <a:rPr lang="en-US" dirty="0"/>
+              <a:t> </a:t>
+            </a:r>
+          </a:p>
+          <a:p>
+            <a:pPr marL="285750" indent="-285750">
+              <a:buClr>
+                <a:schemeClr val="accent1"/>
+              </a:buClr>
+              <a:buFont typeface="Wingdings" pitchFamily="2" charset="2"/>
+              <a:buChar char="§"/>
+            </a:pPr>
+            <a:r>
+              <a:rPr lang="en-US" dirty="0"/>
+              <a:t>Political Unity </a:t>
+            </a:r>
+          </a:p>
+          <a:p>
+            <a:pPr>
+              <a:buClr>
+                <a:schemeClr val="accent1"/>
+              </a:buClr>
+            </a:pPr>
+            <a:endParaRPr lang="en-US" dirty="0"/>
+          </a:p>
+          <a:p>
+            <a:pPr marL="285750" indent="-285750">
+              <a:buClr>
+                <a:schemeClr val="accent1"/>
+              </a:buClr>
+              <a:buFont typeface="Wingdings" pitchFamily="2" charset="2"/>
+              <a:buChar char="§"/>
+            </a:pPr>
+            <a:r>
+              <a:rPr lang="en-US" dirty="0"/>
+              <a:t>Regional Diversity </a:t>
+            </a:r>
+          </a:p>
+        </p:txBody>
+      </p:sp>
+      <p:sp>
+        <p:nvSpPr>
+          <p:cNvPr id="25" name="Textfeld 24">
+            <a:extLst>
+              <a:ext uri="{FF2B5EF4-FFF2-40B4-BE49-F238E27FC236}">
+                <a16:creationId xmlns:a16="http://schemas.microsoft.com/office/drawing/2014/main" id="{4A847BAF-B9E3-EB08-5188-7DBF956A83F3}"/>
+              </a:ext>
+            </a:extLst>
+          </p:cNvPr>
+          <p:cNvSpPr txBox="1"/>
+          <p:nvPr/>
+        </p:nvSpPr>
+        <p:spPr>
+          <a:xfrm>
+            <a:off x="317405" y="3650154"/>
+            <a:ext cx="8509189" cy="923330"/>
+          </a:xfrm>
+          <a:prstGeom prst="rect">
+            <a:avLst/>
+          </a:prstGeom>
+          <a:noFill/>
+        </p:spPr>
+        <p:txBody>
+          <a:bodyPr wrap="none" rtlCol="0">
+            <a:spAutoFit/>
+          </a:bodyPr>
+          <a:lstStyle/>
+          <a:p>
+            <a:pPr marL="285750" indent="-285750">
+              <a:buClr>
+                <a:schemeClr val="accent1"/>
+              </a:buClr>
+              <a:buFont typeface="Wingdings" pitchFamily="2" charset="2"/>
+              <a:buChar char="Ø"/>
+            </a:pPr>
+            <a:r>
+              <a:rPr lang="en-US" dirty="0"/>
+              <a:t>Complex mosaic of interconnected economies</a:t>
+            </a:r>
+          </a:p>
+          <a:p>
+            <a:pPr>
+              <a:buClr>
+                <a:schemeClr val="accent1"/>
+              </a:buClr>
+            </a:pPr>
+            <a:endParaRPr lang="en-US" dirty="0"/>
+          </a:p>
+          <a:p>
+            <a:pPr marL="285750" indent="-285750">
+              <a:buClr>
+                <a:schemeClr val="accent1"/>
+              </a:buClr>
+              <a:buFont typeface="Wingdings" pitchFamily="2" charset="2"/>
+              <a:buChar char="Ø"/>
+            </a:pPr>
+            <a:r>
+              <a:rPr lang="en-US" dirty="0"/>
+              <a:t>Well suited to be analyzed within framework of Core-Periphery Model</a:t>
+            </a:r>
+          </a:p>
+        </p:txBody>
+      </p:sp>
+    </p:spTree>
+    <p:extLst>
+      <p:ext uri="{BB962C8B-B14F-4D97-AF65-F5344CB8AC3E}">
+        <p14:creationId xmlns:p14="http://schemas.microsoft.com/office/powerpoint/2010/main" val="1576335135"/>
+      </p:ext>
+    </p:extLst>
+  </p:cSld>
+  <p:clrMapOvr>
+    <a:masterClrMapping/>
+  </p:clrMapOvr>
+  <mc:AlternateContent xmlns:mc="http://schemas.openxmlformats.org/markup-compatibility/2006" xmlns:p14="http://schemas.microsoft.com/office/powerpoint/2010/main">
+    <mc:Choice Requires="p14">
+      <p:transition spd="med" p14:dur="700">
+        <p:fade/>
+      </p:transition>
+    </mc:Choice>
+    <mc:Fallback xmlns="">
+      <p:transition spd="med">
+        <p:fade/>
+      </p:transition>
     </mc:Fallback>
   </mc:AlternateContent>
 </p:sld>
@@ -8232,47 +12226,12 @@
           <a:chExt cx="0" cy="0"/>
         </a:xfrm>
       </p:grpSpPr>
-      <p:pic>
-        <p:nvPicPr>
-          <p:cNvPr id="6" name="Content Placeholder 5" descr="A graph of the country&#10;&#10;Description automatically generated">
+      <p:sp>
+        <p:nvSpPr>
+          <p:cNvPr id="3" name="Foliennummernplatzhalter 2">
             <a:extLst>
               <a:ext uri="{FF2B5EF4-FFF2-40B4-BE49-F238E27FC236}">
-                <a16:creationId xmlns:a16="http://schemas.microsoft.com/office/drawing/2014/main" id="{ABFE03F4-C035-A473-C212-26C29C8040D0}"/>
-              </a:ext>
-            </a:extLst>
-          </p:cNvPr>
-          <p:cNvPicPr>
-            <a:picLocks noGrp="1" noChangeAspect="1"/>
-          </p:cNvPicPr>
-          <p:nvPr>
-            <p:ph idx="1"/>
-          </p:nvPr>
-        </p:nvPicPr>
-        <p:blipFill>
-          <a:blip r:embed="rId2">
-            <a:extLst>
-              <a:ext uri="{28A0092B-C50C-407E-A947-70E740481C1C}">
-                <a14:useLocalDpi xmlns:a14="http://schemas.microsoft.com/office/drawing/2010/main" val="0"/>
-              </a:ext>
-            </a:extLst>
-          </a:blip>
-          <a:stretch>
-            <a:fillRect/>
-          </a:stretch>
-        </p:blipFill>
-        <p:spPr>
-          <a:xfrm>
-            <a:off x="462406" y="1209675"/>
-            <a:ext cx="8097699" cy="3468688"/>
-          </a:xfrm>
-        </p:spPr>
-      </p:pic>
-      <p:sp>
-        <p:nvSpPr>
-          <p:cNvPr id="3" name="Slide Number Placeholder 2">
-            <a:extLst>
-              <a:ext uri="{FF2B5EF4-FFF2-40B4-BE49-F238E27FC236}">
-                <a16:creationId xmlns:a16="http://schemas.microsoft.com/office/drawing/2014/main" id="{45E29142-12E2-7C5C-0156-25A00883641A}"/>
+                <a16:creationId xmlns:a16="http://schemas.microsoft.com/office/drawing/2014/main" id="{D21F27EA-FB79-7977-0724-787BAC38F580}"/>
               </a:ext>
             </a:extLst>
           </p:cNvPr>
@@ -8299,10 +12258,10 @@
       </p:sp>
       <p:sp>
         <p:nvSpPr>
-          <p:cNvPr id="4" name="Title 3">
+          <p:cNvPr id="4" name="Titel 3">
             <a:extLst>
               <a:ext uri="{FF2B5EF4-FFF2-40B4-BE49-F238E27FC236}">
-                <a16:creationId xmlns:a16="http://schemas.microsoft.com/office/drawing/2014/main" id="{E843F849-6037-F796-ED0A-1931E8DFA8FC}"/>
+                <a16:creationId xmlns:a16="http://schemas.microsoft.com/office/drawing/2014/main" id="{4CE5D35D-E4D8-FD23-4E2C-97BC2DC63907}"/>
               </a:ext>
             </a:extLst>
           </p:cNvPr>
@@ -8318,14 +12277,315 @@
           <a:bodyPr/>
           <a:lstStyle/>
           <a:p>
-            <a:endParaRPr lang="en-GB"/>
+            <a:r>
+              <a:rPr lang="en-US" dirty="0"/>
+              <a:t>Introduction – Core Periphery Model </a:t>
+            </a:r>
+          </a:p>
+        </p:txBody>
+      </p:sp>
+      <p:sp>
+        <p:nvSpPr>
+          <p:cNvPr id="5" name="Abgerundetes Rechteck 4">
+            <a:extLst>
+              <a:ext uri="{FF2B5EF4-FFF2-40B4-BE49-F238E27FC236}">
+                <a16:creationId xmlns:a16="http://schemas.microsoft.com/office/drawing/2014/main" id="{0770DD27-8A96-CC3D-FA3B-D36D031BE36D}"/>
+              </a:ext>
+            </a:extLst>
+          </p:cNvPr>
+          <p:cNvSpPr/>
+          <p:nvPr/>
+        </p:nvSpPr>
+        <p:spPr>
+          <a:xfrm>
+            <a:off x="688403" y="1369638"/>
+            <a:ext cx="7767193" cy="1023582"/>
+          </a:xfrm>
+          <a:prstGeom prst="roundRect">
+            <a:avLst/>
+          </a:prstGeom>
+          <a:ln w="28575">
+            <a:solidFill>
+              <a:srgbClr val="0C94B7"/>
+            </a:solidFill>
+          </a:ln>
+        </p:spPr>
+        <p:style>
+          <a:lnRef idx="2">
+            <a:schemeClr val="accent6"/>
+          </a:lnRef>
+          <a:fillRef idx="1">
+            <a:schemeClr val="lt1"/>
+          </a:fillRef>
+          <a:effectRef idx="0">
+            <a:schemeClr val="accent6"/>
+          </a:effectRef>
+          <a:fontRef idx="minor">
+            <a:schemeClr val="dk1"/>
+          </a:fontRef>
+        </p:style>
+        <p:txBody>
+          <a:bodyPr rtlCol="0" anchor="ctr"/>
+          <a:lstStyle/>
+          <a:p>
+            <a:r>
+              <a:rPr lang="en-US" dirty="0"/>
+              <a:t>Endogenous differentiation into an industrialized core and an agricultural periphery</a:t>
+            </a:r>
+          </a:p>
+        </p:txBody>
+      </p:sp>
+      <p:sp>
+        <p:nvSpPr>
+          <p:cNvPr id="7" name="Textfeld 6">
+            <a:extLst>
+              <a:ext uri="{FF2B5EF4-FFF2-40B4-BE49-F238E27FC236}">
+                <a16:creationId xmlns:a16="http://schemas.microsoft.com/office/drawing/2014/main" id="{3C4FF944-774E-9F8D-7FA8-76823A6838B8}"/>
+              </a:ext>
+            </a:extLst>
+          </p:cNvPr>
+          <p:cNvSpPr txBox="1"/>
+          <p:nvPr/>
+        </p:nvSpPr>
+        <p:spPr>
+          <a:xfrm>
+            <a:off x="2175392" y="2661747"/>
+            <a:ext cx="915635" cy="369332"/>
+          </a:xfrm>
+          <a:prstGeom prst="rect">
+            <a:avLst/>
+          </a:prstGeom>
+          <a:noFill/>
+        </p:spPr>
+        <p:txBody>
+          <a:bodyPr wrap="none" rtlCol="0">
+            <a:spAutoFit/>
+          </a:bodyPr>
+          <a:lstStyle/>
+          <a:p>
+            <a:r>
+              <a:rPr lang="en-US" dirty="0">
+                <a:solidFill>
+                  <a:schemeClr val="accent1"/>
+                </a:solidFill>
+              </a:rPr>
+              <a:t>CORE </a:t>
+            </a:r>
+          </a:p>
+        </p:txBody>
+      </p:sp>
+      <p:sp>
+        <p:nvSpPr>
+          <p:cNvPr id="8" name="Textfeld 7">
+            <a:extLst>
+              <a:ext uri="{FF2B5EF4-FFF2-40B4-BE49-F238E27FC236}">
+                <a16:creationId xmlns:a16="http://schemas.microsoft.com/office/drawing/2014/main" id="{C4981127-768B-55AB-462A-C0CA1ABEC5B2}"/>
+              </a:ext>
+            </a:extLst>
+          </p:cNvPr>
+          <p:cNvSpPr txBox="1"/>
+          <p:nvPr/>
+        </p:nvSpPr>
+        <p:spPr>
+          <a:xfrm>
+            <a:off x="5855399" y="2641401"/>
+            <a:ext cx="1569019" cy="369332"/>
+          </a:xfrm>
+          <a:prstGeom prst="rect">
+            <a:avLst/>
+          </a:prstGeom>
+          <a:noFill/>
+        </p:spPr>
+        <p:txBody>
+          <a:bodyPr wrap="none" rtlCol="0">
+            <a:spAutoFit/>
+          </a:bodyPr>
+          <a:lstStyle/>
+          <a:p>
+            <a:r>
+              <a:rPr lang="en-US" dirty="0">
+                <a:solidFill>
+                  <a:schemeClr val="accent1"/>
+                </a:solidFill>
+              </a:rPr>
+              <a:t>PERIPHERY</a:t>
+            </a:r>
+            <a:r>
+              <a:rPr lang="en-US" dirty="0"/>
+              <a:t> </a:t>
+            </a:r>
+          </a:p>
+        </p:txBody>
+      </p:sp>
+      <p:sp>
+        <p:nvSpPr>
+          <p:cNvPr id="9" name="Textfeld 8">
+            <a:extLst>
+              <a:ext uri="{FF2B5EF4-FFF2-40B4-BE49-F238E27FC236}">
+                <a16:creationId xmlns:a16="http://schemas.microsoft.com/office/drawing/2014/main" id="{2E4D8E08-43DD-9B5B-6832-A100DC8E1F89}"/>
+              </a:ext>
+            </a:extLst>
+          </p:cNvPr>
+          <p:cNvSpPr txBox="1"/>
+          <p:nvPr/>
+        </p:nvSpPr>
+        <p:spPr>
+          <a:xfrm>
+            <a:off x="688403" y="3087187"/>
+            <a:ext cx="3889612" cy="1323439"/>
+          </a:xfrm>
+          <a:prstGeom prst="rect">
+            <a:avLst/>
+          </a:prstGeom>
+          <a:noFill/>
+        </p:spPr>
+        <p:txBody>
+          <a:bodyPr wrap="square" rtlCol="0">
+            <a:spAutoFit/>
+          </a:bodyPr>
+          <a:lstStyle/>
+          <a:p>
+            <a:pPr marL="285750" indent="-285750">
+              <a:buClr>
+                <a:schemeClr val="accent1"/>
+              </a:buClr>
+              <a:buFont typeface="Wingdings" pitchFamily="2" charset="2"/>
+              <a:buChar char="§"/>
+            </a:pPr>
+            <a:r>
+              <a:rPr lang="en-US" sz="1600" dirty="0"/>
+              <a:t>Economic Prosperity</a:t>
+            </a:r>
+          </a:p>
+          <a:p>
+            <a:pPr marL="285750" indent="-285750">
+              <a:buClr>
+                <a:schemeClr val="accent1"/>
+              </a:buClr>
+              <a:buFont typeface="Wingdings" pitchFamily="2" charset="2"/>
+              <a:buChar char="§"/>
+            </a:pPr>
+            <a:r>
+              <a:rPr lang="en-US" sz="1600" dirty="0"/>
+              <a:t>High levels of industrialization</a:t>
+            </a:r>
+          </a:p>
+          <a:p>
+            <a:pPr marL="285750" indent="-285750">
+              <a:buClr>
+                <a:schemeClr val="accent1"/>
+              </a:buClr>
+              <a:buFont typeface="Wingdings" pitchFamily="2" charset="2"/>
+              <a:buChar char="§"/>
+            </a:pPr>
+            <a:r>
+              <a:rPr lang="en-US" sz="1600" dirty="0"/>
+              <a:t>Well-developed infrastructure </a:t>
+            </a:r>
+          </a:p>
+          <a:p>
+            <a:pPr marL="285750" indent="-285750">
+              <a:buClr>
+                <a:schemeClr val="accent1"/>
+              </a:buClr>
+              <a:buFont typeface="Wingdings" pitchFamily="2" charset="2"/>
+              <a:buChar char="§"/>
+            </a:pPr>
+            <a:r>
+              <a:rPr lang="en-US" sz="1600" dirty="0"/>
+              <a:t>Better access to essential resources</a:t>
+            </a:r>
+          </a:p>
+        </p:txBody>
+      </p:sp>
+      <p:sp>
+        <p:nvSpPr>
+          <p:cNvPr id="11" name="Textfeld 10">
+            <a:extLst>
+              <a:ext uri="{FF2B5EF4-FFF2-40B4-BE49-F238E27FC236}">
+                <a16:creationId xmlns:a16="http://schemas.microsoft.com/office/drawing/2014/main" id="{6BD442D7-4E0B-BC95-710D-202B921A3080}"/>
+              </a:ext>
+            </a:extLst>
+          </p:cNvPr>
+          <p:cNvSpPr txBox="1"/>
+          <p:nvPr/>
+        </p:nvSpPr>
+        <p:spPr>
+          <a:xfrm>
+            <a:off x="4824220" y="3044021"/>
+            <a:ext cx="3631376" cy="1600438"/>
+          </a:xfrm>
+          <a:prstGeom prst="rect">
+            <a:avLst/>
+          </a:prstGeom>
+          <a:noFill/>
+        </p:spPr>
+        <p:txBody>
+          <a:bodyPr wrap="square" rtlCol="0">
+            <a:spAutoFit/>
+          </a:bodyPr>
+          <a:lstStyle/>
+          <a:p>
+            <a:pPr marL="285750" indent="-285750">
+              <a:buClr>
+                <a:schemeClr val="accent1"/>
+              </a:buClr>
+              <a:buFont typeface="Wingdings" pitchFamily="2" charset="2"/>
+              <a:buChar char="§"/>
+            </a:pPr>
+            <a:r>
+              <a:rPr lang="en-US" sz="1600" dirty="0"/>
+              <a:t>Economic Disadvantages</a:t>
+            </a:r>
+          </a:p>
+          <a:p>
+            <a:pPr marL="285750" indent="-285750">
+              <a:buClr>
+                <a:schemeClr val="accent1"/>
+              </a:buClr>
+              <a:buFont typeface="Wingdings" pitchFamily="2" charset="2"/>
+              <a:buChar char="§"/>
+            </a:pPr>
+            <a:r>
+              <a:rPr lang="en-US" sz="1600" dirty="0"/>
+              <a:t>Limited industrialization</a:t>
+            </a:r>
+          </a:p>
+          <a:p>
+            <a:pPr marL="285750" indent="-285750">
+              <a:buClr>
+                <a:schemeClr val="accent1"/>
+              </a:buClr>
+              <a:buFont typeface="Wingdings" pitchFamily="2" charset="2"/>
+              <a:buChar char="§"/>
+            </a:pPr>
+            <a:r>
+              <a:rPr lang="en-US" sz="1600" dirty="0"/>
+              <a:t>Underdeveloped infrastructure </a:t>
+            </a:r>
+          </a:p>
+          <a:p>
+            <a:pPr marL="285750" indent="-285750">
+              <a:buClr>
+                <a:schemeClr val="accent1"/>
+              </a:buClr>
+              <a:buFont typeface="Wingdings" pitchFamily="2" charset="2"/>
+              <a:buChar char="§"/>
+            </a:pPr>
+            <a:r>
+              <a:rPr lang="en-US" sz="1600" dirty="0"/>
+              <a:t>Lower access to essential resources</a:t>
+            </a:r>
+          </a:p>
+          <a:p>
+            <a:endParaRPr lang="en-US" dirty="0"/>
           </a:p>
         </p:txBody>
       </p:sp>
     </p:spTree>
     <p:extLst>
       <p:ext uri="{BB962C8B-B14F-4D97-AF65-F5344CB8AC3E}">
-        <p14:creationId xmlns:p14="http://schemas.microsoft.com/office/powerpoint/2010/main" val="3485723785"/>
+        <p14:creationId xmlns:p14="http://schemas.microsoft.com/office/powerpoint/2010/main" val="3866266621"/>
       </p:ext>
     </p:extLst>
   </p:cSld>
@@ -8334,10 +12594,14 @@
   </p:clrMapOvr>
   <mc:AlternateContent xmlns:mc="http://schemas.openxmlformats.org/markup-compatibility/2006" xmlns:p14="http://schemas.microsoft.com/office/powerpoint/2010/main">
     <mc:Choice Requires="p14">
-      <p:transition p14:dur="10"/>
+      <p:transition spd="med" p14:dur="700">
+        <p:fade/>
+      </p:transition>
     </mc:Choice>
     <mc:Fallback xmlns="">
-      <p:transition/>
+      <p:transition spd="med">
+        <p:fade/>
+      </p:transition>
     </mc:Fallback>
   </mc:AlternateContent>
 </p:sld>
@@ -8360,47 +12624,141 @@
           <a:chExt cx="0" cy="0"/>
         </a:xfrm>
       </p:grpSpPr>
-      <p:pic>
-        <p:nvPicPr>
-          <p:cNvPr id="6" name="Content Placeholder 5" descr="A diagram of a political system&#10;&#10;Description automatically generated with medium confidence">
+      <p:sp>
+        <p:nvSpPr>
+          <p:cNvPr id="2" name="Content Placeholder 1">
             <a:extLst>
               <a:ext uri="{FF2B5EF4-FFF2-40B4-BE49-F238E27FC236}">
-                <a16:creationId xmlns:a16="http://schemas.microsoft.com/office/drawing/2014/main" id="{403DD92F-2D3D-4631-1417-D193FC08C7B0}"/>
+                <a16:creationId xmlns:a16="http://schemas.microsoft.com/office/drawing/2014/main" id="{C3797893-C0EA-64A2-EE25-163449EA62E9}"/>
               </a:ext>
             </a:extLst>
           </p:cNvPr>
-          <p:cNvPicPr>
-            <a:picLocks noGrp="1" noChangeAspect="1"/>
-          </p:cNvPicPr>
+          <p:cNvSpPr>
+            <a:spLocks noGrp="1"/>
+          </p:cNvSpPr>
           <p:nvPr>
             <p:ph idx="1"/>
           </p:nvPr>
-        </p:nvPicPr>
-        <p:blipFill>
-          <a:blip r:embed="rId2">
-            <a:extLst>
-              <a:ext uri="{28A0092B-C50C-407E-A947-70E740481C1C}">
-                <a14:useLocalDpi xmlns:a14="http://schemas.microsoft.com/office/drawing/2010/main" val="0"/>
-              </a:ext>
-            </a:extLst>
-          </a:blip>
-          <a:stretch>
-            <a:fillRect/>
-          </a:stretch>
-        </p:blipFill>
+        </p:nvSpPr>
         <p:spPr>
           <a:xfrm>
-            <a:off x="5288097" y="1035504"/>
-            <a:ext cx="3392620" cy="3739014"/>
+            <a:off x="462019" y="1210152"/>
+            <a:ext cx="8116902" cy="3468515"/>
           </a:xfrm>
         </p:spPr>
-      </p:pic>
+        <p:txBody>
+          <a:bodyPr/>
+          <a:lstStyle/>
+          <a:p>
+            <a:r>
+              <a:rPr lang="it-IT" dirty="0"/>
+              <a:t>T</a:t>
+            </a:r>
+            <a:r>
+              <a:rPr lang="en-GB" dirty="0"/>
+              <a:t>he duality and diversity of EU is a topic thoroughly covered by several authors:</a:t>
+            </a:r>
+          </a:p>
+          <a:p>
+            <a:pPr lvl="3"/>
+            <a:r>
+              <a:rPr lang="en-GB" sz="1400" dirty="0" err="1"/>
+              <a:t>Caraveli</a:t>
+            </a:r>
+            <a:r>
+              <a:rPr lang="en-GB" sz="1400" dirty="0"/>
+              <a:t> (2016) examines the core-periphery division in the European Union within the context of </a:t>
+            </a:r>
+            <a:r>
+              <a:rPr lang="en-GB" sz="1400" b="1" dirty="0"/>
+              <a:t>global imbalances and geopolitical changes</a:t>
+            </a:r>
+            <a:r>
+              <a:rPr lang="en-GB" sz="1400" dirty="0"/>
+              <a:t>. Addresses the challenges to the economic and political dominance of the West and changes to the European core-periphery pattern.</a:t>
+            </a:r>
+          </a:p>
+          <a:p>
+            <a:pPr lvl="3"/>
+            <a:r>
+              <a:rPr lang="en-GB" sz="1400" dirty="0"/>
+              <a:t>Gr</a:t>
+            </a:r>
+            <a:r>
+              <a:rPr lang="de-DE" sz="1400" dirty="0"/>
+              <a:t>äbner &amp; Hafele (2020) i</a:t>
+            </a:r>
+            <a:r>
+              <a:rPr lang="en-GB" sz="1400" dirty="0" err="1"/>
+              <a:t>nvestigate</a:t>
+            </a:r>
+            <a:r>
+              <a:rPr lang="en-GB" sz="1400" dirty="0"/>
+              <a:t> the emergence of </a:t>
+            </a:r>
+            <a:r>
+              <a:rPr lang="en-GB" sz="1400" b="1" dirty="0"/>
+              <a:t>polarization patterns </a:t>
+            </a:r>
+            <a:r>
+              <a:rPr lang="en-GB" sz="1400" dirty="0"/>
+              <a:t>in the EU over the last 60 years from a structuralist and complexity economics perspective.</a:t>
+            </a:r>
+          </a:p>
+          <a:p>
+            <a:pPr lvl="3"/>
+            <a:r>
+              <a:rPr lang="en-GB" sz="1400" dirty="0" err="1"/>
+              <a:t>Rauhut</a:t>
+            </a:r>
+            <a:r>
+              <a:rPr lang="en-GB" sz="1400" dirty="0"/>
+              <a:t> &amp; </a:t>
+            </a:r>
+            <a:r>
+              <a:rPr lang="en-GB" sz="1400" dirty="0" err="1"/>
+              <a:t>Humer</a:t>
+            </a:r>
+            <a:r>
+              <a:rPr lang="en-GB" sz="1400" dirty="0"/>
+              <a:t> (2018) identify the current economic thought influencing the </a:t>
+            </a:r>
+            <a:r>
+              <a:rPr lang="en-GB" sz="1400" b="1" dirty="0"/>
+              <a:t>EU Cohesion Policy</a:t>
+            </a:r>
+            <a:r>
+              <a:rPr lang="en-GB" sz="1400" dirty="0"/>
+              <a:t>.</a:t>
+            </a:r>
+          </a:p>
+          <a:p>
+            <a:pPr lvl="3"/>
+            <a:r>
+              <a:rPr lang="en-GB" sz="1400" dirty="0" err="1"/>
+              <a:t>Kersan-Škabić</a:t>
+            </a:r>
+            <a:r>
+              <a:rPr lang="en-GB" sz="1400" dirty="0"/>
+              <a:t> (2019) investigates the </a:t>
+            </a:r>
+            <a:r>
+              <a:rPr lang="en-GB" sz="1400" b="1" dirty="0"/>
+              <a:t>heterogeneity of economic performances </a:t>
+            </a:r>
+            <a:r>
+              <a:rPr lang="en-GB" sz="1400" dirty="0"/>
+              <a:t>in EU member states contributing to the core-periphery relationship.</a:t>
+            </a:r>
+          </a:p>
+        </p:txBody>
+      </p:sp>
       <p:sp>
         <p:nvSpPr>
           <p:cNvPr id="3" name="Slide Number Placeholder 2">
             <a:extLst>
               <a:ext uri="{FF2B5EF4-FFF2-40B4-BE49-F238E27FC236}">
-                <a16:creationId xmlns:a16="http://schemas.microsoft.com/office/drawing/2014/main" id="{54C08D0F-A1A9-DDDF-0A9E-A7DE2687739B}"/>
+                <a16:creationId xmlns:a16="http://schemas.microsoft.com/office/drawing/2014/main" id="{D93FCE48-0929-99FE-87F3-44B0C6C6A410}"/>
               </a:ext>
             </a:extLst>
           </p:cNvPr>
@@ -8430,7 +12788,7 @@
           <p:cNvPr id="4" name="Title 3">
             <a:extLst>
               <a:ext uri="{FF2B5EF4-FFF2-40B4-BE49-F238E27FC236}">
-                <a16:creationId xmlns:a16="http://schemas.microsoft.com/office/drawing/2014/main" id="{D92913E1-FB85-4609-70C8-C0AAEF48DAD1}"/>
+                <a16:creationId xmlns:a16="http://schemas.microsoft.com/office/drawing/2014/main" id="{BAF50C22-7034-7B1E-1287-FE875E00F7FA}"/>
               </a:ext>
             </a:extLst>
           </p:cNvPr>
@@ -8447,17 +12805,16 @@
           <a:lstStyle/>
           <a:p>
             <a:r>
-              <a:rPr lang="it-IT" dirty="0"/>
-              <a:t>Cluster Analysis - Methodology</a:t>
-            </a:r>
-            <a:endParaRPr lang="en-GB" dirty="0"/>
+              <a:rPr lang="en-GB" dirty="0"/>
+              <a:t>Literature Review </a:t>
+            </a:r>
           </a:p>
         </p:txBody>
       </p:sp>
     </p:spTree>
     <p:extLst>
       <p:ext uri="{BB962C8B-B14F-4D97-AF65-F5344CB8AC3E}">
-        <p14:creationId xmlns:p14="http://schemas.microsoft.com/office/powerpoint/2010/main" val="2939021882"/>
+        <p14:creationId xmlns:p14="http://schemas.microsoft.com/office/powerpoint/2010/main" val="542870012"/>
       </p:ext>
     </p:extLst>
   </p:cSld>
@@ -8466,10 +12823,14 @@
   </p:clrMapOvr>
   <mc:AlternateContent xmlns:mc="http://schemas.openxmlformats.org/markup-compatibility/2006" xmlns:p14="http://schemas.microsoft.com/office/powerpoint/2010/main">
     <mc:Choice Requires="p14">
-      <p:transition p14:dur="10"/>
+      <p:transition spd="med" p14:dur="700">
+        <p:fade/>
+      </p:transition>
     </mc:Choice>
     <mc:Fallback xmlns="">
-      <p:transition/>
+      <p:transition spd="med">
+        <p:fade/>
+      </p:transition>
     </mc:Fallback>
   </mc:AlternateContent>
 </p:sld>
@@ -8494,10 +12855,96 @@
       </p:grpSpPr>
       <p:sp>
         <p:nvSpPr>
-          <p:cNvPr id="3" name="Slide Number Placeholder 2">
+          <p:cNvPr id="2" name="Inhaltsplatzhalter 1">
             <a:extLst>
               <a:ext uri="{FF2B5EF4-FFF2-40B4-BE49-F238E27FC236}">
-                <a16:creationId xmlns:a16="http://schemas.microsoft.com/office/drawing/2014/main" id="{B57E836B-5491-3ED8-B0ED-B859ED314ED5}"/>
+                <a16:creationId xmlns:a16="http://schemas.microsoft.com/office/drawing/2014/main" id="{8F8426B2-8094-4A8C-980F-8D7BC717CFCF}"/>
+              </a:ext>
+            </a:extLst>
+          </p:cNvPr>
+          <p:cNvSpPr>
+            <a:spLocks noGrp="1"/>
+          </p:cNvSpPr>
+          <p:nvPr>
+            <p:ph idx="1"/>
+          </p:nvPr>
+        </p:nvSpPr>
+        <p:spPr>
+          <a:xfrm>
+            <a:off x="472751" y="1170753"/>
+            <a:ext cx="7759644" cy="3468515"/>
+          </a:xfrm>
+        </p:spPr>
+        <p:txBody>
+          <a:bodyPr/>
+          <a:lstStyle/>
+          <a:p>
+            <a:r>
+              <a:rPr lang="en-GB" dirty="0"/>
+              <a:t>Research Question: Investigate the Core-Periphery Model as it is applied to the European Union, updating the status of division.</a:t>
+            </a:r>
+          </a:p>
+          <a:p>
+            <a:pPr marL="0" indent="0">
+              <a:buNone/>
+            </a:pPr>
+            <a:endParaRPr lang="en-US" dirty="0"/>
+          </a:p>
+          <a:p>
+            <a:pPr>
+              <a:buFont typeface="Wingdings" pitchFamily="2" charset="2"/>
+              <a:buChar char="§"/>
+            </a:pPr>
+            <a:r>
+              <a:rPr lang="en-US" dirty="0"/>
+              <a:t>Assess key elements future EU Cohesion Policy should consider</a:t>
+            </a:r>
+          </a:p>
+          <a:p>
+            <a:pPr marL="0" indent="0">
+              <a:buNone/>
+            </a:pPr>
+            <a:endParaRPr lang="en-US" dirty="0"/>
+          </a:p>
+          <a:p>
+            <a:pPr>
+              <a:buFont typeface="Wingdings" pitchFamily="2" charset="2"/>
+              <a:buChar char="§"/>
+            </a:pPr>
+            <a:r>
+              <a:rPr lang="en-US" dirty="0"/>
+              <a:t>Contextualize results within larger Deglobalization trend</a:t>
+            </a:r>
+          </a:p>
+          <a:p>
+            <a:pPr>
+              <a:buFont typeface="Wingdings" pitchFamily="2" charset="2"/>
+              <a:buChar char="§"/>
+            </a:pPr>
+            <a:endParaRPr lang="en-US" dirty="0"/>
+          </a:p>
+          <a:p>
+            <a:pPr>
+              <a:buFont typeface="Wingdings" pitchFamily="2" charset="2"/>
+              <a:buChar char="§"/>
+            </a:pPr>
+            <a:endParaRPr lang="en-US" dirty="0"/>
+          </a:p>
+          <a:p>
+            <a:pPr>
+              <a:buFont typeface="Wingdings" pitchFamily="2" charset="2"/>
+              <a:buChar char="§"/>
+            </a:pPr>
+            <a:endParaRPr lang="en-US" dirty="0"/>
+          </a:p>
+        </p:txBody>
+      </p:sp>
+      <p:sp>
+        <p:nvSpPr>
+          <p:cNvPr id="3" name="Foliennummernplatzhalter 2">
+            <a:extLst>
+              <a:ext uri="{FF2B5EF4-FFF2-40B4-BE49-F238E27FC236}">
+                <a16:creationId xmlns:a16="http://schemas.microsoft.com/office/drawing/2014/main" id="{D1E3F123-2955-BBF2-2331-D3D5A41FA34B}"/>
               </a:ext>
             </a:extLst>
           </p:cNvPr>
@@ -8524,10 +12971,10 @@
       </p:sp>
       <p:sp>
         <p:nvSpPr>
-          <p:cNvPr id="4" name="Title 3">
+          <p:cNvPr id="4" name="Titel 3">
             <a:extLst>
               <a:ext uri="{FF2B5EF4-FFF2-40B4-BE49-F238E27FC236}">
-                <a16:creationId xmlns:a16="http://schemas.microsoft.com/office/drawing/2014/main" id="{AA710836-739E-7B6B-8206-828B65B744A5}"/>
+                <a16:creationId xmlns:a16="http://schemas.microsoft.com/office/drawing/2014/main" id="{47B07E94-FE1F-6933-C419-D8C269D1DBCC}"/>
               </a:ext>
             </a:extLst>
           </p:cNvPr>
@@ -8544,125 +12991,16 @@
           <a:lstStyle/>
           <a:p>
             <a:r>
-              <a:rPr lang="it-IT" dirty="0"/>
-              <a:t>EU Core – Periphery through the years</a:t>
-            </a:r>
-            <a:endParaRPr lang="en-GB" dirty="0"/>
-          </a:p>
-        </p:txBody>
-      </p:sp>
-      <p:pic>
-        <p:nvPicPr>
-          <p:cNvPr id="12" name="Picture 11" descr="A screenshot of a graph&#10;&#10;Description automatically generated">
-            <a:extLst>
-              <a:ext uri="{FF2B5EF4-FFF2-40B4-BE49-F238E27FC236}">
-                <a16:creationId xmlns:a16="http://schemas.microsoft.com/office/drawing/2014/main" id="{600E2F53-3CEF-24A6-4BBC-3764F1A2F57F}"/>
-              </a:ext>
-            </a:extLst>
-          </p:cNvPr>
-          <p:cNvPicPr>
-            <a:picLocks noChangeAspect="1"/>
-          </p:cNvPicPr>
-          <p:nvPr/>
-        </p:nvPicPr>
-        <p:blipFill>
-          <a:blip r:embed="rId2">
-            <a:extLst>
-              <a:ext uri="{28A0092B-C50C-407E-A947-70E740481C1C}">
-                <a14:useLocalDpi xmlns:a14="http://schemas.microsoft.com/office/drawing/2010/main" val="0"/>
-              </a:ext>
-            </a:extLst>
-          </a:blip>
-          <a:stretch>
-            <a:fillRect/>
-          </a:stretch>
-        </p:blipFill>
-        <p:spPr>
-          <a:xfrm>
-            <a:off x="-27" y="1357396"/>
-            <a:ext cx="2622849" cy="3060000"/>
-          </a:xfrm>
-          <a:prstGeom prst="rect">
-            <a:avLst/>
-          </a:prstGeom>
-        </p:spPr>
-      </p:pic>
-      <p:pic>
-        <p:nvPicPr>
-          <p:cNvPr id="14" name="Picture 13" descr="A screenshot of a graph&#10;&#10;Description automatically generated">
-            <a:extLst>
-              <a:ext uri="{FF2B5EF4-FFF2-40B4-BE49-F238E27FC236}">
-                <a16:creationId xmlns:a16="http://schemas.microsoft.com/office/drawing/2014/main" id="{B621E7BF-07EE-62E5-D935-AA71646E2F1A}"/>
-              </a:ext>
-            </a:extLst>
-          </p:cNvPr>
-          <p:cNvPicPr>
-            <a:picLocks noChangeAspect="1"/>
-          </p:cNvPicPr>
-          <p:nvPr/>
-        </p:nvPicPr>
-        <p:blipFill>
-          <a:blip r:embed="rId3">
-            <a:extLst>
-              <a:ext uri="{28A0092B-C50C-407E-A947-70E740481C1C}">
-                <a14:useLocalDpi xmlns:a14="http://schemas.microsoft.com/office/drawing/2010/main" val="0"/>
-              </a:ext>
-            </a:extLst>
-          </a:blip>
-          <a:stretch>
-            <a:fillRect/>
-          </a:stretch>
-        </p:blipFill>
-        <p:spPr>
-          <a:xfrm>
-            <a:off x="2819886" y="1357396"/>
-            <a:ext cx="2859486" cy="3060000"/>
-          </a:xfrm>
-          <a:prstGeom prst="rect">
-            <a:avLst/>
-          </a:prstGeom>
-        </p:spPr>
-      </p:pic>
-      <p:pic>
-        <p:nvPicPr>
-          <p:cNvPr id="16" name="Picture 15" descr="A diagram of a graph&#10;&#10;Description automatically generated with medium confidence">
-            <a:extLst>
-              <a:ext uri="{FF2B5EF4-FFF2-40B4-BE49-F238E27FC236}">
-                <a16:creationId xmlns:a16="http://schemas.microsoft.com/office/drawing/2014/main" id="{1B99A8F0-BAC7-F762-00D1-0FF0381670D0}"/>
-              </a:ext>
-            </a:extLst>
-          </p:cNvPr>
-          <p:cNvPicPr>
-            <a:picLocks noChangeAspect="1"/>
-          </p:cNvPicPr>
-          <p:nvPr/>
-        </p:nvPicPr>
-        <p:blipFill>
-          <a:blip r:embed="rId4">
-            <a:extLst>
-              <a:ext uri="{28A0092B-C50C-407E-A947-70E740481C1C}">
-                <a14:useLocalDpi xmlns:a14="http://schemas.microsoft.com/office/drawing/2010/main" val="0"/>
-              </a:ext>
-            </a:extLst>
-          </a:blip>
-          <a:stretch>
-            <a:fillRect/>
-          </a:stretch>
-        </p:blipFill>
-        <p:spPr>
-          <a:xfrm>
-            <a:off x="5876436" y="1357396"/>
-            <a:ext cx="3260349" cy="3060000"/>
-          </a:xfrm>
-          <a:prstGeom prst="rect">
-            <a:avLst/>
-          </a:prstGeom>
-        </p:spPr>
-      </p:pic>
+              <a:rPr lang="en-US" dirty="0"/>
+              <a:t>Motivation</a:t>
+            </a:r>
+          </a:p>
+        </p:txBody>
+      </p:sp>
     </p:spTree>
     <p:extLst>
       <p:ext uri="{BB962C8B-B14F-4D97-AF65-F5344CB8AC3E}">
-        <p14:creationId xmlns:p14="http://schemas.microsoft.com/office/powerpoint/2010/main" val="1041638151"/>
+        <p14:creationId xmlns:p14="http://schemas.microsoft.com/office/powerpoint/2010/main" val="4241380722"/>
       </p:ext>
     </p:extLst>
   </p:cSld>
@@ -8671,17 +13009,21 @@
   </p:clrMapOvr>
   <mc:AlternateContent xmlns:mc="http://schemas.openxmlformats.org/markup-compatibility/2006" xmlns:p14="http://schemas.microsoft.com/office/powerpoint/2010/main">
     <mc:Choice Requires="p14">
-      <p:transition p14:dur="10"/>
+      <p:transition spd="med" p14:dur="700">
+        <p:fade/>
+      </p:transition>
     </mc:Choice>
     <mc:Fallback xmlns="">
-      <p:transition/>
+      <p:transition spd="med">
+        <p:fade/>
+      </p:transition>
     </mc:Fallback>
   </mc:AlternateContent>
 </p:sld>
 </file>
 
 <file path=ppt/slides/slide9.xml><?xml version="1.0" encoding="utf-8"?>
-<p:sld xmlns:a="http://schemas.openxmlformats.org/drawingml/2006/main" xmlns:r="http://schemas.openxmlformats.org/officeDocument/2006/relationships" xmlns:p="http://schemas.openxmlformats.org/presentationml/2006/main" show="0">
+<p:sld xmlns:a="http://schemas.openxmlformats.org/drawingml/2006/main" xmlns:r="http://schemas.openxmlformats.org/officeDocument/2006/relationships" xmlns:p="http://schemas.openxmlformats.org/presentationml/2006/main">
   <p:cSld>
     <p:spTree>
       <p:nvGrpSpPr>
@@ -8697,47 +13039,133 @@
           <a:chExt cx="0" cy="0"/>
         </a:xfrm>
       </p:grpSpPr>
-      <p:pic>
-        <p:nvPicPr>
-          <p:cNvPr id="6" name="Content Placeholder 5" descr="A screenshot of a graph&#10;&#10;Description automatically generated">
+      <p:sp>
+        <p:nvSpPr>
+          <p:cNvPr id="2" name="Content Placeholder 1">
             <a:extLst>
               <a:ext uri="{FF2B5EF4-FFF2-40B4-BE49-F238E27FC236}">
-                <a16:creationId xmlns:a16="http://schemas.microsoft.com/office/drawing/2014/main" id="{8F311C61-9100-0BEE-BD16-1359E8C256AF}"/>
+                <a16:creationId xmlns:a16="http://schemas.microsoft.com/office/drawing/2014/main" id="{D12883F0-F47A-9DEE-B088-9B81FB828797}"/>
               </a:ext>
             </a:extLst>
           </p:cNvPr>
-          <p:cNvPicPr>
-            <a:picLocks noGrp="1" noChangeAspect="1"/>
-          </p:cNvPicPr>
+          <p:cNvSpPr>
+            <a:spLocks noGrp="1"/>
+          </p:cNvSpPr>
           <p:nvPr>
             <p:ph idx="1"/>
           </p:nvPr>
-        </p:nvPicPr>
-        <p:blipFill>
-          <a:blip r:embed="rId2" cstate="hqprint">
-            <a:extLst>
-              <a:ext uri="{28A0092B-C50C-407E-A947-70E740481C1C}">
-                <a14:useLocalDpi xmlns:a14="http://schemas.microsoft.com/office/drawing/2010/main" val="0"/>
-              </a:ext>
-            </a:extLst>
-          </a:blip>
-          <a:stretch>
-            <a:fillRect/>
-          </a:stretch>
-        </p:blipFill>
+        </p:nvSpPr>
         <p:spPr>
           <a:xfrm>
-            <a:off x="5486399" y="1884557"/>
-            <a:ext cx="3177087" cy="1787835"/>
+            <a:off x="564760" y="1170753"/>
+            <a:ext cx="7759644" cy="3468515"/>
           </a:xfrm>
         </p:spPr>
-      </p:pic>
+        <p:txBody>
+          <a:bodyPr/>
+          <a:lstStyle/>
+          <a:p>
+            <a:r>
+              <a:rPr lang="en-GB" dirty="0"/>
+              <a:t>World Bank</a:t>
+            </a:r>
+          </a:p>
+          <a:p>
+            <a:pPr lvl="2"/>
+            <a:r>
+              <a:rPr lang="it-IT" sz="1400" dirty="0"/>
+              <a:t>World Development Indicators</a:t>
+            </a:r>
+          </a:p>
+          <a:p>
+            <a:pPr lvl="2"/>
+            <a:r>
+              <a:rPr lang="it-IT" sz="1400" dirty="0"/>
+              <a:t>Worldwide Governance Indicators</a:t>
+            </a:r>
+          </a:p>
+          <a:p>
+            <a:pPr lvl="2"/>
+            <a:r>
+              <a:rPr lang="it-IT" sz="1400" dirty="0"/>
+              <a:t>Health and Population Statistics</a:t>
+            </a:r>
+          </a:p>
+          <a:p>
+            <a:r>
+              <a:rPr lang="it-IT" dirty="0"/>
+              <a:t>Eurostat</a:t>
+            </a:r>
+          </a:p>
+          <a:p>
+            <a:endParaRPr lang="it-IT" dirty="0"/>
+          </a:p>
+          <a:p>
+            <a:r>
+              <a:rPr lang="it-IT" dirty="0"/>
+              <a:t>Thematic groups:</a:t>
+            </a:r>
+            <a:endParaRPr lang="en-GB" sz="1600" dirty="0"/>
+          </a:p>
+          <a:p>
+            <a:pPr marL="700088" lvl="2" indent="-342900">
+              <a:buFont typeface="+mj-lt"/>
+              <a:buAutoNum type="arabicPeriod"/>
+            </a:pPr>
+            <a:r>
+              <a:rPr lang="en-GB" sz="1400" dirty="0"/>
+              <a:t>Economic Performance</a:t>
+            </a:r>
+          </a:p>
+          <a:p>
+            <a:pPr marL="700088" lvl="2" indent="-342900">
+              <a:buFont typeface="+mj-lt"/>
+              <a:buAutoNum type="arabicPeriod"/>
+            </a:pPr>
+            <a:r>
+              <a:rPr lang="en-GB" sz="1400" dirty="0"/>
+              <a:t>Governance and Institution</a:t>
+            </a:r>
+          </a:p>
+          <a:p>
+            <a:pPr marL="700088" lvl="2" indent="-342900">
+              <a:buFont typeface="+mj-lt"/>
+              <a:buAutoNum type="arabicPeriod"/>
+            </a:pPr>
+            <a:r>
+              <a:rPr lang="en-GB" sz="1400" dirty="0"/>
+              <a:t>Research and Development</a:t>
+            </a:r>
+          </a:p>
+          <a:p>
+            <a:pPr marL="700088" lvl="2" indent="-342900">
+              <a:buFont typeface="+mj-lt"/>
+              <a:buAutoNum type="arabicPeriod"/>
+            </a:pPr>
+            <a:r>
+              <a:rPr lang="en-GB" sz="1400" dirty="0"/>
+              <a:t>Labor and Employment</a:t>
+            </a:r>
+          </a:p>
+          <a:p>
+            <a:pPr marL="700088" lvl="2" indent="-342900">
+              <a:buFont typeface="+mj-lt"/>
+              <a:buAutoNum type="arabicPeriod"/>
+            </a:pPr>
+            <a:r>
+              <a:rPr lang="en-GB" sz="1400" dirty="0"/>
+              <a:t>Population and Demographics</a:t>
+            </a:r>
+            <a:endParaRPr lang="it-IT" sz="1600" dirty="0"/>
+          </a:p>
+        </p:txBody>
+      </p:sp>
       <p:sp>
         <p:nvSpPr>
           <p:cNvPr id="3" name="Slide Number Placeholder 2">
             <a:extLst>
               <a:ext uri="{FF2B5EF4-FFF2-40B4-BE49-F238E27FC236}">
-                <a16:creationId xmlns:a16="http://schemas.microsoft.com/office/drawing/2014/main" id="{7492C35A-E857-B2F4-1541-FF1536C05690}"/>
+                <a16:creationId xmlns:a16="http://schemas.microsoft.com/office/drawing/2014/main" id="{3ABDC196-A242-D37E-7B19-0EE0E79A290A}"/>
               </a:ext>
             </a:extLst>
           </p:cNvPr>
@@ -8767,7 +13195,7 @@
           <p:cNvPr id="4" name="Title 3">
             <a:extLst>
               <a:ext uri="{FF2B5EF4-FFF2-40B4-BE49-F238E27FC236}">
-                <a16:creationId xmlns:a16="http://schemas.microsoft.com/office/drawing/2014/main" id="{364B8079-C34C-BE1A-B640-90C6EE37B6AB}"/>
+                <a16:creationId xmlns:a16="http://schemas.microsoft.com/office/drawing/2014/main" id="{5117FFBD-CEB5-58D0-C3AB-0020C8F6E0BA}"/>
               </a:ext>
             </a:extLst>
           </p:cNvPr>
@@ -8784,101 +13212,32 @@
           <a:lstStyle/>
           <a:p>
             <a:r>
-              <a:rPr lang="it-IT" dirty="0"/>
-              <a:t>To include maybe</a:t>
-            </a:r>
-            <a:endParaRPr lang="en-GB" dirty="0"/>
-          </a:p>
-        </p:txBody>
-      </p:sp>
-      <p:pic>
-        <p:nvPicPr>
-          <p:cNvPr id="8" name="Picture 7" descr="A screenshot of a graph&#10;&#10;Description automatically generated">
-            <a:extLst>
-              <a:ext uri="{FF2B5EF4-FFF2-40B4-BE49-F238E27FC236}">
-                <a16:creationId xmlns:a16="http://schemas.microsoft.com/office/drawing/2014/main" id="{CA6A64B0-A364-D085-AB2D-8B92F209F0B7}"/>
-              </a:ext>
-            </a:extLst>
-          </p:cNvPr>
-          <p:cNvPicPr>
-            <a:picLocks noChangeAspect="1"/>
-          </p:cNvPicPr>
-          <p:nvPr/>
-        </p:nvPicPr>
-        <p:blipFill>
-          <a:blip r:embed="rId3" cstate="hqprint">
-            <a:extLst>
-              <a:ext uri="{28A0092B-C50C-407E-A947-70E740481C1C}">
-                <a14:useLocalDpi xmlns:a14="http://schemas.microsoft.com/office/drawing/2010/main" val="0"/>
-              </a:ext>
-            </a:extLst>
-          </a:blip>
-          <a:stretch>
-            <a:fillRect/>
-          </a:stretch>
-        </p:blipFill>
-        <p:spPr>
-          <a:xfrm>
-            <a:off x="317004" y="1258741"/>
-            <a:ext cx="2925518" cy="1646270"/>
-          </a:xfrm>
-          <a:prstGeom prst="rect">
-            <a:avLst/>
-          </a:prstGeom>
-        </p:spPr>
-      </p:pic>
-      <p:pic>
-        <p:nvPicPr>
-          <p:cNvPr id="10" name="Picture 9" descr="A screenshot of a graph&#10;&#10;Description automatically generated">
-            <a:extLst>
-              <a:ext uri="{FF2B5EF4-FFF2-40B4-BE49-F238E27FC236}">
-                <a16:creationId xmlns:a16="http://schemas.microsoft.com/office/drawing/2014/main" id="{F206C8B9-BA69-5238-3F22-03A6180D1CA3}"/>
-              </a:ext>
-            </a:extLst>
-          </p:cNvPr>
-          <p:cNvPicPr>
-            <a:picLocks noChangeAspect="1"/>
-          </p:cNvPicPr>
-          <p:nvPr/>
-        </p:nvPicPr>
-        <p:blipFill>
-          <a:blip r:embed="rId4" cstate="hqprint">
-            <a:extLst>
-              <a:ext uri="{28A0092B-C50C-407E-A947-70E740481C1C}">
-                <a14:useLocalDpi xmlns:a14="http://schemas.microsoft.com/office/drawing/2010/main" val="0"/>
-              </a:ext>
-            </a:extLst>
-          </a:blip>
-          <a:stretch>
-            <a:fillRect/>
-          </a:stretch>
-        </p:blipFill>
-        <p:spPr>
-          <a:xfrm>
-            <a:off x="3081623" y="2763748"/>
-            <a:ext cx="3627402" cy="2041240"/>
-          </a:xfrm>
-          <a:prstGeom prst="rect">
-            <a:avLst/>
-          </a:prstGeom>
-        </p:spPr>
-      </p:pic>
+              <a:rPr lang="en-GB" dirty="0"/>
+              <a:t>Dataset</a:t>
+            </a:r>
+          </a:p>
+        </p:txBody>
+      </p:sp>
     </p:spTree>
     <p:extLst>
       <p:ext uri="{BB962C8B-B14F-4D97-AF65-F5344CB8AC3E}">
-        <p14:creationId xmlns:p14="http://schemas.microsoft.com/office/powerpoint/2010/main" val="1572143389"/>
+        <p14:creationId xmlns:p14="http://schemas.microsoft.com/office/powerpoint/2010/main" val="3038473865"/>
       </p:ext>
     </p:extLst>
   </p:cSld>
   <p:clrMapOvr>
     <a:masterClrMapping/>
   </p:clrMapOvr>
-  <mc:AlternateContent xmlns:mc="http://schemas.openxmlformats.org/markup-compatibility/2006">
-    <mc:Choice xmlns:p14="http://schemas.microsoft.com/office/powerpoint/2010/main" Requires="p14">
-      <p:transition p14:dur="10"/>
+  <mc:AlternateContent xmlns:mc="http://schemas.openxmlformats.org/markup-compatibility/2006" xmlns:p14="http://schemas.microsoft.com/office/powerpoint/2010/main">
+    <mc:Choice Requires="p14">
+      <p:transition spd="med" p14:dur="700">
+        <p:fade/>
+      </p:transition>
     </mc:Choice>
-    <mc:Fallback>
-      <p:transition/>
+    <mc:Fallback xmlns="">
+      <p:transition spd="med">
+        <p:fade/>
+      </p:transition>
     </mc:Fallback>
   </mc:AlternateContent>
 </p:sld>
@@ -9716,63 +14075,23 @@
 </file>
 
 <file path=customXml/item1.xml><?xml version="1.0" encoding="utf-8"?>
-<p:properties xmlns:p="http://schemas.microsoft.com/office/2006/metadata/properties" xmlns:xsi="http://www.w3.org/2001/XMLSchema-instance" xmlns:pc="http://schemas.microsoft.com/office/infopath/2007/PartnerControls">
-  <documentManagement>
-    <Kategorie xmlns="dde413db-0745-4f3a-8dca-564dc7ff6f7d">Präsentationen</Kategorie>
-    <Beschreibung xmlns="dde413db-0745-4f3a-8dca-564dc7ff6f7d">Präsentationsvorlage im Format 16:9 mit Titelfolie mit Bild (alle Varianten für Titelfolien stehen über die Folienlayouts auch in dieser Vorlage zur Verfügung)</Beschreibung>
-    <TaxCatchAll xmlns="08b0a3ee-3d2a-451c-9a1a-7e5d5b0c9c77">
-      <Value>266</Value>
-      <Value>403</Value>
-    </TaxCatchAll>
-    <DokumentenartTaxHTField0 xmlns="1a8d9a65-8471-4209-a900-f8e11db75e0a">
-      <Terms xmlns="http://schemas.microsoft.com/office/infopath/2007/PartnerControls">
-        <TermInfo xmlns="http://schemas.microsoft.com/office/infopath/2007/PartnerControls">
-          <TermName xmlns="http://schemas.microsoft.com/office/infopath/2007/PartnerControls">Vorlagen</TermName>
-          <TermId xmlns="http://schemas.microsoft.com/office/infopath/2007/PartnerControls">17fc50ed-8ad1-47be-ab12-04243fd74ddb</TermId>
-        </TermInfo>
-      </Terms>
-    </DokumentenartTaxHTField0>
-    <WU_x0020_ThemaTaxHTField0 xmlns="1a8d9a65-8471-4209-a900-f8e11db75e0a">
-      <Terms xmlns="http://schemas.microsoft.com/office/infopath/2007/PartnerControls">
-        <TermInfo xmlns="http://schemas.microsoft.com/office/infopath/2007/PartnerControls">
-          <TermName xmlns="http://schemas.microsoft.com/office/infopath/2007/PartnerControls">Corporate Design</TermName>
-          <TermId xmlns="http://schemas.microsoft.com/office/infopath/2007/PartnerControls">19895bcd-b158-45ae-ab7b-f5ca217dfcec</TermId>
-        </TermInfo>
-      </Terms>
-    </WU_x0020_ThemaTaxHTField0>
-    <Format xmlns="dde413db-0745-4f3a-8dca-564dc7ff6f7d">Microsoft Office 2013/2016</Format>
-  </documentManagement>
-</p:properties>
-</file>
-
-<file path=customXml/item2.xml><?xml version="1.0" encoding="utf-8"?>
-<?mso-contentType ?>
-<FormTemplates xmlns="http://schemas.microsoft.com/sharepoint/v3/contenttype/forms">
-  <Display>DocumentLibraryForm</Display>
-  <Edit>DocumentLibraryForm</Edit>
-  <New>DocumentLibraryForm</New>
-</FormTemplates>
-</file>
-
-<file path=customXml/item3.xml><?xml version="1.0" encoding="utf-8"?>
-<ct:contentTypeSchema xmlns:ct="http://schemas.microsoft.com/office/2006/metadata/contentType" xmlns:ma="http://schemas.microsoft.com/office/2006/metadata/properties/metaAttributes" ct:_="" ma:_="" ma:contentTypeName="Dokument" ma:contentTypeID="0x010100BCF651A35DF3154DB01328AF51148DAE" ma:contentTypeVersion="1" ma:contentTypeDescription="Ein neues Dokument erstellen." ma:contentTypeScope="" ma:versionID="458c1b80f8d593bdc96b60ff34dd40b4">
-  <xsd:schema xmlns:xsd="http://www.w3.org/2001/XMLSchema" xmlns:xs="http://www.w3.org/2001/XMLSchema" xmlns:p="http://schemas.microsoft.com/office/2006/metadata/properties" xmlns:ns2="1a8d9a65-8471-4209-a900-f8e11db75e0a" xmlns:ns3="08b0a3ee-3d2a-451c-9a1a-7e5d5b0c9c77" xmlns:ns4="dde413db-0745-4f3a-8dca-564dc7ff6f7d" targetNamespace="http://schemas.microsoft.com/office/2006/metadata/properties" ma:root="true" ma:fieldsID="2d31116d1a6b5af1b4a8b1ba7152d57a" ns2:_="" ns3:_="" ns4:_="">
-    <xsd:import namespace="1a8d9a65-8471-4209-a900-f8e11db75e0a"/>
-    <xsd:import namespace="08b0a3ee-3d2a-451c-9a1a-7e5d5b0c9c77"/>
-    <xsd:import namespace="dde413db-0745-4f3a-8dca-564dc7ff6f7d"/>
+<ct:contentTypeSchema xmlns:ct="http://schemas.microsoft.com/office/2006/metadata/contentType" xmlns:ma="http://schemas.microsoft.com/office/2006/metadata/properties/metaAttributes" ct:_="" ma:_="" ma:contentTypeName="Dokument" ma:contentTypeID="0x010100DFD4858E290079428C5BFDA89E3AFED2" ma:contentTypeVersion="7" ma:contentTypeDescription="Ein neues Dokument erstellen." ma:contentTypeScope="" ma:versionID="a313b15630a2c3c56c542c5374fce453">
+  <xsd:schema xmlns:xsd="http://www.w3.org/2001/XMLSchema" xmlns:xs="http://www.w3.org/2001/XMLSchema" xmlns:p="http://schemas.microsoft.com/office/2006/metadata/properties" xmlns:ns3="2543e569-627a-4d03-b3be-15316f64362a" xmlns:ns4="b210fc11-311b-43ed-b87e-a5b89f2d6a52" targetNamespace="http://schemas.microsoft.com/office/2006/metadata/properties" ma:root="true" ma:fieldsID="cc61f951f3d27a2be980d91644ce5ac6" ns3:_="" ns4:_="">
+    <xsd:import namespace="2543e569-627a-4d03-b3be-15316f64362a"/>
+    <xsd:import namespace="b210fc11-311b-43ed-b87e-a5b89f2d6a52"/>
     <xsd:element name="properties">
       <xsd:complexType>
         <xsd:sequence>
           <xsd:element name="documentManagement">
             <xsd:complexType>
               <xsd:all>
-                <xsd:element ref="ns2:WU_x0020_ThemaTaxHTField0" minOccurs="0"/>
-                <xsd:element ref="ns3:TaxCatchAll" minOccurs="0"/>
-                <xsd:element ref="ns2:DokumentenartTaxHTField0" minOccurs="0"/>
-                <xsd:element ref="ns4:Beschreibung" minOccurs="0"/>
-                <xsd:element ref="ns4:Format" minOccurs="0"/>
-                <xsd:element ref="ns4:Kategorie" minOccurs="0"/>
-                <xsd:element ref="ns3:SharedWithUsers" minOccurs="0"/>
+                <xsd:element ref="ns3:MediaServiceMetadata" minOccurs="0"/>
+                <xsd:element ref="ns3:MediaServiceFastMetadata" minOccurs="0"/>
+                <xsd:element ref="ns4:SharedWithUsers" minOccurs="0"/>
+                <xsd:element ref="ns4:SharedWithDetails" minOccurs="0"/>
+                <xsd:element ref="ns4:SharingHintHash" minOccurs="0"/>
+                <xsd:element ref="ns3:_activity" minOccurs="0"/>
+                <xsd:element ref="ns3:MediaServiceObjectDetectorVersions" minOccurs="0"/>
               </xsd:all>
             </xsd:complexType>
           </xsd:element>
@@ -9780,39 +14099,34 @@
       </xsd:complexType>
     </xsd:element>
   </xsd:schema>
-  <xsd:schema xmlns:xsd="http://www.w3.org/2001/XMLSchema" xmlns:xs="http://www.w3.org/2001/XMLSchema" xmlns:dms="http://schemas.microsoft.com/office/2006/documentManagement/types" xmlns:pc="http://schemas.microsoft.com/office/infopath/2007/PartnerControls" targetNamespace="1a8d9a65-8471-4209-a900-f8e11db75e0a" elementFormDefault="qualified">
+  <xsd:schema xmlns:xsd="http://www.w3.org/2001/XMLSchema" xmlns:xs="http://www.w3.org/2001/XMLSchema" xmlns:dms="http://schemas.microsoft.com/office/2006/documentManagement/types" xmlns:pc="http://schemas.microsoft.com/office/infopath/2007/PartnerControls" targetNamespace="2543e569-627a-4d03-b3be-15316f64362a" elementFormDefault="qualified">
     <xsd:import namespace="http://schemas.microsoft.com/office/2006/documentManagement/types"/>
     <xsd:import namespace="http://schemas.microsoft.com/office/infopath/2007/PartnerControls"/>
-    <xsd:element name="WU_x0020_ThemaTaxHTField0" ma:index="9" nillable="true" ma:taxonomy="true" ma:internalName="WU_x0020_ThemaTaxHTField0" ma:taxonomyFieldName="WU_x0020_Thema" ma:displayName="Schlagwort" ma:default="" ma:fieldId="{a2eb3201-e251-4055-97e9-466604fc777f}" ma:taxonomyMulti="true" ma:sspId="59da4ae5-1217-4de6-bd64-b7a740f353bb" ma:termSetId="c1edca97-812b-4584-b6b5-1e5cade81cae" ma:anchorId="00000000-0000-0000-0000-000000000000" ma:open="true" ma:isKeyword="false">
-      <xsd:complexType>
-        <xsd:sequence>
-          <xsd:element ref="pc:Terms" minOccurs="0" maxOccurs="1"/>
-        </xsd:sequence>
-      </xsd:complexType>
+    <xsd:element name="MediaServiceMetadata" ma:index="8" nillable="true" ma:displayName="MediaServiceMetadata" ma:hidden="true" ma:internalName="MediaServiceMetadata" ma:readOnly="true">
+      <xsd:simpleType>
+        <xsd:restriction base="dms:Note"/>
+      </xsd:simpleType>
     </xsd:element>
-    <xsd:element name="DokumentenartTaxHTField0" ma:index="12" nillable="true" ma:taxonomy="true" ma:internalName="DokumentenartTaxHTField0" ma:taxonomyFieldName="Dokumentenart" ma:displayName="Dokumentenart" ma:default="" ma:fieldId="{0f2e647f-32b7-4850-b6be-ae358ed71e70}" ma:taxonomyMulti="true" ma:sspId="59da4ae5-1217-4de6-bd64-b7a740f353bb" ma:termSetId="325756d7-e24e-4b6f-ba71-3f779d34c1ea" ma:anchorId="00000000-0000-0000-0000-000000000000" ma:open="false" ma:isKeyword="false">
-      <xsd:complexType>
-        <xsd:sequence>
-          <xsd:element ref="pc:Terms" minOccurs="0" maxOccurs="1"/>
-        </xsd:sequence>
-      </xsd:complexType>
+    <xsd:element name="MediaServiceFastMetadata" ma:index="9" nillable="true" ma:displayName="MediaServiceFastMetadata" ma:hidden="true" ma:internalName="MediaServiceFastMetadata" ma:readOnly="true">
+      <xsd:simpleType>
+        <xsd:restriction base="dms:Note"/>
+      </xsd:simpleType>
+    </xsd:element>
+    <xsd:element name="_activity" ma:index="13" nillable="true" ma:displayName="_activity" ma:hidden="true" ma:internalName="_activity">
+      <xsd:simpleType>
+        <xsd:restriction base="dms:Note"/>
+      </xsd:simpleType>
+    </xsd:element>
+    <xsd:element name="MediaServiceObjectDetectorVersions" ma:index="14" nillable="true" ma:displayName="MediaServiceObjectDetectorVersions" ma:hidden="true" ma:indexed="true" ma:internalName="MediaServiceObjectDetectorVersions" ma:readOnly="true">
+      <xsd:simpleType>
+        <xsd:restriction base="dms:Text"/>
+      </xsd:simpleType>
     </xsd:element>
   </xsd:schema>
-  <xsd:schema xmlns:xsd="http://www.w3.org/2001/XMLSchema" xmlns:xs="http://www.w3.org/2001/XMLSchema" xmlns:dms="http://schemas.microsoft.com/office/2006/documentManagement/types" xmlns:pc="http://schemas.microsoft.com/office/infopath/2007/PartnerControls" targetNamespace="08b0a3ee-3d2a-451c-9a1a-7e5d5b0c9c77" elementFormDefault="qualified">
+  <xsd:schema xmlns:xsd="http://www.w3.org/2001/XMLSchema" xmlns:xs="http://www.w3.org/2001/XMLSchema" xmlns:dms="http://schemas.microsoft.com/office/2006/documentManagement/types" xmlns:pc="http://schemas.microsoft.com/office/infopath/2007/PartnerControls" targetNamespace="b210fc11-311b-43ed-b87e-a5b89f2d6a52" elementFormDefault="qualified">
     <xsd:import namespace="http://schemas.microsoft.com/office/2006/documentManagement/types"/>
     <xsd:import namespace="http://schemas.microsoft.com/office/infopath/2007/PartnerControls"/>
-    <xsd:element name="TaxCatchAll" ma:index="10" nillable="true" ma:displayName="Taxonomy Catch All Column" ma:description="" ma:hidden="true" ma:list="{6a103bb8-3913-4e3b-a229-080a76572464}" ma:internalName="TaxCatchAll" ma:showField="CatchAllData" ma:web="08b0a3ee-3d2a-451c-9a1a-7e5d5b0c9c77">
-      <xsd:complexType>
-        <xsd:complexContent>
-          <xsd:extension base="dms:MultiChoiceLookup">
-            <xsd:sequence>
-              <xsd:element name="Value" type="dms:Lookup" maxOccurs="unbounded" minOccurs="0" nillable="true"/>
-            </xsd:sequence>
-          </xsd:extension>
-        </xsd:complexContent>
-      </xsd:complexType>
-    </xsd:element>
-    <xsd:element name="SharedWithUsers" ma:index="16" nillable="true" ma:displayName="Freigegeben für" ma:description="" ma:internalName="SharedWithUsers" ma:readOnly="true">
+    <xsd:element name="SharedWithUsers" ma:index="10" nillable="true" ma:displayName="Freigegeben für" ma:internalName="SharedWithUsers" ma:readOnly="true">
       <xsd:complexType>
         <xsd:complexContent>
           <xsd:extension base="dms:UserMulti">
@@ -9831,50 +14145,16 @@
         </xsd:complexContent>
       </xsd:complexType>
     </xsd:element>
-  </xsd:schema>
-  <xsd:schema xmlns:xsd="http://www.w3.org/2001/XMLSchema" xmlns:xs="http://www.w3.org/2001/XMLSchema" xmlns:dms="http://schemas.microsoft.com/office/2006/documentManagement/types" xmlns:pc="http://schemas.microsoft.com/office/infopath/2007/PartnerControls" targetNamespace="dde413db-0745-4f3a-8dca-564dc7ff6f7d" elementFormDefault="qualified">
-    <xsd:import namespace="http://schemas.microsoft.com/office/2006/documentManagement/types"/>
-    <xsd:import namespace="http://schemas.microsoft.com/office/infopath/2007/PartnerControls"/>
-    <xsd:element name="Beschreibung" ma:index="13" nillable="true" ma:displayName="Beschreibung" ma:internalName="Beschreibung">
+    <xsd:element name="SharedWithDetails" ma:index="11" nillable="true" ma:displayName="Freigegeben für - Details" ma:internalName="SharedWithDetails" ma:readOnly="true">
       <xsd:simpleType>
         <xsd:restriction base="dms:Note">
           <xsd:maxLength value="255"/>
         </xsd:restriction>
       </xsd:simpleType>
     </xsd:element>
-    <xsd:element name="Format" ma:index="14" nillable="true" ma:displayName="Format" ma:format="Dropdown" ma:internalName="Format">
+    <xsd:element name="SharingHintHash" ma:index="12" nillable="true" ma:displayName="Freigabehinweishash" ma:hidden="true" ma:internalName="SharingHintHash" ma:readOnly="true">
       <xsd:simpleType>
-        <xsd:union memberTypes="dms:Text">
-          <xsd:simpleType>
-            <xsd:restriction base="dms:Choice">
-              <xsd:enumeration value="LaTeX"/>
-              <xsd:enumeration value="Microsoft Office 2003"/>
-              <xsd:enumeration value="Microsoft Office 2007-2013"/>
-              <xsd:enumeration value="Microsoft Office 2013/2016"/>
-              <xsd:enumeration value="OpenOffice 3.0"/>
-            </xsd:restriction>
-          </xsd:simpleType>
-        </xsd:union>
-      </xsd:simpleType>
-    </xsd:element>
-    <xsd:element name="Kategorie" ma:index="15" nillable="true" ma:displayName="Kategorie" ma:default="Anleitungen" ma:format="Dropdown" ma:internalName="Kategorie">
-      <xsd:simpleType>
-        <xsd:union memberTypes="dms:Text">
-          <xsd:simpleType>
-            <xsd:restriction base="dms:Choice">
-              <xsd:enumeration value="Anleitungen"/>
-              <xsd:enumeration value="Aushänge für Lift und Tür"/>
-              <xsd:enumeration value="Basisvorlagen"/>
-              <xsd:enumeration value="Brief-/Faxvorlagen"/>
-              <xsd:enumeration value="Einladungen"/>
-              <xsd:enumeration value="Etiketten"/>
-              <xsd:enumeration value="Musterdateien"/>
-              <xsd:enumeration value="Namensschilder"/>
-              <xsd:enumeration value="Präsentationen"/>
-              <xsd:enumeration value="Skripten-Cover"/>
-            </xsd:restriction>
-          </xsd:simpleType>
-        </xsd:union>
+        <xsd:restriction base="dms:Text"/>
       </xsd:simpleType>
     </xsd:element>
   </xsd:schema>
@@ -9977,20 +14257,38 @@
 </ct:contentTypeSchema>
 </file>
 
+<file path=customXml/item2.xml><?xml version="1.0" encoding="utf-8"?>
+<?mso-contentType ?>
+<FormTemplates xmlns="http://schemas.microsoft.com/sharepoint/v3/contenttype/forms">
+  <Display>DocumentLibraryForm</Display>
+  <Edit>DocumentLibraryForm</Edit>
+  <New>DocumentLibraryForm</New>
+</FormTemplates>
+</file>
+
+<file path=customXml/item3.xml><?xml version="1.0" encoding="utf-8"?>
+<p:properties xmlns:p="http://schemas.microsoft.com/office/2006/metadata/properties" xmlns:xsi="http://www.w3.org/2001/XMLSchema-instance" xmlns:pc="http://schemas.microsoft.com/office/infopath/2007/PartnerControls">
+  <documentManagement>
+    <_activity xmlns="2543e569-627a-4d03-b3be-15316f64362a" xsi:nil="true"/>
+  </documentManagement>
+</p:properties>
+</file>
+
 <file path=customXml/itemProps1.xml><?xml version="1.0" encoding="utf-8"?>
-<ds:datastoreItem xmlns:ds="http://schemas.openxmlformats.org/officeDocument/2006/customXml" ds:itemID="{C5BD3ECB-9EC1-4968-9CDD-422EDA06B901}">
+<ds:datastoreItem xmlns:ds="http://schemas.openxmlformats.org/officeDocument/2006/customXml" ds:itemID="{38D7AA46-B023-474B-B652-CA790104EE87}">
   <ds:schemaRefs>
-    <ds:schemaRef ds:uri="http://purl.org/dc/terms/"/>
-    <ds:schemaRef ds:uri="http://schemas.openxmlformats.org/package/2006/metadata/core-properties"/>
+    <ds:schemaRef ds:uri="http://schemas.microsoft.com/office/2006/metadata/contentType"/>
+    <ds:schemaRef ds:uri="http://schemas.microsoft.com/office/2006/metadata/properties/metaAttributes"/>
+    <ds:schemaRef ds:uri="http://www.w3.org/2001/XMLSchema"/>
+    <ds:schemaRef ds:uri="http://schemas.microsoft.com/office/2006/metadata/properties"/>
+    <ds:schemaRef ds:uri="2543e569-627a-4d03-b3be-15316f64362a"/>
+    <ds:schemaRef ds:uri="b210fc11-311b-43ed-b87e-a5b89f2d6a52"/>
     <ds:schemaRef ds:uri="http://schemas.microsoft.com/office/2006/documentManagement/types"/>
     <ds:schemaRef ds:uri="http://schemas.microsoft.com/office/infopath/2007/PartnerControls"/>
-    <ds:schemaRef ds:uri="dde413db-0745-4f3a-8dca-564dc7ff6f7d"/>
+    <ds:schemaRef ds:uri="http://schemas.openxmlformats.org/package/2006/metadata/core-properties"/>
     <ds:schemaRef ds:uri="http://purl.org/dc/elements/1.1/"/>
-    <ds:schemaRef ds:uri="http://schemas.microsoft.com/office/2006/metadata/properties"/>
-    <ds:schemaRef ds:uri="1a8d9a65-8471-4209-a900-f8e11db75e0a"/>
-    <ds:schemaRef ds:uri="08b0a3ee-3d2a-451c-9a1a-7e5d5b0c9c77"/>
-    <ds:schemaRef ds:uri="http://www.w3.org/XML/1998/namespace"/>
-    <ds:schemaRef ds:uri="http://purl.org/dc/dcmitype/"/>
+    <ds:schemaRef ds:uri="http://purl.org/dc/terms/"/>
+    <ds:schemaRef ds:uri="http://schemas.microsoft.com/internal/obd"/>
   </ds:schemaRefs>
 </ds:datastoreItem>
 </file>
@@ -10004,21 +14302,18 @@
 </file>
 
 <file path=customXml/itemProps3.xml><?xml version="1.0" encoding="utf-8"?>
-<ds:datastoreItem xmlns:ds="http://schemas.openxmlformats.org/officeDocument/2006/customXml" ds:itemID="{0A29AAED-5237-4F67-BE14-0059011530B6}">
+<ds:datastoreItem xmlns:ds="http://schemas.openxmlformats.org/officeDocument/2006/customXml" ds:itemID="{C5BD3ECB-9EC1-4968-9CDD-422EDA06B901}">
   <ds:schemaRefs>
-    <ds:schemaRef ds:uri="http://schemas.microsoft.com/office/2006/metadata/contentType"/>
-    <ds:schemaRef ds:uri="http://schemas.microsoft.com/office/2006/metadata/properties/metaAttributes"/>
-    <ds:schemaRef ds:uri="http://www.w3.org/2001/XMLSchema"/>
+    <ds:schemaRef ds:uri="http://purl.org/dc/dcmitype/"/>
+    <ds:schemaRef ds:uri="http://schemas.microsoft.com/office/infopath/2007/PartnerControls"/>
+    <ds:schemaRef ds:uri="http://purl.org/dc/terms/"/>
+    <ds:schemaRef ds:uri="http://schemas.openxmlformats.org/package/2006/metadata/core-properties"/>
+    <ds:schemaRef ds:uri="http://www.w3.org/XML/1998/namespace"/>
+    <ds:schemaRef ds:uri="2543e569-627a-4d03-b3be-15316f64362a"/>
+    <ds:schemaRef ds:uri="http://schemas.microsoft.com/office/2006/documentManagement/types"/>
+    <ds:schemaRef ds:uri="http://purl.org/dc/elements/1.1/"/>
+    <ds:schemaRef ds:uri="b210fc11-311b-43ed-b87e-a5b89f2d6a52"/>
     <ds:schemaRef ds:uri="http://schemas.microsoft.com/office/2006/metadata/properties"/>
-    <ds:schemaRef ds:uri="1a8d9a65-8471-4209-a900-f8e11db75e0a"/>
-    <ds:schemaRef ds:uri="08b0a3ee-3d2a-451c-9a1a-7e5d5b0c9c77"/>
-    <ds:schemaRef ds:uri="dde413db-0745-4f3a-8dca-564dc7ff6f7d"/>
-    <ds:schemaRef ds:uri="http://schemas.microsoft.com/office/2006/documentManagement/types"/>
-    <ds:schemaRef ds:uri="http://schemas.microsoft.com/office/infopath/2007/PartnerControls"/>
-    <ds:schemaRef ds:uri="http://schemas.openxmlformats.org/package/2006/metadata/core-properties"/>
-    <ds:schemaRef ds:uri="http://purl.org/dc/elements/1.1/"/>
-    <ds:schemaRef ds:uri="http://purl.org/dc/terms/"/>
-    <ds:schemaRef ds:uri="http://schemas.microsoft.com/internal/obd"/>
   </ds:schemaRefs>
 </ds:datastoreItem>
 </file>